--- a/SrikarP_FilmProject.pptx
+++ b/SrikarP_FilmProject.pptx
@@ -6149,7 +6149,7 @@
         <p:spPr>
           <a:xfrm>
             <a:off x="0" y="0"/>
-            <a:ext cx="10079280" cy="5669280"/>
+            <a:ext cx="10078560" cy="5668560"/>
           </a:xfrm>
           <a:prstGeom prst="rect">
             <a:avLst/>
@@ -6185,7 +6185,7 @@
         <p:spPr>
           <a:xfrm>
             <a:off x="1440000" y="1080000"/>
-            <a:ext cx="1439280" cy="1259280"/>
+            <a:ext cx="1438560" cy="1258560"/>
           </a:xfrm>
           <a:prstGeom prst="ellipse">
             <a:avLst/>
@@ -6215,7 +6215,7 @@
         <p:spPr>
           <a:xfrm>
             <a:off x="7380000" y="3960000"/>
-            <a:ext cx="1439280" cy="1259280"/>
+            <a:ext cx="1438560" cy="1258560"/>
           </a:xfrm>
           <a:prstGeom prst="ellipse">
             <a:avLst/>
@@ -6245,7 +6245,7 @@
         <p:spPr>
           <a:xfrm>
             <a:off x="9000000" y="2700000"/>
-            <a:ext cx="1259280" cy="1079280"/>
+            <a:ext cx="1258560" cy="1078560"/>
           </a:xfrm>
           <a:prstGeom prst="ellipse">
             <a:avLst/>
@@ -6275,7 +6275,7 @@
         <p:spPr>
           <a:xfrm>
             <a:off x="-180000" y="2430000"/>
-            <a:ext cx="1439280" cy="1349280"/>
+            <a:ext cx="1438560" cy="1348560"/>
           </a:xfrm>
           <a:prstGeom prst="ellipse">
             <a:avLst/>
@@ -6305,7 +6305,7 @@
         <p:spPr>
           <a:xfrm>
             <a:off x="540000" y="1080000"/>
-            <a:ext cx="719280" cy="719280"/>
+            <a:ext cx="718560" cy="718560"/>
           </a:xfrm>
           <a:prstGeom prst="ellipse">
             <a:avLst/>
@@ -6335,7 +6335,7 @@
         <p:spPr>
           <a:xfrm>
             <a:off x="0" y="1260000"/>
-            <a:ext cx="719280" cy="719280"/>
+            <a:ext cx="718560" cy="718560"/>
           </a:xfrm>
           <a:prstGeom prst="ellipse">
             <a:avLst/>
@@ -6365,7 +6365,7 @@
         <p:spPr>
           <a:xfrm>
             <a:off x="0" y="5220000"/>
-            <a:ext cx="1619280" cy="1259280"/>
+            <a:ext cx="1618560" cy="1258560"/>
           </a:xfrm>
           <a:prstGeom prst="ellipse">
             <a:avLst/>
@@ -6395,7 +6395,7 @@
         <p:spPr>
           <a:xfrm>
             <a:off x="9720000" y="4680000"/>
-            <a:ext cx="719280" cy="719280"/>
+            <a:ext cx="718560" cy="718560"/>
           </a:xfrm>
           <a:prstGeom prst="ellipse">
             <a:avLst/>
@@ -6425,7 +6425,7 @@
         <p:spPr>
           <a:xfrm>
             <a:off x="9540000" y="3420000"/>
-            <a:ext cx="719280" cy="719280"/>
+            <a:ext cx="718560" cy="718560"/>
           </a:xfrm>
           <a:prstGeom prst="ellipse">
             <a:avLst/>
@@ -6455,7 +6455,7 @@
         <p:spPr>
           <a:xfrm>
             <a:off x="8100000" y="4680000"/>
-            <a:ext cx="1079280" cy="841680"/>
+            <a:ext cx="1078560" cy="840960"/>
           </a:xfrm>
           <a:prstGeom prst="ellipse">
             <a:avLst/>
@@ -6485,7 +6485,7 @@
         <p:spPr>
           <a:xfrm>
             <a:off x="7920000" y="5400000"/>
-            <a:ext cx="899280" cy="899280"/>
+            <a:ext cx="898560" cy="898560"/>
           </a:xfrm>
           <a:prstGeom prst="ellipse">
             <a:avLst/>
@@ -6518,8 +6518,8 @@
         </p:nvSpPr>
         <p:spPr>
           <a:xfrm>
-            <a:off x="540000" y="270000"/>
-            <a:ext cx="8999280" cy="989280"/>
+            <a:off x="504000" y="226080"/>
+            <a:ext cx="9072000" cy="946440"/>
           </a:xfrm>
           <a:prstGeom prst="rect">
             <a:avLst/>
@@ -6534,20 +6534,17 @@
             <a:noAutofit/>
           </a:bodyPr>
           <a:p>
+            <a:pPr algn="ctr">
+              <a:buNone/>
+            </a:pPr>
             <a:r>
-              <a:rPr b="0" lang="en-US" sz="1800" spc="-1" strike="noStrike">
-                <a:solidFill>
-                  <a:srgbClr val="ffffff"/>
-                </a:solidFill>
-                <a:latin typeface="Courier New"/>
+              <a:rPr b="0" lang="en-US" sz="4400" spc="-1" strike="noStrike">
+                <a:latin typeface="Arial"/>
               </a:rPr>
               <a:t>Click to edit the title text format</a:t>
             </a:r>
-            <a:endParaRPr b="0" lang="en-US" sz="1800" spc="-1" strike="noStrike">
-              <a:solidFill>
-                <a:srgbClr val="ffffff"/>
-              </a:solidFill>
-              <a:latin typeface="Courier New"/>
+            <a:endParaRPr b="0" lang="en-US" sz="4400" spc="-1" strike="noStrike">
+              <a:latin typeface="Arial"/>
             </a:endParaRPr>
           </a:p>
         </p:txBody>
@@ -6781,7 +6778,7 @@
         <p:spPr>
           <a:xfrm>
             <a:off x="0" y="0"/>
-            <a:ext cx="10079280" cy="5669280"/>
+            <a:ext cx="10078560" cy="5668560"/>
           </a:xfrm>
           <a:prstGeom prst="rect">
             <a:avLst/>
@@ -6817,7 +6814,7 @@
         <p:spPr>
           <a:xfrm>
             <a:off x="1440000" y="1080000"/>
-            <a:ext cx="1439280" cy="1259280"/>
+            <a:ext cx="1438560" cy="1258560"/>
           </a:xfrm>
           <a:prstGeom prst="ellipse">
             <a:avLst/>
@@ -6847,7 +6844,7 @@
         <p:spPr>
           <a:xfrm>
             <a:off x="7380000" y="3960000"/>
-            <a:ext cx="1439280" cy="1259280"/>
+            <a:ext cx="1438560" cy="1258560"/>
           </a:xfrm>
           <a:prstGeom prst="ellipse">
             <a:avLst/>
@@ -6877,7 +6874,7 @@
         <p:spPr>
           <a:xfrm>
             <a:off x="9000000" y="2700000"/>
-            <a:ext cx="1259280" cy="1079280"/>
+            <a:ext cx="1258560" cy="1078560"/>
           </a:xfrm>
           <a:prstGeom prst="ellipse">
             <a:avLst/>
@@ -6907,7 +6904,7 @@
         <p:spPr>
           <a:xfrm>
             <a:off x="-180000" y="2430000"/>
-            <a:ext cx="1439280" cy="1349280"/>
+            <a:ext cx="1438560" cy="1348560"/>
           </a:xfrm>
           <a:prstGeom prst="ellipse">
             <a:avLst/>
@@ -6937,7 +6934,7 @@
         <p:spPr>
           <a:xfrm>
             <a:off x="540000" y="1080000"/>
-            <a:ext cx="719280" cy="719280"/>
+            <a:ext cx="718560" cy="718560"/>
           </a:xfrm>
           <a:prstGeom prst="ellipse">
             <a:avLst/>
@@ -6967,7 +6964,7 @@
         <p:spPr>
           <a:xfrm>
             <a:off x="0" y="1260000"/>
-            <a:ext cx="719280" cy="719280"/>
+            <a:ext cx="718560" cy="718560"/>
           </a:xfrm>
           <a:prstGeom prst="ellipse">
             <a:avLst/>
@@ -6997,7 +6994,7 @@
         <p:spPr>
           <a:xfrm>
             <a:off x="0" y="5220000"/>
-            <a:ext cx="1619280" cy="1259280"/>
+            <a:ext cx="1618560" cy="1258560"/>
           </a:xfrm>
           <a:prstGeom prst="ellipse">
             <a:avLst/>
@@ -7027,7 +7024,7 @@
         <p:spPr>
           <a:xfrm>
             <a:off x="9720000" y="4680000"/>
-            <a:ext cx="719280" cy="719280"/>
+            <a:ext cx="718560" cy="718560"/>
           </a:xfrm>
           <a:prstGeom prst="ellipse">
             <a:avLst/>
@@ -7057,7 +7054,7 @@
         <p:spPr>
           <a:xfrm>
             <a:off x="9540000" y="3420000"/>
-            <a:ext cx="719280" cy="719280"/>
+            <a:ext cx="718560" cy="718560"/>
           </a:xfrm>
           <a:prstGeom prst="ellipse">
             <a:avLst/>
@@ -7087,7 +7084,7 @@
         <p:spPr>
           <a:xfrm>
             <a:off x="8100000" y="4680000"/>
-            <a:ext cx="1079280" cy="841680"/>
+            <a:ext cx="1078560" cy="840960"/>
           </a:xfrm>
           <a:prstGeom prst="ellipse">
             <a:avLst/>
@@ -7117,7 +7114,7 @@
         <p:spPr>
           <a:xfrm>
             <a:off x="7920000" y="5400000"/>
-            <a:ext cx="899280" cy="899280"/>
+            <a:ext cx="898560" cy="898560"/>
           </a:xfrm>
           <a:prstGeom prst="ellipse">
             <a:avLst/>
@@ -7150,8 +7147,8 @@
         </p:nvSpPr>
         <p:spPr>
           <a:xfrm>
-            <a:off x="540000" y="270000"/>
-            <a:ext cx="8999280" cy="989280"/>
+            <a:off x="504000" y="226080"/>
+            <a:ext cx="9072000" cy="946440"/>
           </a:xfrm>
           <a:prstGeom prst="rect">
             <a:avLst/>
@@ -7166,13 +7163,16 @@
             <a:noAutofit/>
           </a:bodyPr>
           <a:p>
+            <a:pPr algn="ctr">
+              <a:buNone/>
+            </a:pPr>
             <a:r>
-              <a:rPr b="0" lang="en-US" sz="1800" spc="-1" strike="noStrike">
+              <a:rPr b="0" lang="en-US" sz="4400" spc="-1" strike="noStrike">
                 <a:latin typeface="Arial"/>
               </a:rPr>
               <a:t>Click to edit the title text format</a:t>
             </a:r>
-            <a:endParaRPr b="0" lang="en-US" sz="1800" spc="-1" strike="noStrike">
+            <a:endParaRPr b="0" lang="en-US" sz="4400" spc="-1" strike="noStrike">
               <a:latin typeface="Arial"/>
             </a:endParaRPr>
           </a:p>
@@ -7190,8 +7190,8 @@
         </p:nvSpPr>
         <p:spPr>
           <a:xfrm>
-            <a:off x="540000" y="1440000"/>
-            <a:ext cx="8999280" cy="3599280"/>
+            <a:off x="504000" y="1326600"/>
+            <a:ext cx="9072000" cy="3288600"/>
           </a:xfrm>
           <a:prstGeom prst="rect">
             <a:avLst/>
@@ -7218,12 +7218,12 @@
               <a:buChar char=""/>
             </a:pPr>
             <a:r>
-              <a:rPr b="0" lang="en-US" sz="1800" spc="-1" strike="noStrike">
+              <a:rPr b="0" lang="en-US" sz="3200" spc="-1" strike="noStrike">
                 <a:latin typeface="Arial"/>
               </a:rPr>
               <a:t>Click to edit the outline text format</a:t>
             </a:r>
-            <a:endParaRPr b="0" lang="en-US" sz="1800" spc="-1" strike="noStrike">
+            <a:endParaRPr b="0" lang="en-US" sz="3200" spc="-1" strike="noStrike">
               <a:latin typeface="Arial"/>
             </a:endParaRPr>
           </a:p>
@@ -7240,12 +7240,12 @@
               <a:buChar char=""/>
             </a:pPr>
             <a:r>
-              <a:rPr b="0" lang="en-US" sz="1800" spc="-1" strike="noStrike">
+              <a:rPr b="0" lang="en-US" sz="2800" spc="-1" strike="noStrike">
                 <a:latin typeface="Arial"/>
               </a:rPr>
               <a:t>Second Outline Level</a:t>
             </a:r>
-            <a:endParaRPr b="0" lang="en-US" sz="1800" spc="-1" strike="noStrike">
+            <a:endParaRPr b="0" lang="en-US" sz="2800" spc="-1" strike="noStrike">
               <a:latin typeface="Arial"/>
             </a:endParaRPr>
           </a:p>
@@ -7262,12 +7262,12 @@
               <a:buChar char=""/>
             </a:pPr>
             <a:r>
-              <a:rPr b="0" lang="en-US" sz="1800" spc="-1" strike="noStrike">
+              <a:rPr b="0" lang="en-US" sz="2400" spc="-1" strike="noStrike">
                 <a:latin typeface="Arial"/>
               </a:rPr>
               <a:t>Third Outline Level</a:t>
             </a:r>
-            <a:endParaRPr b="0" lang="en-US" sz="1800" spc="-1" strike="noStrike">
+            <a:endParaRPr b="0" lang="en-US" sz="2400" spc="-1" strike="noStrike">
               <a:latin typeface="Arial"/>
             </a:endParaRPr>
           </a:p>
@@ -7284,12 +7284,12 @@
               <a:buChar char=""/>
             </a:pPr>
             <a:r>
-              <a:rPr b="0" lang="en-US" sz="1800" spc="-1" strike="noStrike">
+              <a:rPr b="0" lang="en-US" sz="2000" spc="-1" strike="noStrike">
                 <a:latin typeface="Arial"/>
               </a:rPr>
               <a:t>Fourth Outline Level</a:t>
             </a:r>
-            <a:endParaRPr b="0" lang="en-US" sz="1800" spc="-1" strike="noStrike">
+            <a:endParaRPr b="0" lang="en-US" sz="2000" spc="-1" strike="noStrike">
               <a:latin typeface="Arial"/>
             </a:endParaRPr>
           </a:p>
@@ -7306,12 +7306,12 @@
               <a:buChar char=""/>
             </a:pPr>
             <a:r>
-              <a:rPr b="0" lang="en-US" sz="1800" spc="-1" strike="noStrike">
+              <a:rPr b="0" lang="en-US" sz="2000" spc="-1" strike="noStrike">
                 <a:latin typeface="Arial"/>
               </a:rPr>
               <a:t>Fifth Outline Level</a:t>
             </a:r>
-            <a:endParaRPr b="0" lang="en-US" sz="1800" spc="-1" strike="noStrike">
+            <a:endParaRPr b="0" lang="en-US" sz="2000" spc="-1" strike="noStrike">
               <a:latin typeface="Arial"/>
             </a:endParaRPr>
           </a:p>
@@ -7328,12 +7328,12 @@
               <a:buChar char=""/>
             </a:pPr>
             <a:r>
-              <a:rPr b="0" lang="en-US" sz="1800" spc="-1" strike="noStrike">
+              <a:rPr b="0" lang="en-US" sz="2000" spc="-1" strike="noStrike">
                 <a:latin typeface="Arial"/>
               </a:rPr>
               <a:t>Sixth Outline Level</a:t>
             </a:r>
-            <a:endParaRPr b="0" lang="en-US" sz="1800" spc="-1" strike="noStrike">
+            <a:endParaRPr b="0" lang="en-US" sz="2000" spc="-1" strike="noStrike">
               <a:latin typeface="Arial"/>
             </a:endParaRPr>
           </a:p>
@@ -7350,12 +7350,12 @@
               <a:buChar char=""/>
             </a:pPr>
             <a:r>
-              <a:rPr b="0" lang="en-US" sz="1800" spc="-1" strike="noStrike">
+              <a:rPr b="0" lang="en-US" sz="2000" spc="-1" strike="noStrike">
                 <a:latin typeface="Arial"/>
               </a:rPr>
               <a:t>Seventh Outline Level</a:t>
             </a:r>
-            <a:endParaRPr b="0" lang="en-US" sz="1800" spc="-1" strike="noStrike">
+            <a:endParaRPr b="0" lang="en-US" sz="2000" spc="-1" strike="noStrike">
               <a:latin typeface="Arial"/>
             </a:endParaRPr>
           </a:p>
@@ -7407,7 +7407,7 @@
         <p:spPr>
           <a:xfrm>
             <a:off x="0" y="360"/>
-            <a:ext cx="10079280" cy="5668920"/>
+            <a:ext cx="10078560" cy="5668200"/>
           </a:xfrm>
           <a:prstGeom prst="rect">
             <a:avLst/>
@@ -7442,8 +7442,8 @@
         </p:nvSpPr>
         <p:spPr>
           <a:xfrm flipH="1">
-            <a:off x="-3240" y="0"/>
-            <a:ext cx="10079640" cy="5669640"/>
+            <a:off x="-3960" y="0"/>
+            <a:ext cx="10078920" cy="5668920"/>
           </a:xfrm>
           <a:prstGeom prst="rect">
             <a:avLst/>
@@ -7490,7 +7490,7 @@
         <p:spPr>
           <a:xfrm>
             <a:off x="0" y="1260360"/>
-            <a:ext cx="10259280" cy="4498920"/>
+            <a:ext cx="10258560" cy="4498200"/>
           </a:xfrm>
           <a:prstGeom prst="rect">
             <a:avLst/>
@@ -7518,7 +7518,7 @@
         <p:spPr>
           <a:xfrm>
             <a:off x="180360" y="5130360"/>
-            <a:ext cx="2339280" cy="391680"/>
+            <a:ext cx="2338560" cy="390960"/>
           </a:xfrm>
           <a:prstGeom prst="rect">
             <a:avLst/>
@@ -7570,7 +7570,7 @@
         <p:spPr>
           <a:xfrm>
             <a:off x="7560360" y="5130360"/>
-            <a:ext cx="2339280" cy="391680"/>
+            <a:ext cx="2338560" cy="390960"/>
           </a:xfrm>
           <a:prstGeom prst="rect">
             <a:avLst/>
@@ -7597,7 +7597,7 @@
               </a:lnSpc>
               <a:buNone/>
             </a:pPr>
-            <a:fld id="{E64EE069-A9E3-4D79-8A8D-8805C40ACFBB}" type="slidenum">
+            <a:fld id="{717540E5-71F6-4BEA-B8B5-0B6FE4521615}" type="slidenum">
               <a:rPr b="0" lang="en-US" sz="1400" spc="-1" strike="noStrike">
                 <a:solidFill>
                   <a:srgbClr val="000000"/>
@@ -7622,7 +7622,7 @@
         <p:spPr>
           <a:xfrm>
             <a:off x="1440360" y="1080360"/>
-            <a:ext cx="1439280" cy="1259280"/>
+            <a:ext cx="1438560" cy="1258560"/>
           </a:xfrm>
           <a:prstGeom prst="ellipse">
             <a:avLst/>
@@ -7652,7 +7652,7 @@
         <p:spPr>
           <a:xfrm>
             <a:off x="7380360" y="3960360"/>
-            <a:ext cx="1439280" cy="1259280"/>
+            <a:ext cx="1438560" cy="1258560"/>
           </a:xfrm>
           <a:prstGeom prst="ellipse">
             <a:avLst/>
@@ -7682,7 +7682,7 @@
         <p:spPr>
           <a:xfrm>
             <a:off x="540360" y="1080360"/>
-            <a:ext cx="719280" cy="719280"/>
+            <a:ext cx="718560" cy="718560"/>
           </a:xfrm>
           <a:prstGeom prst="ellipse">
             <a:avLst/>
@@ -7712,7 +7712,7 @@
         <p:spPr>
           <a:xfrm>
             <a:off x="360" y="1260360"/>
-            <a:ext cx="719280" cy="719280"/>
+            <a:ext cx="718560" cy="718560"/>
           </a:xfrm>
           <a:prstGeom prst="ellipse">
             <a:avLst/>
@@ -7745,8 +7745,8 @@
         </p:nvSpPr>
         <p:spPr>
           <a:xfrm>
-            <a:off x="540000" y="270000"/>
-            <a:ext cx="8999280" cy="989280"/>
+            <a:off x="504000" y="226080"/>
+            <a:ext cx="9072000" cy="946440"/>
           </a:xfrm>
           <a:prstGeom prst="rect">
             <a:avLst/>
@@ -7761,14 +7761,17 @@
             <a:noAutofit/>
           </a:bodyPr>
           <a:p>
+            <a:pPr algn="ctr">
+              <a:buNone/>
+            </a:pPr>
             <a:r>
-              <a:rPr b="0" lang="en-US" sz="1800" spc="-1" strike="noStrike">
-                <a:latin typeface="Courier New"/>
+              <a:rPr b="0" lang="en-US" sz="4400" spc="-1" strike="noStrike">
+                <a:latin typeface="Arial"/>
               </a:rPr>
               <a:t>Click to edit the title text format</a:t>
             </a:r>
-            <a:endParaRPr b="0" lang="en-US" sz="1800" spc="-1" strike="noStrike">
-              <a:latin typeface="Courier New"/>
+            <a:endParaRPr b="0" lang="en-US" sz="4400" spc="-1" strike="noStrike">
+              <a:latin typeface="Arial"/>
             </a:endParaRPr>
           </a:p>
         </p:txBody>
@@ -7785,8 +7788,8 @@
         </p:nvSpPr>
         <p:spPr>
           <a:xfrm>
-            <a:off x="540000" y="1440000"/>
-            <a:ext cx="8999280" cy="3599280"/>
+            <a:off x="504000" y="1326600"/>
+            <a:ext cx="9072000" cy="3288600"/>
           </a:xfrm>
           <a:prstGeom prst="rect">
             <a:avLst/>
@@ -7813,12 +7816,12 @@
               <a:buChar char=""/>
             </a:pPr>
             <a:r>
-              <a:rPr b="0" lang="en-US" sz="1800" spc="-1" strike="noStrike">
+              <a:rPr b="0" lang="en-US" sz="3200" spc="-1" strike="noStrike">
                 <a:latin typeface="Arial"/>
               </a:rPr>
               <a:t>Click to edit the outline text format</a:t>
             </a:r>
-            <a:endParaRPr b="0" lang="en-US" sz="1800" spc="-1" strike="noStrike">
+            <a:endParaRPr b="0" lang="en-US" sz="3200" spc="-1" strike="noStrike">
               <a:latin typeface="Arial"/>
             </a:endParaRPr>
           </a:p>
@@ -7835,12 +7838,12 @@
               <a:buChar char=""/>
             </a:pPr>
             <a:r>
-              <a:rPr b="0" lang="en-US" sz="1800" spc="-1" strike="noStrike">
+              <a:rPr b="0" lang="en-US" sz="2800" spc="-1" strike="noStrike">
                 <a:latin typeface="Arial"/>
               </a:rPr>
               <a:t>Second Outline Level</a:t>
             </a:r>
-            <a:endParaRPr b="0" lang="en-US" sz="1800" spc="-1" strike="noStrike">
+            <a:endParaRPr b="0" lang="en-US" sz="2800" spc="-1" strike="noStrike">
               <a:latin typeface="Arial"/>
             </a:endParaRPr>
           </a:p>
@@ -7857,12 +7860,12 @@
               <a:buChar char=""/>
             </a:pPr>
             <a:r>
-              <a:rPr b="0" lang="en-US" sz="1800" spc="-1" strike="noStrike">
+              <a:rPr b="0" lang="en-US" sz="2400" spc="-1" strike="noStrike">
                 <a:latin typeface="Arial"/>
               </a:rPr>
               <a:t>Third Outline Level</a:t>
             </a:r>
-            <a:endParaRPr b="0" lang="en-US" sz="1800" spc="-1" strike="noStrike">
+            <a:endParaRPr b="0" lang="en-US" sz="2400" spc="-1" strike="noStrike">
               <a:latin typeface="Arial"/>
             </a:endParaRPr>
           </a:p>
@@ -7879,12 +7882,12 @@
               <a:buChar char=""/>
             </a:pPr>
             <a:r>
-              <a:rPr b="0" lang="en-US" sz="1800" spc="-1" strike="noStrike">
+              <a:rPr b="0" lang="en-US" sz="2000" spc="-1" strike="noStrike">
                 <a:latin typeface="Arial"/>
               </a:rPr>
               <a:t>Fourth Outline Level</a:t>
             </a:r>
-            <a:endParaRPr b="0" lang="en-US" sz="1800" spc="-1" strike="noStrike">
+            <a:endParaRPr b="0" lang="en-US" sz="2000" spc="-1" strike="noStrike">
               <a:latin typeface="Arial"/>
             </a:endParaRPr>
           </a:p>
@@ -7901,12 +7904,12 @@
               <a:buChar char=""/>
             </a:pPr>
             <a:r>
-              <a:rPr b="0" lang="en-US" sz="1800" spc="-1" strike="noStrike">
+              <a:rPr b="0" lang="en-US" sz="2000" spc="-1" strike="noStrike">
                 <a:latin typeface="Arial"/>
               </a:rPr>
               <a:t>Fifth Outline Level</a:t>
             </a:r>
-            <a:endParaRPr b="0" lang="en-US" sz="1800" spc="-1" strike="noStrike">
+            <a:endParaRPr b="0" lang="en-US" sz="2000" spc="-1" strike="noStrike">
               <a:latin typeface="Arial"/>
             </a:endParaRPr>
           </a:p>
@@ -7923,12 +7926,12 @@
               <a:buChar char=""/>
             </a:pPr>
             <a:r>
-              <a:rPr b="0" lang="en-US" sz="1800" spc="-1" strike="noStrike">
+              <a:rPr b="0" lang="en-US" sz="2000" spc="-1" strike="noStrike">
                 <a:latin typeface="Arial"/>
               </a:rPr>
               <a:t>Sixth Outline Level</a:t>
             </a:r>
-            <a:endParaRPr b="0" lang="en-US" sz="1800" spc="-1" strike="noStrike">
+            <a:endParaRPr b="0" lang="en-US" sz="2000" spc="-1" strike="noStrike">
               <a:latin typeface="Arial"/>
             </a:endParaRPr>
           </a:p>
@@ -7945,12 +7948,12 @@
               <a:buChar char=""/>
             </a:pPr>
             <a:r>
-              <a:rPr b="0" lang="en-US" sz="1800" spc="-1" strike="noStrike">
+              <a:rPr b="0" lang="en-US" sz="2000" spc="-1" strike="noStrike">
                 <a:latin typeface="Arial"/>
               </a:rPr>
               <a:t>Seventh Outline Level</a:t>
             </a:r>
-            <a:endParaRPr b="0" lang="en-US" sz="1800" spc="-1" strike="noStrike">
+            <a:endParaRPr b="0" lang="en-US" sz="2000" spc="-1" strike="noStrike">
               <a:latin typeface="Arial"/>
             </a:endParaRPr>
           </a:p>
@@ -8002,7 +8005,7 @@
         <p:spPr>
           <a:xfrm>
             <a:off x="360" y="360"/>
-            <a:ext cx="10079280" cy="5669280"/>
+            <a:ext cx="10078560" cy="5668560"/>
           </a:xfrm>
           <a:prstGeom prst="rect">
             <a:avLst/>
@@ -8037,8 +8040,8 @@
         </p:nvSpPr>
         <p:spPr>
           <a:xfrm flipH="1">
-            <a:off x="-3600" y="0"/>
-            <a:ext cx="10079640" cy="5669640"/>
+            <a:off x="-4320" y="0"/>
+            <a:ext cx="10078920" cy="5668920"/>
           </a:xfrm>
           <a:prstGeom prst="rect">
             <a:avLst/>
@@ -8085,7 +8088,7 @@
         <p:spPr>
           <a:xfrm>
             <a:off x="180360" y="5130360"/>
-            <a:ext cx="2339280" cy="391680"/>
+            <a:ext cx="2338560" cy="390960"/>
           </a:xfrm>
           <a:prstGeom prst="rect">
             <a:avLst/>
@@ -8137,7 +8140,7 @@
         <p:spPr>
           <a:xfrm>
             <a:off x="7560360" y="5130360"/>
-            <a:ext cx="2339280" cy="391680"/>
+            <a:ext cx="2338560" cy="390960"/>
           </a:xfrm>
           <a:prstGeom prst="rect">
             <a:avLst/>
@@ -8164,7 +8167,7 @@
               </a:lnSpc>
               <a:buNone/>
             </a:pPr>
-            <a:fld id="{F34CFB37-FC02-4BCE-A669-B3399BFA7DC5}" type="slidenum">
+            <a:fld id="{5643322E-C91E-4FE5-9C90-FACC32D29C49}" type="slidenum">
               <a:rPr b="0" lang="en-US" sz="1400" spc="-1" strike="noStrike">
                 <a:solidFill>
                   <a:srgbClr val="ffffff"/>
@@ -8189,7 +8192,7 @@
         <p:spPr>
           <a:xfrm>
             <a:off x="1440360" y="1080360"/>
-            <a:ext cx="1439280" cy="1259280"/>
+            <a:ext cx="1438560" cy="1258560"/>
           </a:xfrm>
           <a:prstGeom prst="ellipse">
             <a:avLst/>
@@ -8219,7 +8222,7 @@
         <p:spPr>
           <a:xfrm>
             <a:off x="7380360" y="3960360"/>
-            <a:ext cx="1439280" cy="1259280"/>
+            <a:ext cx="1438560" cy="1258560"/>
           </a:xfrm>
           <a:prstGeom prst="ellipse">
             <a:avLst/>
@@ -8249,7 +8252,7 @@
         <p:spPr>
           <a:xfrm>
             <a:off x="9000360" y="2700360"/>
-            <a:ext cx="1259280" cy="1079280"/>
+            <a:ext cx="1258560" cy="1078560"/>
           </a:xfrm>
           <a:prstGeom prst="ellipse">
             <a:avLst/>
@@ -8279,7 +8282,7 @@
         <p:spPr>
           <a:xfrm>
             <a:off x="-179640" y="2430360"/>
-            <a:ext cx="1439280" cy="1349280"/>
+            <a:ext cx="1438560" cy="1348560"/>
           </a:xfrm>
           <a:prstGeom prst="ellipse">
             <a:avLst/>
@@ -8309,7 +8312,7 @@
         <p:spPr>
           <a:xfrm>
             <a:off x="540360" y="1080360"/>
-            <a:ext cx="719280" cy="719280"/>
+            <a:ext cx="718560" cy="718560"/>
           </a:xfrm>
           <a:prstGeom prst="ellipse">
             <a:avLst/>
@@ -8339,7 +8342,7 @@
         <p:spPr>
           <a:xfrm>
             <a:off x="360" y="1260360"/>
-            <a:ext cx="719280" cy="719280"/>
+            <a:ext cx="718560" cy="718560"/>
           </a:xfrm>
           <a:prstGeom prst="ellipse">
             <a:avLst/>
@@ -8369,7 +8372,7 @@
         <p:spPr>
           <a:xfrm>
             <a:off x="360" y="5220360"/>
-            <a:ext cx="1619280" cy="1259280"/>
+            <a:ext cx="1618560" cy="1258560"/>
           </a:xfrm>
           <a:prstGeom prst="ellipse">
             <a:avLst/>
@@ -8399,7 +8402,7 @@
         <p:spPr>
           <a:xfrm>
             <a:off x="9720360" y="4680360"/>
-            <a:ext cx="719280" cy="719280"/>
+            <a:ext cx="718560" cy="718560"/>
           </a:xfrm>
           <a:prstGeom prst="ellipse">
             <a:avLst/>
@@ -8429,7 +8432,7 @@
         <p:spPr>
           <a:xfrm>
             <a:off x="9540360" y="3420360"/>
-            <a:ext cx="719280" cy="719280"/>
+            <a:ext cx="718560" cy="718560"/>
           </a:xfrm>
           <a:prstGeom prst="ellipse">
             <a:avLst/>
@@ -8459,7 +8462,7 @@
         <p:spPr>
           <a:xfrm>
             <a:off x="8100360" y="4680360"/>
-            <a:ext cx="1079280" cy="841680"/>
+            <a:ext cx="1078560" cy="840960"/>
           </a:xfrm>
           <a:prstGeom prst="ellipse">
             <a:avLst/>
@@ -8489,7 +8492,7 @@
         <p:spPr>
           <a:xfrm>
             <a:off x="7920360" y="5400360"/>
-            <a:ext cx="899280" cy="899280"/>
+            <a:ext cx="898560" cy="898560"/>
           </a:xfrm>
           <a:prstGeom prst="ellipse">
             <a:avLst/>
@@ -8786,7 +8789,7 @@
         <p:spPr>
           <a:xfrm>
             <a:off x="457200" y="2071440"/>
-            <a:ext cx="8999280" cy="1267920"/>
+            <a:ext cx="8998560" cy="1267200"/>
           </a:xfrm>
           <a:prstGeom prst="rect">
             <a:avLst/>
@@ -8836,10 +8839,7 @@
               <a:t>Oscar-Winning Films</a:t>
             </a:r>
             <a:endParaRPr b="0" lang="en-US" sz="4400" spc="-1" strike="noStrike">
-              <a:solidFill>
-                <a:srgbClr val="ffffff"/>
-              </a:solidFill>
-              <a:latin typeface="Courier New"/>
+              <a:latin typeface="Arial"/>
             </a:endParaRPr>
           </a:p>
         </p:txBody>
@@ -8857,7 +8857,7 @@
         <p:spPr>
           <a:xfrm>
             <a:off x="457200" y="3429000"/>
-            <a:ext cx="9071640" cy="728640"/>
+            <a:ext cx="9070920" cy="727920"/>
           </a:xfrm>
           <a:prstGeom prst="rect">
             <a:avLst/>
@@ -8925,7 +8925,7 @@
       </p:grpSpPr>
       <p:sp>
         <p:nvSpPr>
-          <p:cNvPr id="213" name="PlaceHolder 1"/>
+          <p:cNvPr id="227" name="PlaceHolder 1"/>
           <p:cNvSpPr>
             <a:spLocks noGrp="1"/>
           </p:cNvSpPr>
@@ -8936,7 +8936,7 @@
         <p:spPr>
           <a:xfrm>
             <a:off x="540000" y="270000"/>
-            <a:ext cx="8999280" cy="989280"/>
+            <a:ext cx="8998560" cy="988560"/>
           </a:xfrm>
           <a:prstGeom prst="rect">
             <a:avLst/>
@@ -8970,10 +8970,7 @@
               <a:t>Action: Oscar-Winning Movies</a:t>
             </a:r>
             <a:endParaRPr b="0" lang="en-US" sz="2600" spc="-1" strike="noStrike">
-              <a:solidFill>
-                <a:srgbClr val="ffffff"/>
-              </a:solidFill>
-              <a:latin typeface="Courier New"/>
+              <a:latin typeface="Arial"/>
             </a:endParaRPr>
           </a:p>
         </p:txBody>
@@ -9010,7 +9007,7 @@
       </p:grpSpPr>
       <p:sp>
         <p:nvSpPr>
-          <p:cNvPr id="214" name="PlaceHolder 1"/>
+          <p:cNvPr id="228" name="PlaceHolder 1"/>
           <p:cNvSpPr>
             <a:spLocks noGrp="1"/>
           </p:cNvSpPr>
@@ -9021,7 +9018,7 @@
         <p:spPr>
           <a:xfrm>
             <a:off x="540000" y="270000"/>
-            <a:ext cx="8999280" cy="989280"/>
+            <a:ext cx="8998560" cy="988560"/>
           </a:xfrm>
           <a:prstGeom prst="rect">
             <a:avLst/>
@@ -9055,10 +9052,7 @@
               <a:t>Crime: Highest-Grossing Movies</a:t>
             </a:r>
             <a:endParaRPr b="0" lang="en-US" sz="2600" spc="-1" strike="noStrike">
-              <a:solidFill>
-                <a:srgbClr val="ffffff"/>
-              </a:solidFill>
-              <a:latin typeface="Courier New"/>
+              <a:latin typeface="Arial"/>
             </a:endParaRPr>
           </a:p>
         </p:txBody>
@@ -9095,7 +9089,7 @@
       </p:grpSpPr>
       <p:sp>
         <p:nvSpPr>
-          <p:cNvPr id="215" name="PlaceHolder 1"/>
+          <p:cNvPr id="229" name="PlaceHolder 1"/>
           <p:cNvSpPr>
             <a:spLocks noGrp="1"/>
           </p:cNvSpPr>
@@ -9106,7 +9100,7 @@
         <p:spPr>
           <a:xfrm>
             <a:off x="540000" y="270000"/>
-            <a:ext cx="8999280" cy="989280"/>
+            <a:ext cx="8998560" cy="988560"/>
           </a:xfrm>
           <a:prstGeom prst="rect">
             <a:avLst/>
@@ -9144,7 +9138,7 @@
       </p:sp>
       <p:sp>
         <p:nvSpPr>
-          <p:cNvPr id="216" name="PlaceHolder 2"/>
+          <p:cNvPr id="230" name="PlaceHolder 2"/>
           <p:cNvSpPr>
             <a:spLocks noGrp="1"/>
           </p:cNvSpPr>
@@ -9155,7 +9149,7 @@
         <p:spPr>
           <a:xfrm>
             <a:off x="3969000" y="1283760"/>
-            <a:ext cx="5632200" cy="3974040"/>
+            <a:ext cx="5631480" cy="3973320"/>
           </a:xfrm>
           <a:prstGeom prst="rect">
             <a:avLst/>
@@ -9318,19 +9312,14 @@
             </a:endParaRPr>
           </a:p>
           <a:p>
-            <a:pPr lvl="1" marL="864000" indent="-324000">
+            <a:pPr>
               <a:lnSpc>
                 <a:spcPct val="100000"/>
               </a:lnSpc>
               <a:spcBef>
-                <a:spcPts val="1134"/>
+                <a:spcPts val="1417"/>
               </a:spcBef>
-              <a:buClr>
-                <a:srgbClr val="ffffff"/>
-              </a:buClr>
-              <a:buSzPct val="75000"/>
-              <a:buFont typeface="Wingdings" charset="2"/>
-              <a:buChar char=""/>
+              <a:buNone/>
             </a:pPr>
             <a:endParaRPr b="0" lang="en-US" sz="3200" spc="-1" strike="noStrike">
               <a:latin typeface="Arial"/>
@@ -9370,7 +9359,7 @@
       </p:grpSpPr>
       <p:sp>
         <p:nvSpPr>
-          <p:cNvPr id="217" name="PlaceHolder 1"/>
+          <p:cNvPr id="231" name="PlaceHolder 1"/>
           <p:cNvSpPr>
             <a:spLocks noGrp="1"/>
           </p:cNvSpPr>
@@ -9381,7 +9370,7 @@
         <p:spPr>
           <a:xfrm>
             <a:off x="540000" y="270000"/>
-            <a:ext cx="8999280" cy="989280"/>
+            <a:ext cx="8998560" cy="988560"/>
           </a:xfrm>
           <a:prstGeom prst="rect">
             <a:avLst/>
@@ -9416,7 +9405,7 @@
       </p:sp>
       <p:sp>
         <p:nvSpPr>
-          <p:cNvPr id="218" name="PlaceHolder 2"/>
+          <p:cNvPr id="232" name="PlaceHolder 2"/>
           <p:cNvSpPr>
             <a:spLocks noGrp="1"/>
           </p:cNvSpPr>
@@ -9427,7 +9416,7 @@
         <p:spPr>
           <a:xfrm>
             <a:off x="540000" y="1440000"/>
-            <a:ext cx="8999280" cy="3599280"/>
+            <a:ext cx="8998560" cy="3598560"/>
           </a:xfrm>
           <a:prstGeom prst="rect">
             <a:avLst/>
@@ -9490,8 +9479,8 @@
         </p:nvSpPr>
         <p:spPr>
           <a:xfrm>
-            <a:off x="540000" y="270000"/>
-            <a:ext cx="8999280" cy="989280"/>
+            <a:off x="540000" y="154080"/>
+            <a:ext cx="8998560" cy="988560"/>
           </a:xfrm>
           <a:prstGeom prst="rect">
             <a:avLst/>
@@ -9540,7 +9529,7 @@
         <p:spPr>
           <a:xfrm>
             <a:off x="540360" y="1283760"/>
-            <a:ext cx="5860440" cy="3974040"/>
+            <a:ext cx="5859720" cy="3973320"/>
           </a:xfrm>
           <a:prstGeom prst="rect">
             <a:avLst/>
@@ -9900,6 +9889,29 @@
           </a:p>
         </p:txBody>
       </p:sp>
+      <p:pic>
+        <p:nvPicPr>
+          <p:cNvPr id="204" name="" descr=""/>
+          <p:cNvPicPr/>
+          <p:nvPr/>
+        </p:nvPicPr>
+        <p:blipFill>
+          <a:blip r:embed="rId1"/>
+          <a:stretch/>
+        </p:blipFill>
+        <p:spPr>
+          <a:xfrm>
+            <a:off x="6657120" y="914400"/>
+            <a:ext cx="2029320" cy="4527000"/>
+          </a:xfrm>
+          <a:prstGeom prst="rect">
+            <a:avLst/>
+          </a:prstGeom>
+          <a:ln w="0">
+            <a:noFill/>
+          </a:ln>
+        </p:spPr>
+      </p:pic>
     </p:spTree>
   </p:cSld>
   <mc:AlternateContent>
@@ -9932,7 +9944,7 @@
       </p:grpSpPr>
       <p:sp>
         <p:nvSpPr>
-          <p:cNvPr id="204" name="PlaceHolder 1"/>
+          <p:cNvPr id="205" name="PlaceHolder 1"/>
           <p:cNvSpPr>
             <a:spLocks noGrp="1"/>
           </p:cNvSpPr>
@@ -9943,7 +9955,7 @@
         <p:spPr>
           <a:xfrm>
             <a:off x="540000" y="270000"/>
-            <a:ext cx="8999280" cy="989280"/>
+            <a:ext cx="8998560" cy="988560"/>
           </a:xfrm>
           <a:prstGeom prst="rect">
             <a:avLst/>
@@ -9977,10 +9989,149 @@
               <a:t>Introduction: What Are Tropes?</a:t>
             </a:r>
             <a:endParaRPr b="0" lang="en-US" sz="2600" spc="-1" strike="noStrike">
-              <a:solidFill>
-                <a:srgbClr val="ffffff"/>
-              </a:solidFill>
-              <a:latin typeface="Courier New"/>
+              <a:latin typeface="Arial"/>
+            </a:endParaRPr>
+          </a:p>
+        </p:txBody>
+      </p:sp>
+      <p:pic>
+        <p:nvPicPr>
+          <p:cNvPr id="206" name="" descr=""/>
+          <p:cNvPicPr/>
+          <p:nvPr/>
+        </p:nvPicPr>
+        <p:blipFill>
+          <a:blip r:embed="rId1"/>
+          <a:stretch/>
+        </p:blipFill>
+        <p:spPr>
+          <a:xfrm>
+            <a:off x="228600" y="1600200"/>
+            <a:ext cx="5300640" cy="3351960"/>
+          </a:xfrm>
+          <a:prstGeom prst="rect">
+            <a:avLst/>
+          </a:prstGeom>
+          <a:ln w="0">
+            <a:noFill/>
+          </a:ln>
+        </p:spPr>
+      </p:pic>
+      <p:sp>
+        <p:nvSpPr>
+          <p:cNvPr id="207" name=""/>
+          <p:cNvSpPr/>
+          <p:nvPr/>
+        </p:nvSpPr>
+        <p:spPr>
+          <a:xfrm>
+            <a:off x="5943600" y="1600200"/>
+            <a:ext cx="3885840" cy="2649600"/>
+          </a:xfrm>
+          <a:prstGeom prst="rect">
+            <a:avLst/>
+          </a:prstGeom>
+          <a:noFill/>
+          <a:ln w="0">
+            <a:noFill/>
+          </a:ln>
+        </p:spPr>
+        <p:style>
+          <a:lnRef idx="0"/>
+          <a:fillRef idx="0"/>
+          <a:effectRef idx="0"/>
+          <a:fontRef idx="minor"/>
+        </p:style>
+        <p:txBody>
+          <a:bodyPr lIns="90000" rIns="90000" tIns="45000" bIns="45000" anchor="t">
+            <a:noAutofit/>
+          </a:bodyPr>
+          <a:p>
+            <a:pPr marL="216000" indent="-216000">
+              <a:lnSpc>
+                <a:spcPct val="100000"/>
+              </a:lnSpc>
+              <a:buClr>
+                <a:srgbClr val="000000"/>
+              </a:buClr>
+              <a:buSzPct val="45000"/>
+              <a:buFont typeface="Wingdings" charset="2"/>
+              <a:buChar char=""/>
+            </a:pPr>
+            <a:r>
+              <a:rPr b="0" lang="en-US" sz="1800" spc="-1" strike="noStrike">
+                <a:latin typeface="Arial"/>
+              </a:rPr>
+              <a:t>Dictionary Defintion of a trope is a figure of speech</a:t>
+            </a:r>
+            <a:endParaRPr b="0" lang="en-US" sz="1800" spc="-1" strike="noStrike">
+              <a:latin typeface="Arial"/>
+            </a:endParaRPr>
+          </a:p>
+          <a:p>
+            <a:pPr>
+              <a:lnSpc>
+                <a:spcPct val="100000"/>
+              </a:lnSpc>
+              <a:buNone/>
+            </a:pPr>
+            <a:endParaRPr b="0" lang="en-US" sz="1800" spc="-1" strike="noStrike">
+              <a:latin typeface="Arial"/>
+            </a:endParaRPr>
+          </a:p>
+          <a:p>
+            <a:pPr marL="216000" indent="-216000">
+              <a:lnSpc>
+                <a:spcPct val="100000"/>
+              </a:lnSpc>
+              <a:buClr>
+                <a:srgbClr val="000000"/>
+              </a:buClr>
+              <a:buSzPct val="45000"/>
+              <a:buFont typeface="Wingdings" charset="2"/>
+              <a:buChar char=""/>
+            </a:pPr>
+            <a:r>
+              <a:rPr b="0" lang="en-US" sz="1800" spc="-1" strike="noStrike">
+                <a:latin typeface="Arial"/>
+              </a:rPr>
+              <a:t>In colloquial, or literary terms a trope is a storytelling “figure of speech” or shorthand.</a:t>
+            </a:r>
+            <a:endParaRPr b="0" lang="en-US" sz="1800" spc="-1" strike="noStrike">
+              <a:latin typeface="Arial"/>
+            </a:endParaRPr>
+          </a:p>
+          <a:p>
+            <a:pPr>
+              <a:lnSpc>
+                <a:spcPct val="100000"/>
+              </a:lnSpc>
+              <a:buNone/>
+            </a:pPr>
+            <a:endParaRPr b="0" lang="en-US" sz="1800" spc="-1" strike="noStrike">
+              <a:latin typeface="Arial"/>
+            </a:endParaRPr>
+          </a:p>
+          <a:p>
+            <a:pPr marL="216000" indent="-216000">
+              <a:lnSpc>
+                <a:spcPct val="100000"/>
+              </a:lnSpc>
+              <a:buClr>
+                <a:srgbClr val="000000"/>
+              </a:buClr>
+              <a:buSzPct val="45000"/>
+              <a:buFont typeface="Wingdings" charset="2"/>
+              <a:buChar char=""/>
+            </a:pPr>
+            <a:r>
+              <a:rPr b="0" lang="en-US" sz="1800" spc="-1" strike="noStrike">
+                <a:latin typeface="Arial"/>
+              </a:rPr>
+              <a:t>Tropes can be diverse: “Hero”, “Big Bad”, “Love Triangle”, “Disapproving Parental Figure”</a:t>
+            </a:r>
+            <a:endParaRPr b="0" lang="en-US" sz="1800" spc="-1" strike="noStrike">
+              <a:latin typeface="Arial"/>
             </a:endParaRPr>
           </a:p>
         </p:txBody>
@@ -10017,7 +10168,7 @@
       </p:grpSpPr>
       <p:sp>
         <p:nvSpPr>
-          <p:cNvPr id="205" name="PlaceHolder 1"/>
+          <p:cNvPr id="208" name="PlaceHolder 1"/>
           <p:cNvSpPr>
             <a:spLocks noGrp="1"/>
           </p:cNvSpPr>
@@ -10028,7 +10179,7 @@
         <p:spPr>
           <a:xfrm>
             <a:off x="540000" y="270000"/>
-            <a:ext cx="8999280" cy="989280"/>
+            <a:ext cx="8998560" cy="988560"/>
           </a:xfrm>
           <a:prstGeom prst="rect">
             <a:avLst/>
@@ -10062,14 +10213,201 @@
               <a:t>Introduction: Premise</a:t>
             </a:r>
             <a:endParaRPr b="0" lang="en-US" sz="2600" spc="-1" strike="noStrike">
-              <a:solidFill>
-                <a:srgbClr val="ffffff"/>
-              </a:solidFill>
-              <a:latin typeface="Courier New"/>
-            </a:endParaRPr>
-          </a:p>
-        </p:txBody>
-      </p:sp>
+              <a:latin typeface="Arial"/>
+            </a:endParaRPr>
+          </a:p>
+        </p:txBody>
+      </p:sp>
+      <p:sp>
+        <p:nvSpPr>
+          <p:cNvPr id="209" name=""/>
+          <p:cNvSpPr txBox="1"/>
+          <p:nvPr/>
+        </p:nvSpPr>
+        <p:spPr>
+          <a:xfrm>
+            <a:off x="228600" y="1371600"/>
+            <a:ext cx="3886200" cy="3673800"/>
+          </a:xfrm>
+          <a:prstGeom prst="rect">
+            <a:avLst/>
+          </a:prstGeom>
+          <a:noFill/>
+          <a:ln w="0">
+            <a:noFill/>
+          </a:ln>
+        </p:spPr>
+        <p:txBody>
+          <a:bodyPr lIns="90000" rIns="90000" tIns="45000" bIns="45000" anchor="t">
+            <a:noAutofit/>
+          </a:bodyPr>
+          <a:p>
+            <a:pPr marL="216000" indent="-216000">
+              <a:buClr>
+                <a:srgbClr val="000000"/>
+              </a:buClr>
+              <a:buSzPct val="45000"/>
+              <a:buFont typeface="Wingdings" charset="2"/>
+              <a:buChar char=""/>
+            </a:pPr>
+            <a:r>
+              <a:rPr b="0" lang="en-US" sz="1800" spc="-1" strike="noStrike">
+                <a:latin typeface="Arial"/>
+              </a:rPr>
+              <a:t>Tropes are fundemental to stories, so which ones are the most popular over the years?</a:t>
+            </a:r>
+            <a:endParaRPr b="0" lang="en-US" sz="1800" spc="-1" strike="noStrike">
+              <a:latin typeface="Arial"/>
+            </a:endParaRPr>
+          </a:p>
+          <a:p>
+            <a:pPr marL="216000" indent="-216000">
+              <a:buClr>
+                <a:srgbClr val="000000"/>
+              </a:buClr>
+              <a:buSzPct val="45000"/>
+              <a:buFont typeface="Wingdings" charset="2"/>
+              <a:buChar char=""/>
+            </a:pPr>
+            <a:endParaRPr b="0" lang="en-US" sz="1800" spc="-1" strike="noStrike">
+              <a:latin typeface="Arial"/>
+            </a:endParaRPr>
+          </a:p>
+          <a:p>
+            <a:pPr marL="216000" indent="-216000">
+              <a:buClr>
+                <a:srgbClr val="000000"/>
+              </a:buClr>
+              <a:buSzPct val="45000"/>
+              <a:buFont typeface="Wingdings" charset="2"/>
+              <a:buChar char=""/>
+            </a:pPr>
+            <a:r>
+              <a:rPr b="0" lang="en-US" sz="1800" spc="-1" strike="noStrike">
+                <a:latin typeface="Arial"/>
+              </a:rPr>
+              <a:t>Which Tropes are regularly Oscar-Winning for Best Picture?</a:t>
+            </a:r>
+            <a:endParaRPr b="0" lang="en-US" sz="1800" spc="-1" strike="noStrike">
+              <a:latin typeface="Arial"/>
+            </a:endParaRPr>
+          </a:p>
+          <a:p>
+            <a:pPr marL="216000" indent="-216000">
+              <a:buClr>
+                <a:srgbClr val="000000"/>
+              </a:buClr>
+              <a:buSzPct val="45000"/>
+              <a:buFont typeface="Wingdings" charset="2"/>
+              <a:buChar char=""/>
+            </a:pPr>
+            <a:endParaRPr b="0" lang="en-US" sz="1800" spc="-1" strike="noStrike">
+              <a:latin typeface="Arial"/>
+            </a:endParaRPr>
+          </a:p>
+          <a:p>
+            <a:pPr marL="216000" indent="-216000">
+              <a:buClr>
+                <a:srgbClr val="000000"/>
+              </a:buClr>
+              <a:buSzPct val="45000"/>
+              <a:buFont typeface="Wingdings" charset="2"/>
+              <a:buChar char=""/>
+            </a:pPr>
+            <a:r>
+              <a:rPr b="0" lang="en-US" sz="1800" spc="-1" strike="noStrike">
+                <a:latin typeface="Arial"/>
+              </a:rPr>
+              <a:t>Which Tropes have been highest grossing, or within certain genres?</a:t>
+            </a:r>
+            <a:endParaRPr b="0" lang="en-US" sz="1800" spc="-1" strike="noStrike">
+              <a:latin typeface="Arial"/>
+            </a:endParaRPr>
+          </a:p>
+          <a:p>
+            <a:pPr marL="216000" indent="-216000">
+              <a:buClr>
+                <a:srgbClr val="000000"/>
+              </a:buClr>
+              <a:buSzPct val="45000"/>
+              <a:buFont typeface="Wingdings" charset="2"/>
+              <a:buChar char=""/>
+            </a:pPr>
+            <a:endParaRPr b="0" lang="en-US" sz="1800" spc="-1" strike="noStrike">
+              <a:latin typeface="Arial"/>
+            </a:endParaRPr>
+          </a:p>
+          <a:p>
+            <a:pPr marL="216000" indent="-216000">
+              <a:buClr>
+                <a:srgbClr val="000000"/>
+              </a:buClr>
+              <a:buSzPct val="45000"/>
+              <a:buFont typeface="Wingdings" charset="2"/>
+              <a:buChar char=""/>
+            </a:pPr>
+            <a:r>
+              <a:rPr b="0" lang="en-US" sz="1800" spc="-1" strike="noStrike">
+                <a:latin typeface="Arial"/>
+              </a:rPr>
+              <a:t>Is there a discernable relationship at all?</a:t>
+            </a:r>
+            <a:endParaRPr b="0" lang="en-US" sz="1800" spc="-1" strike="noStrike">
+              <a:latin typeface="Arial"/>
+            </a:endParaRPr>
+          </a:p>
+          <a:p>
+            <a:pPr marL="216000" indent="-216000">
+              <a:buClr>
+                <a:srgbClr val="000000"/>
+              </a:buClr>
+              <a:buSzPct val="45000"/>
+              <a:buFont typeface="Wingdings" charset="2"/>
+              <a:buChar char=""/>
+            </a:pPr>
+            <a:endParaRPr b="0" lang="en-US" sz="1800" spc="-1" strike="noStrike">
+              <a:latin typeface="Arial"/>
+            </a:endParaRPr>
+          </a:p>
+          <a:p>
+            <a:pPr marL="216000" indent="-216000">
+              <a:buClr>
+                <a:srgbClr val="000000"/>
+              </a:buClr>
+              <a:buSzPct val="45000"/>
+              <a:buFont typeface="Wingdings" charset="2"/>
+              <a:buChar char=""/>
+            </a:pPr>
+            <a:endParaRPr b="0" lang="en-US" sz="1800" spc="-1" strike="noStrike">
+              <a:latin typeface="Arial"/>
+            </a:endParaRPr>
+          </a:p>
+        </p:txBody>
+      </p:sp>
+      <p:pic>
+        <p:nvPicPr>
+          <p:cNvPr id="210" name="" descr=""/>
+          <p:cNvPicPr/>
+          <p:nvPr/>
+        </p:nvPicPr>
+        <p:blipFill>
+          <a:blip r:embed="rId1"/>
+          <a:srcRect l="0" t="0" r="4" b="1731"/>
+          <a:stretch/>
+        </p:blipFill>
+        <p:spPr>
+          <a:xfrm>
+            <a:off x="4343400" y="1258560"/>
+            <a:ext cx="5714640" cy="4227480"/>
+          </a:xfrm>
+          <a:prstGeom prst="rect">
+            <a:avLst/>
+          </a:prstGeom>
+          <a:ln w="0">
+            <a:noFill/>
+          </a:ln>
+        </p:spPr>
+      </p:pic>
     </p:spTree>
   </p:cSld>
   <mc:AlternateContent>
@@ -10102,7 +10440,7 @@
       </p:grpSpPr>
       <p:sp>
         <p:nvSpPr>
-          <p:cNvPr id="206" name="PlaceHolder 1"/>
+          <p:cNvPr id="211" name="PlaceHolder 1"/>
           <p:cNvSpPr>
             <a:spLocks noGrp="1"/>
           </p:cNvSpPr>
@@ -10113,7 +10451,7 @@
         <p:spPr>
           <a:xfrm>
             <a:off x="540000" y="270000"/>
-            <a:ext cx="8999280" cy="989280"/>
+            <a:ext cx="8998560" cy="988560"/>
           </a:xfrm>
           <a:prstGeom prst="rect">
             <a:avLst/>
@@ -10147,14 +10485,196 @@
               <a:t>Introduction: Execution</a:t>
             </a:r>
             <a:endParaRPr b="0" lang="en-US" sz="2600" spc="-1" strike="noStrike">
-              <a:solidFill>
-                <a:srgbClr val="ffffff"/>
-              </a:solidFill>
-              <a:latin typeface="Courier New"/>
-            </a:endParaRPr>
-          </a:p>
-        </p:txBody>
-      </p:sp>
+              <a:latin typeface="Arial"/>
+            </a:endParaRPr>
+          </a:p>
+        </p:txBody>
+      </p:sp>
+      <p:sp>
+        <p:nvSpPr>
+          <p:cNvPr id="212" name=""/>
+          <p:cNvSpPr txBox="1"/>
+          <p:nvPr/>
+        </p:nvSpPr>
+        <p:spPr>
+          <a:xfrm>
+            <a:off x="6172200" y="1371600"/>
+            <a:ext cx="2971800" cy="3673800"/>
+          </a:xfrm>
+          <a:prstGeom prst="rect">
+            <a:avLst/>
+          </a:prstGeom>
+          <a:noFill/>
+          <a:ln w="0">
+            <a:noFill/>
+          </a:ln>
+        </p:spPr>
+        <p:txBody>
+          <a:bodyPr lIns="90000" rIns="90000" tIns="45000" bIns="45000" anchor="t">
+            <a:noAutofit/>
+          </a:bodyPr>
+          <a:p>
+            <a:pPr marL="216000" indent="-216000">
+              <a:buClr>
+                <a:srgbClr val="000000"/>
+              </a:buClr>
+              <a:buSzPct val="45000"/>
+              <a:buFont typeface="Wingdings" charset="2"/>
+              <a:buChar char=""/>
+            </a:pPr>
+            <a:r>
+              <a:rPr b="0" lang="en-US" sz="1800" spc="-1" strike="noStrike">
+                <a:latin typeface="Arial"/>
+              </a:rPr>
+              <a:t>Used Jupyter notebook, Version control with git, Numpy for Array features, Pandas for Databases </a:t>
+            </a:r>
+            <a:endParaRPr b="0" lang="en-US" sz="1800" spc="-1" strike="noStrike">
+              <a:latin typeface="Arial"/>
+            </a:endParaRPr>
+          </a:p>
+          <a:p>
+            <a:endParaRPr b="0" lang="en-US" sz="1800" spc="-1" strike="noStrike">
+              <a:latin typeface="Arial"/>
+            </a:endParaRPr>
+          </a:p>
+          <a:p>
+            <a:pPr marL="216000" indent="-216000">
+              <a:buClr>
+                <a:srgbClr val="000000"/>
+              </a:buClr>
+              <a:buSzPct val="45000"/>
+              <a:buFont typeface="Wingdings" charset="2"/>
+              <a:buChar char=""/>
+            </a:pPr>
+            <a:r>
+              <a:rPr b="0" lang="en-US" sz="1800" spc="-1" strike="noStrike">
+                <a:latin typeface="Arial"/>
+              </a:rPr>
+              <a:t>Inflect, re used for text processing and filtering. Title must be converted to web query</a:t>
+            </a:r>
+            <a:endParaRPr b="0" lang="en-US" sz="1800" spc="-1" strike="noStrike">
+              <a:latin typeface="Arial"/>
+            </a:endParaRPr>
+          </a:p>
+          <a:p>
+            <a:endParaRPr b="0" lang="en-US" sz="1800" spc="-1" strike="noStrike">
+              <a:latin typeface="Arial"/>
+            </a:endParaRPr>
+          </a:p>
+          <a:p>
+            <a:pPr marL="216000" indent="-216000">
+              <a:buClr>
+                <a:srgbClr val="000000"/>
+              </a:buClr>
+              <a:buSzPct val="45000"/>
+              <a:buFont typeface="Wingdings" charset="2"/>
+              <a:buChar char=""/>
+            </a:pPr>
+            <a:r>
+              <a:rPr b="0" lang="en-US" sz="1800" spc="-1" strike="noStrike">
+                <a:latin typeface="Arial"/>
+              </a:rPr>
+              <a:t>BeautifulSoup4, and Requests for scraping TvTropes</a:t>
+            </a:r>
+            <a:endParaRPr b="0" lang="en-US" sz="1800" spc="-1" strike="noStrike">
+              <a:latin typeface="Arial"/>
+            </a:endParaRPr>
+          </a:p>
+        </p:txBody>
+      </p:sp>
+      <p:pic>
+        <p:nvPicPr>
+          <p:cNvPr id="213" name="" descr=""/>
+          <p:cNvPicPr/>
+          <p:nvPr/>
+        </p:nvPicPr>
+        <p:blipFill>
+          <a:blip r:embed="rId1"/>
+          <a:stretch/>
+        </p:blipFill>
+        <p:spPr>
+          <a:xfrm>
+            <a:off x="258120" y="1486440"/>
+            <a:ext cx="5685480" cy="428400"/>
+          </a:xfrm>
+          <a:prstGeom prst="rect">
+            <a:avLst/>
+          </a:prstGeom>
+          <a:ln w="0">
+            <a:noFill/>
+          </a:ln>
+        </p:spPr>
+      </p:pic>
+      <p:pic>
+        <p:nvPicPr>
+          <p:cNvPr id="214" name="" descr=""/>
+          <p:cNvPicPr/>
+          <p:nvPr/>
+        </p:nvPicPr>
+        <p:blipFill>
+          <a:blip r:embed="rId2"/>
+          <a:stretch/>
+        </p:blipFill>
+        <p:spPr>
+          <a:xfrm>
+            <a:off x="228600" y="2571840"/>
+            <a:ext cx="5704200" cy="399960"/>
+          </a:xfrm>
+          <a:prstGeom prst="rect">
+            <a:avLst/>
+          </a:prstGeom>
+          <a:ln w="0">
+            <a:noFill/>
+          </a:ln>
+        </p:spPr>
+      </p:pic>
+      <p:pic>
+        <p:nvPicPr>
+          <p:cNvPr id="215" name="" descr=""/>
+          <p:cNvPicPr/>
+          <p:nvPr/>
+        </p:nvPicPr>
+        <p:blipFill>
+          <a:blip r:embed="rId3"/>
+          <a:stretch/>
+        </p:blipFill>
+        <p:spPr>
+          <a:xfrm>
+            <a:off x="258120" y="2057400"/>
+            <a:ext cx="5685480" cy="392400"/>
+          </a:xfrm>
+          <a:prstGeom prst="rect">
+            <a:avLst/>
+          </a:prstGeom>
+          <a:ln w="0">
+            <a:noFill/>
+          </a:ln>
+        </p:spPr>
+      </p:pic>
+      <p:pic>
+        <p:nvPicPr>
+          <p:cNvPr id="216" name="" descr=""/>
+          <p:cNvPicPr/>
+          <p:nvPr/>
+        </p:nvPicPr>
+        <p:blipFill>
+          <a:blip r:embed="rId4"/>
+          <a:srcRect l="0" t="0" r="27777" b="0"/>
+          <a:stretch/>
+        </p:blipFill>
+        <p:spPr>
+          <a:xfrm>
+            <a:off x="228600" y="3069000"/>
+            <a:ext cx="5715000" cy="2431080"/>
+          </a:xfrm>
+          <a:prstGeom prst="rect">
+            <a:avLst/>
+          </a:prstGeom>
+          <a:ln w="0">
+            <a:noFill/>
+          </a:ln>
+        </p:spPr>
+      </p:pic>
     </p:spTree>
   </p:cSld>
   <mc:AlternateContent>
@@ -10187,7 +10707,7 @@
       </p:grpSpPr>
       <p:sp>
         <p:nvSpPr>
-          <p:cNvPr id="207" name="PlaceHolder 1"/>
+          <p:cNvPr id="217" name="PlaceHolder 1"/>
           <p:cNvSpPr>
             <a:spLocks noGrp="1"/>
           </p:cNvSpPr>
@@ -10198,7 +10718,7 @@
         <p:spPr>
           <a:xfrm>
             <a:off x="457200" y="2071440"/>
-            <a:ext cx="8999280" cy="1267920"/>
+            <a:ext cx="8998560" cy="1267200"/>
           </a:xfrm>
           <a:prstGeom prst="rect">
             <a:avLst/>
@@ -10229,17 +10749,14 @@
               <a:t>Yearwise Analysis</a:t>
             </a:r>
             <a:endParaRPr b="0" lang="en-US" sz="4400" spc="-1" strike="noStrike">
-              <a:solidFill>
-                <a:srgbClr val="ffffff"/>
-              </a:solidFill>
-              <a:latin typeface="Courier New"/>
-            </a:endParaRPr>
-          </a:p>
-        </p:txBody>
-      </p:sp>
-      <p:sp>
-        <p:nvSpPr>
-          <p:cNvPr id="208" name="PlaceHolder 2"/>
+              <a:latin typeface="Arial"/>
+            </a:endParaRPr>
+          </a:p>
+        </p:txBody>
+      </p:sp>
+      <p:sp>
+        <p:nvSpPr>
+          <p:cNvPr id="218" name="PlaceHolder 2"/>
           <p:cNvSpPr>
             <a:spLocks noGrp="1"/>
           </p:cNvSpPr>
@@ -10250,7 +10767,7 @@
         <p:spPr>
           <a:xfrm>
             <a:off x="529560" y="3429000"/>
-            <a:ext cx="9071640" cy="728640"/>
+            <a:ext cx="9070920" cy="727920"/>
           </a:xfrm>
           <a:prstGeom prst="rect">
             <a:avLst/>
@@ -10266,6 +10783,9 @@
           </a:bodyPr>
           <a:p>
             <a:pPr algn="ctr">
+              <a:lnSpc>
+                <a:spcPct val="100000"/>
+              </a:lnSpc>
               <a:buNone/>
             </a:pPr>
             <a:r>
@@ -10278,10 +10798,7 @@
               <a:t>Best Picture and Highest Grossing Films from 2008 to 2017</a:t>
             </a:r>
             <a:endParaRPr b="0" lang="en-US" sz="2600" spc="-1" strike="noStrike">
-              <a:solidFill>
-                <a:srgbClr val="ffffff"/>
-              </a:solidFill>
-              <a:latin typeface="Courier New"/>
+              <a:latin typeface="Arial"/>
             </a:endParaRPr>
           </a:p>
         </p:txBody>
@@ -10318,7 +10835,7 @@
       </p:grpSpPr>
       <p:sp>
         <p:nvSpPr>
-          <p:cNvPr id="209" name="PlaceHolder 1"/>
+          <p:cNvPr id="219" name="PlaceHolder 1"/>
           <p:cNvSpPr>
             <a:spLocks noGrp="1"/>
           </p:cNvSpPr>
@@ -10329,7 +10846,7 @@
         <p:spPr>
           <a:xfrm>
             <a:off x="540000" y="270000"/>
-            <a:ext cx="8999280" cy="989280"/>
+            <a:ext cx="8998560" cy="988560"/>
           </a:xfrm>
           <a:prstGeom prst="rect">
             <a:avLst/>
@@ -10363,10 +10880,137 @@
               <a:t>2008-2017: Oscar Best Picture Winners</a:t>
             </a:r>
             <a:endParaRPr b="0" lang="en-US" sz="2600" spc="-1" strike="noStrike">
-              <a:solidFill>
-                <a:srgbClr val="ffffff"/>
-              </a:solidFill>
-              <a:latin typeface="Courier New"/>
+              <a:latin typeface="Arial"/>
+            </a:endParaRPr>
+          </a:p>
+        </p:txBody>
+      </p:sp>
+      <p:pic>
+        <p:nvPicPr>
+          <p:cNvPr id="220" name="" descr=""/>
+          <p:cNvPicPr/>
+          <p:nvPr/>
+        </p:nvPicPr>
+        <p:blipFill>
+          <a:blip r:embed="rId1"/>
+          <a:stretch/>
+        </p:blipFill>
+        <p:spPr>
+          <a:xfrm>
+            <a:off x="228600" y="1371600"/>
+            <a:ext cx="7543800" cy="3786840"/>
+          </a:xfrm>
+          <a:prstGeom prst="rect">
+            <a:avLst/>
+          </a:prstGeom>
+          <a:ln w="0">
+            <a:noFill/>
+          </a:ln>
+        </p:spPr>
+      </p:pic>
+      <p:sp>
+        <p:nvSpPr>
+          <p:cNvPr id="221" name=""/>
+          <p:cNvSpPr txBox="1"/>
+          <p:nvPr/>
+        </p:nvSpPr>
+        <p:spPr>
+          <a:xfrm>
+            <a:off x="8001000" y="1371600"/>
+            <a:ext cx="1828800" cy="3657600"/>
+          </a:xfrm>
+          <a:prstGeom prst="rect">
+            <a:avLst/>
+          </a:prstGeom>
+          <a:noFill/>
+          <a:ln w="0">
+            <a:noFill/>
+          </a:ln>
+        </p:spPr>
+        <p:txBody>
+          <a:bodyPr lIns="90000" rIns="90000" tIns="45000" bIns="45000" anchor="t">
+            <a:noAutofit/>
+          </a:bodyPr>
+          <a:p>
+            <a:r>
+              <a:rPr b="0" lang="en-US" sz="1800" spc="-1" strike="noStrike">
+                <a:latin typeface="Arial"/>
+              </a:rPr>
+              <a:t>Over the Past 9 Winners:</a:t>
+            </a:r>
+            <a:endParaRPr b="0" lang="en-US" sz="1800" spc="-1" strike="noStrike">
+              <a:latin typeface="Arial"/>
+            </a:endParaRPr>
+          </a:p>
+          <a:p>
+            <a:endParaRPr b="0" lang="en-US" sz="1800" spc="-1" strike="noStrike">
+              <a:latin typeface="Arial"/>
+            </a:endParaRPr>
+          </a:p>
+          <a:p>
+            <a:r>
+              <a:rPr b="0" lang="en-US" sz="1800" spc="-1" strike="noStrike">
+                <a:latin typeface="Arial"/>
+              </a:rPr>
+              <a:t>5: “Big Bad”</a:t>
+            </a:r>
+            <a:endParaRPr b="0" lang="en-US" sz="1800" spc="-1" strike="noStrike">
+              <a:latin typeface="Arial"/>
+            </a:endParaRPr>
+          </a:p>
+          <a:p>
+            <a:r>
+              <a:rPr b="0" lang="en-US" sz="1800" spc="-1" strike="noStrike">
+                <a:latin typeface="Arial"/>
+              </a:rPr>
+              <a:t>3: “Adult Fear”</a:t>
+            </a:r>
+            <a:endParaRPr b="0" lang="en-US" sz="1800" spc="-1" strike="noStrike">
+              <a:latin typeface="Arial"/>
+            </a:endParaRPr>
+          </a:p>
+          <a:p>
+            <a:r>
+              <a:rPr b="0" lang="en-US" sz="1800" spc="-1" strike="noStrike">
+                <a:latin typeface="Arial"/>
+              </a:rPr>
+              <a:t>3: “Dirty Coward”</a:t>
+            </a:r>
+            <a:endParaRPr b="0" lang="en-US" sz="1800" spc="-1" strike="noStrike">
+              <a:latin typeface="Arial"/>
+            </a:endParaRPr>
+          </a:p>
+          <a:p>
+            <a:r>
+              <a:rPr b="0" lang="en-US" sz="1800" spc="-1" strike="noStrike">
+                <a:latin typeface="Arial"/>
+              </a:rPr>
+              <a:t>3: “Earn Your Happy Ending”</a:t>
+            </a:r>
+            <a:endParaRPr b="0" lang="en-US" sz="1800" spc="-1" strike="noStrike">
+              <a:latin typeface="Arial"/>
+            </a:endParaRPr>
+          </a:p>
+          <a:p>
+            <a:r>
+              <a:rPr b="0" lang="en-US" sz="1800" spc="-1" strike="noStrike">
+                <a:latin typeface="Arial"/>
+              </a:rPr>
+              <a:t>3: “In Universe” </a:t>
+            </a:r>
+            <a:endParaRPr b="0" lang="en-US" sz="1800" spc="-1" strike="noStrike">
+              <a:latin typeface="Arial"/>
+            </a:endParaRPr>
+          </a:p>
+          <a:p>
+            <a:r>
+              <a:rPr b="0" lang="en-US" sz="1800" spc="-1" strike="noStrike">
+                <a:latin typeface="Arial"/>
+              </a:rPr>
+              <a:t>3” “The Cameo”</a:t>
+            </a:r>
+            <a:endParaRPr b="0" lang="en-US" sz="1800" spc="-1" strike="noStrike">
+              <a:latin typeface="Arial"/>
             </a:endParaRPr>
           </a:p>
         </p:txBody>
@@ -10403,7 +11047,7 @@
       </p:grpSpPr>
       <p:sp>
         <p:nvSpPr>
-          <p:cNvPr id="210" name="PlaceHolder 1"/>
+          <p:cNvPr id="222" name="PlaceHolder 1"/>
           <p:cNvSpPr>
             <a:spLocks noGrp="1"/>
           </p:cNvSpPr>
@@ -10414,7 +11058,7 @@
         <p:spPr>
           <a:xfrm>
             <a:off x="540000" y="270000"/>
-            <a:ext cx="8999280" cy="989280"/>
+            <a:ext cx="8998560" cy="988560"/>
           </a:xfrm>
           <a:prstGeom prst="rect">
             <a:avLst/>
@@ -10445,13 +11089,150 @@
                 </a:solidFill>
                 <a:latin typeface="Courier New"/>
               </a:rPr>
-              <a:t>2008-2017: Highest Grossing</a:t>
+              <a:t>2008-2017: Highest Grossing (Over $.5B) </a:t>
             </a:r>
             <a:endParaRPr b="0" lang="en-US" sz="2600" spc="-1" strike="noStrike">
-              <a:solidFill>
-                <a:srgbClr val="ffffff"/>
-              </a:solidFill>
-              <a:latin typeface="Courier New"/>
+              <a:latin typeface="Arial"/>
+            </a:endParaRPr>
+          </a:p>
+        </p:txBody>
+      </p:sp>
+      <p:pic>
+        <p:nvPicPr>
+          <p:cNvPr id="223" name="" descr=""/>
+          <p:cNvPicPr/>
+          <p:nvPr/>
+        </p:nvPicPr>
+        <p:blipFill>
+          <a:blip r:embed="rId1"/>
+          <a:stretch/>
+        </p:blipFill>
+        <p:spPr>
+          <a:xfrm>
+            <a:off x="98280" y="1600200"/>
+            <a:ext cx="7690320" cy="3984840"/>
+          </a:xfrm>
+          <a:prstGeom prst="rect">
+            <a:avLst/>
+          </a:prstGeom>
+          <a:ln w="0">
+            <a:noFill/>
+          </a:ln>
+        </p:spPr>
+      </p:pic>
+      <p:sp>
+        <p:nvSpPr>
+          <p:cNvPr id="224" name=""/>
+          <p:cNvSpPr txBox="1"/>
+          <p:nvPr/>
+        </p:nvSpPr>
+        <p:spPr>
+          <a:xfrm>
+            <a:off x="7772400" y="1345680"/>
+            <a:ext cx="2057400" cy="4185720"/>
+          </a:xfrm>
+          <a:prstGeom prst="rect">
+            <a:avLst/>
+          </a:prstGeom>
+          <a:noFill/>
+          <a:ln w="0">
+            <a:noFill/>
+          </a:ln>
+        </p:spPr>
+        <p:txBody>
+          <a:bodyPr lIns="90000" rIns="90000" tIns="45000" bIns="45000" anchor="t">
+            <a:noAutofit/>
+          </a:bodyPr>
+          <a:p>
+            <a:r>
+              <a:rPr b="0" lang="en-US" sz="1800" spc="-1" strike="noStrike">
+                <a:latin typeface="Arial"/>
+              </a:rPr>
+              <a:t>Of the 7 Highest Grossing:</a:t>
+            </a:r>
+            <a:endParaRPr b="0" lang="en-US" sz="1800" spc="-1" strike="noStrike">
+              <a:latin typeface="Arial"/>
+            </a:endParaRPr>
+          </a:p>
+          <a:p>
+            <a:endParaRPr b="0" lang="en-US" sz="1800" spc="-1" strike="noStrike">
+              <a:latin typeface="Arial"/>
+            </a:endParaRPr>
+          </a:p>
+          <a:p>
+            <a:r>
+              <a:rPr b="0" lang="en-US" sz="1800" spc="-1" strike="noStrike">
+                <a:latin typeface="Arial"/>
+              </a:rPr>
+              <a:t>6: Arc Words</a:t>
+            </a:r>
+            <a:endParaRPr b="0" lang="en-US" sz="1800" spc="-1" strike="noStrike">
+              <a:latin typeface="Arial"/>
+            </a:endParaRPr>
+          </a:p>
+          <a:p>
+            <a:endParaRPr b="0" lang="en-US" sz="1800" spc="-1" strike="noStrike">
+              <a:latin typeface="Arial"/>
+            </a:endParaRPr>
+          </a:p>
+          <a:p>
+            <a:r>
+              <a:rPr b="0" lang="en-US" sz="1800" spc="-1" strike="noStrike">
+                <a:latin typeface="Arial"/>
+              </a:rPr>
+              <a:t>6: All There In The Manual</a:t>
+            </a:r>
+            <a:br/>
+            <a:endParaRPr b="0" lang="en-US" sz="1800" spc="-1" strike="noStrike">
+              <a:latin typeface="Arial"/>
+            </a:endParaRPr>
+          </a:p>
+          <a:p>
+            <a:r>
+              <a:rPr b="0" lang="en-US" sz="1800" spc="-1" strike="noStrike">
+                <a:latin typeface="Arial"/>
+              </a:rPr>
+              <a:t>4: Big Bad</a:t>
+            </a:r>
+            <a:endParaRPr b="0" lang="en-US" sz="1800" spc="-1" strike="noStrike">
+              <a:latin typeface="Arial"/>
+            </a:endParaRPr>
+          </a:p>
+          <a:p>
+            <a:endParaRPr b="0" lang="en-US" sz="1800" spc="-1" strike="noStrike">
+              <a:latin typeface="Arial"/>
+            </a:endParaRPr>
+          </a:p>
+          <a:p>
+            <a:r>
+              <a:rPr b="0" lang="en-US" sz="1800" spc="-1" strike="noStrike">
+                <a:latin typeface="Arial"/>
+              </a:rPr>
+              <a:t>4: Action Film Quiet Drama Scene</a:t>
+            </a:r>
+            <a:endParaRPr b="0" lang="en-US" sz="1800" spc="-1" strike="noStrike">
+              <a:latin typeface="Arial"/>
+            </a:endParaRPr>
+          </a:p>
+          <a:p>
+            <a:endParaRPr b="0" lang="en-US" sz="1800" spc="-1" strike="noStrike">
+              <a:latin typeface="Arial"/>
+            </a:endParaRPr>
+          </a:p>
+          <a:p>
+            <a:r>
+              <a:rPr b="0" lang="en-US" sz="1800" spc="-1" strike="noStrike">
+                <a:latin typeface="Arial"/>
+              </a:rPr>
+              <a:t>4: Adult Fear</a:t>
+            </a:r>
+            <a:endParaRPr b="0" lang="en-US" sz="1800" spc="-1" strike="noStrike">
+              <a:latin typeface="Arial"/>
+            </a:endParaRPr>
+          </a:p>
+          <a:p>
+            <a:endParaRPr b="0" lang="en-US" sz="1800" spc="-1" strike="noStrike">
+              <a:latin typeface="Arial"/>
             </a:endParaRPr>
           </a:p>
         </p:txBody>
@@ -10488,7 +11269,7 @@
       </p:grpSpPr>
       <p:sp>
         <p:nvSpPr>
-          <p:cNvPr id="211" name="PlaceHolder 1"/>
+          <p:cNvPr id="225" name="PlaceHolder 1"/>
           <p:cNvSpPr>
             <a:spLocks noGrp="1"/>
           </p:cNvSpPr>
@@ -10499,7 +11280,7 @@
         <p:spPr>
           <a:xfrm>
             <a:off x="457200" y="2071440"/>
-            <a:ext cx="8999280" cy="1267920"/>
+            <a:ext cx="8998560" cy="1267200"/>
           </a:xfrm>
           <a:prstGeom prst="rect">
             <a:avLst/>
@@ -10530,17 +11311,14 @@
               <a:t>Genrewise Analysis</a:t>
             </a:r>
             <a:endParaRPr b="0" lang="en-US" sz="4400" spc="-1" strike="noStrike">
-              <a:solidFill>
-                <a:srgbClr val="ffffff"/>
-              </a:solidFill>
-              <a:latin typeface="Courier New"/>
-            </a:endParaRPr>
-          </a:p>
-        </p:txBody>
-      </p:sp>
-      <p:sp>
-        <p:nvSpPr>
-          <p:cNvPr id="212" name="PlaceHolder 2"/>
+              <a:latin typeface="Arial"/>
+            </a:endParaRPr>
+          </a:p>
+        </p:txBody>
+      </p:sp>
+      <p:sp>
+        <p:nvSpPr>
+          <p:cNvPr id="226" name="PlaceHolder 2"/>
           <p:cNvSpPr>
             <a:spLocks noGrp="1"/>
           </p:cNvSpPr>
@@ -10551,7 +11329,7 @@
         <p:spPr>
           <a:xfrm>
             <a:off x="457200" y="3429000"/>
-            <a:ext cx="9071640" cy="728640"/>
+            <a:ext cx="9070920" cy="727920"/>
           </a:xfrm>
           <a:prstGeom prst="rect">
             <a:avLst/>

--- a/SrikarP_FilmProject.pptx
+++ b/SrikarP_FilmProject.pptx
@@ -7597,7 +7597,7 @@
               </a:lnSpc>
               <a:buNone/>
             </a:pPr>
-            <a:fld id="{717540E5-71F6-4BEA-B8B5-0B6FE4521615}" type="slidenum">
+            <a:fld id="{8E8DB952-BC2C-4C31-9DFE-2CA0687830D0}" type="slidenum">
               <a:rPr b="0" lang="en-US" sz="1400" spc="-1" strike="noStrike">
                 <a:solidFill>
                   <a:srgbClr val="000000"/>
@@ -8167,7 +8167,7 @@
               </a:lnSpc>
               <a:buNone/>
             </a:pPr>
-            <a:fld id="{5643322E-C91E-4FE5-9C90-FACC32D29C49}" type="slidenum">
+            <a:fld id="{BE616B68-BFE2-4205-9EA5-0F67EB21E357}" type="slidenum">
               <a:rPr b="0" lang="en-US" sz="1400" spc="-1" strike="noStrike">
                 <a:solidFill>
                   <a:srgbClr val="ffffff"/>
@@ -8967,9 +8967,194 @@
                 </a:solidFill>
                 <a:latin typeface="Courier New"/>
               </a:rPr>
-              <a:t>Action: Oscar-Winning Movies</a:t>
+              <a:t>3.1 Action: Oscar-Nominated Movies</a:t>
             </a:r>
             <a:endParaRPr b="0" lang="en-US" sz="2600" spc="-1" strike="noStrike">
+              <a:latin typeface="Arial"/>
+            </a:endParaRPr>
+          </a:p>
+        </p:txBody>
+      </p:sp>
+      <p:pic>
+        <p:nvPicPr>
+          <p:cNvPr id="228" name="" descr=""/>
+          <p:cNvPicPr/>
+          <p:nvPr/>
+        </p:nvPicPr>
+        <p:blipFill>
+          <a:blip r:embed="rId1"/>
+          <a:stretch/>
+        </p:blipFill>
+        <p:spPr>
+          <a:xfrm>
+            <a:off x="0" y="1562400"/>
+            <a:ext cx="8001000" cy="3924000"/>
+          </a:xfrm>
+          <a:prstGeom prst="rect">
+            <a:avLst/>
+          </a:prstGeom>
+          <a:ln w="0">
+            <a:noFill/>
+          </a:ln>
+        </p:spPr>
+      </p:pic>
+      <p:sp>
+        <p:nvSpPr>
+          <p:cNvPr id="229" name=""/>
+          <p:cNvSpPr txBox="1"/>
+          <p:nvPr/>
+        </p:nvSpPr>
+        <p:spPr>
+          <a:xfrm>
+            <a:off x="8001000" y="1600200"/>
+            <a:ext cx="2057400" cy="2905920"/>
+          </a:xfrm>
+          <a:prstGeom prst="rect">
+            <a:avLst/>
+          </a:prstGeom>
+          <a:noFill/>
+          <a:ln w="0">
+            <a:noFill/>
+          </a:ln>
+        </p:spPr>
+        <p:txBody>
+          <a:bodyPr lIns="90000" rIns="90000" tIns="45000" bIns="45000" anchor="t">
+            <a:noAutofit/>
+          </a:bodyPr>
+          <a:p>
+            <a:r>
+              <a:rPr b="0" lang="en-US" sz="1800" spc="-1" strike="noStrike">
+                <a:latin typeface="Arial"/>
+              </a:rPr>
+              <a:t>Of 54 total:</a:t>
+            </a:r>
+            <a:endParaRPr b="0" lang="en-US" sz="1800" spc="-1" strike="noStrike">
+              <a:latin typeface="Arial"/>
+            </a:endParaRPr>
+          </a:p>
+          <a:p>
+            <a:endParaRPr b="0" lang="en-US" sz="1800" spc="-1" strike="noStrike">
+              <a:latin typeface="Arial"/>
+            </a:endParaRPr>
+          </a:p>
+          <a:p>
+            <a:r>
+              <a:rPr b="0" lang="en-US" sz="1800" spc="-1" strike="noStrike">
+                <a:latin typeface="Arial"/>
+                <a:ea typeface="Source Han Sans CN"/>
+              </a:rPr>
+              <a:t>24 </a:t>
+            </a:r>
+            <a:r>
+              <a:rPr b="0" lang="en-US" sz="1800" spc="-1" strike="noStrike">
+                <a:latin typeface="Arial"/>
+              </a:rPr>
+              <a:t>(44%): </a:t>
+            </a:r>
+            <a:endParaRPr b="0" lang="en-US" sz="1800" spc="-1" strike="noStrike">
+              <a:latin typeface="Arial"/>
+            </a:endParaRPr>
+          </a:p>
+          <a:p>
+            <a:pPr marL="216000" indent="-216000">
+              <a:buClr>
+                <a:srgbClr val="000000"/>
+              </a:buClr>
+              <a:buSzPct val="45000"/>
+              <a:buFont typeface="Wingdings" charset="2"/>
+              <a:buChar char=""/>
+            </a:pPr>
+            <a:r>
+              <a:rPr b="0" lang="en-US" sz="1800" spc="-1" strike="noStrike">
+                <a:latin typeface="Arial"/>
+              </a:rPr>
+              <a:t>Big Bad </a:t>
+            </a:r>
+            <a:endParaRPr b="0" lang="en-US" sz="1800" spc="-1" strike="noStrike">
+              <a:latin typeface="Arial"/>
+            </a:endParaRPr>
+          </a:p>
+          <a:p>
+            <a:endParaRPr b="0" lang="en-US" sz="1800" spc="-1" strike="noStrike">
+              <a:latin typeface="Arial"/>
+            </a:endParaRPr>
+          </a:p>
+          <a:p>
+            <a:r>
+              <a:rPr b="0" lang="en-US" sz="1800" spc="-1" strike="noStrike">
+                <a:latin typeface="Arial"/>
+                <a:ea typeface="Source Han Sans CN"/>
+              </a:rPr>
+              <a:t>22 </a:t>
+            </a:r>
+            <a:r>
+              <a:rPr b="0" lang="en-US" sz="1800" spc="-1" strike="noStrike">
+                <a:latin typeface="Arial"/>
+              </a:rPr>
+              <a:t>(41%): </a:t>
+            </a:r>
+            <a:endParaRPr b="0" lang="en-US" sz="1800" spc="-1" strike="noStrike">
+              <a:latin typeface="Arial"/>
+            </a:endParaRPr>
+          </a:p>
+          <a:p>
+            <a:pPr marL="216000" indent="-216000">
+              <a:buClr>
+                <a:srgbClr val="000000"/>
+              </a:buClr>
+              <a:buSzPct val="45000"/>
+              <a:buFont typeface="Wingdings" charset="2"/>
+              <a:buChar char=""/>
+            </a:pPr>
+            <a:r>
+              <a:rPr b="0" lang="en-US" sz="1800" spc="-1" strike="noStrike">
+                <a:latin typeface="Arial"/>
+              </a:rPr>
+              <a:t>Actor Allusion</a:t>
+            </a:r>
+            <a:endParaRPr b="0" lang="en-US" sz="1800" spc="-1" strike="noStrike">
+              <a:latin typeface="Arial"/>
+            </a:endParaRPr>
+          </a:p>
+          <a:p>
+            <a:endParaRPr b="0" lang="en-US" sz="1800" spc="-1" strike="noStrike">
+              <a:latin typeface="Arial"/>
+            </a:endParaRPr>
+          </a:p>
+          <a:p>
+            <a:r>
+              <a:rPr b="0" lang="en-US" sz="1800" spc="-1" strike="noStrike">
+                <a:latin typeface="Arial"/>
+                <a:ea typeface="Source Han Sans CN"/>
+              </a:rPr>
+              <a:t>18 </a:t>
+            </a:r>
+            <a:r>
+              <a:rPr b="0" lang="en-US" sz="1800" spc="-1" strike="noStrike">
+                <a:latin typeface="Arial"/>
+              </a:rPr>
+              <a:t>(33%):</a:t>
+            </a:r>
+            <a:endParaRPr b="0" lang="en-US" sz="1800" spc="-1" strike="noStrike">
+              <a:latin typeface="Arial"/>
+            </a:endParaRPr>
+          </a:p>
+          <a:p>
+            <a:pPr marL="216000" indent="-216000">
+              <a:buClr>
+                <a:srgbClr val="000000"/>
+              </a:buClr>
+              <a:buSzPct val="45000"/>
+              <a:buFont typeface="Wingdings" charset="2"/>
+              <a:buChar char=""/>
+            </a:pPr>
+            <a:r>
+              <a:rPr b="0" lang="en-US" sz="1800" spc="-1" strike="noStrike">
+                <a:latin typeface="Arial"/>
+              </a:rPr>
+              <a:t>Bittersweet Ending </a:t>
+            </a:r>
+            <a:endParaRPr b="0" lang="en-US" sz="1800" spc="-1" strike="noStrike">
               <a:latin typeface="Arial"/>
             </a:endParaRPr>
           </a:p>
@@ -9007,7 +9192,7 @@
       </p:grpSpPr>
       <p:sp>
         <p:nvSpPr>
-          <p:cNvPr id="228" name="PlaceHolder 1"/>
+          <p:cNvPr id="230" name="PlaceHolder 1"/>
           <p:cNvSpPr>
             <a:spLocks noGrp="1"/>
           </p:cNvSpPr>
@@ -9049,9 +9234,229 @@
                 </a:solidFill>
                 <a:latin typeface="Courier New"/>
               </a:rPr>
-              <a:t>Crime: Highest-Grossing Movies</a:t>
+              <a:t>3.2 Crime: Highest-Grossing Movies (&gt;$100M)</a:t>
             </a:r>
             <a:endParaRPr b="0" lang="en-US" sz="2600" spc="-1" strike="noStrike">
+              <a:latin typeface="Arial"/>
+            </a:endParaRPr>
+          </a:p>
+        </p:txBody>
+      </p:sp>
+      <p:pic>
+        <p:nvPicPr>
+          <p:cNvPr id="231" name="" descr=""/>
+          <p:cNvPicPr/>
+          <p:nvPr/>
+        </p:nvPicPr>
+        <p:blipFill>
+          <a:blip r:embed="rId1"/>
+          <a:stretch/>
+        </p:blipFill>
+        <p:spPr>
+          <a:xfrm>
+            <a:off x="100080" y="1371600"/>
+            <a:ext cx="7900920" cy="4216320"/>
+          </a:xfrm>
+          <a:prstGeom prst="rect">
+            <a:avLst/>
+          </a:prstGeom>
+          <a:ln w="0">
+            <a:noFill/>
+          </a:ln>
+        </p:spPr>
+      </p:pic>
+      <p:sp>
+        <p:nvSpPr>
+          <p:cNvPr id="232" name=""/>
+          <p:cNvSpPr txBox="1"/>
+          <p:nvPr/>
+        </p:nvSpPr>
+        <p:spPr>
+          <a:xfrm>
+            <a:off x="8001000" y="1402200"/>
+            <a:ext cx="2057400" cy="4185720"/>
+          </a:xfrm>
+          <a:prstGeom prst="rect">
+            <a:avLst/>
+          </a:prstGeom>
+          <a:noFill/>
+          <a:ln w="0">
+            <a:noFill/>
+          </a:ln>
+        </p:spPr>
+        <p:txBody>
+          <a:bodyPr lIns="90000" rIns="90000" tIns="45000" bIns="45000" anchor="t">
+            <a:noAutofit/>
+          </a:bodyPr>
+          <a:p>
+            <a:r>
+              <a:rPr b="1" lang="en-US" sz="1600" spc="-1" strike="noStrike">
+                <a:latin typeface="Courier New"/>
+              </a:rPr>
+              <a:t>Of 22 Movies</a:t>
+            </a:r>
+            <a:r>
+              <a:rPr b="0" lang="en-US" sz="1600" spc="-1" strike="noStrike">
+                <a:latin typeface="Courier New"/>
+              </a:rPr>
+              <a:t>:</a:t>
+            </a:r>
+            <a:endParaRPr b="0" lang="en-US" sz="1600" spc="-1" strike="noStrike">
+              <a:latin typeface="Arial"/>
+            </a:endParaRPr>
+          </a:p>
+          <a:p>
+            <a:endParaRPr b="0" lang="en-US" sz="1600" spc="-1" strike="noStrike">
+              <a:latin typeface="Arial"/>
+            </a:endParaRPr>
+          </a:p>
+          <a:p>
+            <a:r>
+              <a:rPr b="0" lang="en-US" sz="1600" spc="-1" strike="noStrike">
+                <a:latin typeface="Courier New"/>
+              </a:rPr>
+              <a:t>14 (64%):</a:t>
+            </a:r>
+            <a:endParaRPr b="0" lang="en-US" sz="1600" spc="-1" strike="noStrike">
+              <a:latin typeface="Arial"/>
+            </a:endParaRPr>
+          </a:p>
+          <a:p>
+            <a:pPr marL="216000" indent="-216000">
+              <a:buClr>
+                <a:srgbClr val="000000"/>
+              </a:buClr>
+              <a:buSzPct val="45000"/>
+              <a:buFont typeface="Wingdings" charset="2"/>
+              <a:buChar char=""/>
+            </a:pPr>
+            <a:r>
+              <a:rPr b="0" lang="en-US" sz="1600" spc="-1" strike="noStrike">
+                <a:latin typeface="Courier New"/>
+              </a:rPr>
+              <a:t>Shout Out</a:t>
+            </a:r>
+            <a:endParaRPr b="0" lang="en-US" sz="1600" spc="-1" strike="noStrike">
+              <a:latin typeface="Arial"/>
+            </a:endParaRPr>
+          </a:p>
+          <a:p>
+            <a:endParaRPr b="0" lang="en-US" sz="1600" spc="-1" strike="noStrike">
+              <a:latin typeface="Arial"/>
+            </a:endParaRPr>
+          </a:p>
+          <a:p>
+            <a:r>
+              <a:rPr b="0" lang="en-US" sz="1600" spc="-1" strike="noStrike">
+                <a:latin typeface="Courier New"/>
+              </a:rPr>
+              <a:t>12 (55%):</a:t>
+            </a:r>
+            <a:endParaRPr b="0" lang="en-US" sz="1600" spc="-1" strike="noStrike">
+              <a:latin typeface="Arial"/>
+            </a:endParaRPr>
+          </a:p>
+          <a:p>
+            <a:pPr marL="216000" indent="-216000">
+              <a:buClr>
+                <a:srgbClr val="000000"/>
+              </a:buClr>
+              <a:buSzPct val="45000"/>
+              <a:buFont typeface="Wingdings" charset="2"/>
+              <a:buChar char=""/>
+            </a:pPr>
+            <a:r>
+              <a:rPr b="0" lang="en-US" sz="1600" spc="-1" strike="noStrike">
+                <a:latin typeface="Courier New"/>
+              </a:rPr>
+              <a:t>Foreshadowing</a:t>
+            </a:r>
+            <a:endParaRPr b="0" lang="en-US" sz="1600" spc="-1" strike="noStrike">
+              <a:latin typeface="Arial"/>
+            </a:endParaRPr>
+          </a:p>
+          <a:p>
+            <a:endParaRPr b="0" lang="en-US" sz="1600" spc="-1" strike="noStrike">
+              <a:latin typeface="Arial"/>
+            </a:endParaRPr>
+          </a:p>
+          <a:p>
+            <a:r>
+              <a:rPr b="0" lang="en-US" sz="1600" spc="-1" strike="noStrike">
+                <a:latin typeface="Courier New"/>
+              </a:rPr>
+              <a:t>9 (41%):</a:t>
+            </a:r>
+            <a:endParaRPr b="0" lang="en-US" sz="1600" spc="-1" strike="noStrike">
+              <a:latin typeface="Arial"/>
+            </a:endParaRPr>
+          </a:p>
+          <a:p>
+            <a:pPr marL="216000" indent="-216000">
+              <a:buClr>
+                <a:srgbClr val="000000"/>
+              </a:buClr>
+              <a:buSzPct val="45000"/>
+              <a:buFont typeface="Wingdings" charset="2"/>
+              <a:buChar char=""/>
+            </a:pPr>
+            <a:r>
+              <a:rPr b="0" lang="en-US" sz="1600" spc="-1" strike="noStrike">
+                <a:latin typeface="Courier New"/>
+              </a:rPr>
+              <a:t>Berserk Button, </a:t>
+            </a:r>
+            <a:endParaRPr b="0" lang="en-US" sz="1600" spc="-1" strike="noStrike">
+              <a:latin typeface="Arial"/>
+            </a:endParaRPr>
+          </a:p>
+          <a:p>
+            <a:pPr marL="216000" indent="-216000">
+              <a:buClr>
+                <a:srgbClr val="000000"/>
+              </a:buClr>
+              <a:buSzPct val="45000"/>
+              <a:buFont typeface="Wingdings" charset="2"/>
+              <a:buChar char=""/>
+            </a:pPr>
+            <a:r>
+              <a:rPr b="0" lang="en-US" sz="1600" spc="-1" strike="noStrike">
+                <a:latin typeface="Courier New"/>
+              </a:rPr>
+              <a:t>Checkovs Gun, </a:t>
+            </a:r>
+            <a:endParaRPr b="0" lang="en-US" sz="1600" spc="-1" strike="noStrike">
+              <a:latin typeface="Arial"/>
+            </a:endParaRPr>
+          </a:p>
+          <a:p>
+            <a:pPr marL="216000" indent="-216000">
+              <a:buClr>
+                <a:srgbClr val="000000"/>
+              </a:buClr>
+              <a:buSzPct val="45000"/>
+              <a:buFont typeface="Wingdings" charset="2"/>
+              <a:buChar char=""/>
+            </a:pPr>
+            <a:r>
+              <a:rPr b="0" lang="en-US" sz="1600" spc="-1" strike="noStrike">
+                <a:latin typeface="Courier New"/>
+              </a:rPr>
+              <a:t>“</a:t>
+            </a:r>
+            <a:r>
+              <a:rPr b="0" lang="en-US" sz="1600" spc="-1" strike="noStrike">
+                <a:latin typeface="Courier New"/>
+              </a:rPr>
+              <a:t>Oh Crap”</a:t>
+            </a:r>
+            <a:r>
+              <a:rPr b="0" lang="en-US" sz="1800" spc="-1" strike="noStrike">
+                <a:latin typeface="Arial"/>
+              </a:rPr>
+              <a:t> </a:t>
+            </a:r>
+            <a:endParaRPr b="0" lang="en-US" sz="1800" spc="-1" strike="noStrike">
               <a:latin typeface="Arial"/>
             </a:endParaRPr>
           </a:p>
@@ -9089,7 +9494,7 @@
       </p:grpSpPr>
       <p:sp>
         <p:nvSpPr>
-          <p:cNvPr id="229" name="PlaceHolder 1"/>
+          <p:cNvPr id="233" name="PlaceHolder 1"/>
           <p:cNvSpPr>
             <a:spLocks noGrp="1"/>
           </p:cNvSpPr>
@@ -9128,7 +9533,7 @@
                 </a:solidFill>
                 <a:latin typeface="Courier New"/>
               </a:rPr>
-              <a:t>Next Steps</a:t>
+              <a:t>4. Next Steps</a:t>
             </a:r>
             <a:endParaRPr b="0" lang="en-US" sz="4400" spc="-1" strike="noStrike">
               <a:latin typeface="Arial"/>
@@ -9138,7 +9543,7 @@
       </p:sp>
       <p:sp>
         <p:nvSpPr>
-          <p:cNvPr id="230" name="PlaceHolder 2"/>
+          <p:cNvPr id="234" name="PlaceHolder 2"/>
           <p:cNvSpPr>
             <a:spLocks noGrp="1"/>
           </p:cNvSpPr>
@@ -9148,8 +9553,8 @@
         </p:nvSpPr>
         <p:spPr>
           <a:xfrm>
-            <a:off x="3969000" y="1283760"/>
-            <a:ext cx="5631480" cy="3973320"/>
+            <a:off x="228600" y="1284480"/>
+            <a:ext cx="3780360" cy="3973320"/>
           </a:xfrm>
           <a:prstGeom prst="rect">
             <a:avLst/>
@@ -9161,7 +9566,7 @@
         </p:spPr>
         <p:txBody>
           <a:bodyPr lIns="0" rIns="0" tIns="0" bIns="0" anchor="t">
-            <a:normAutofit fontScale="67000"/>
+            <a:normAutofit fontScale="57000"/>
           </a:bodyPr>
           <a:p>
             <a:pPr marL="432000" indent="-324000">
@@ -9194,7 +9599,7 @@
                 </a:solidFill>
                 <a:latin typeface="Courier New"/>
               </a:rPr>
-              <a:t>Quantification of each tropes occurance</a:t>
+              <a:t>Quantification of each tropes occurance. Compare Winners to Nominated.</a:t>
             </a:r>
             <a:endParaRPr b="0" lang="en-US" sz="3200" spc="-1" strike="noStrike">
               <a:latin typeface="Arial"/>
@@ -9327,6 +9732,29 @@
           </a:p>
         </p:txBody>
       </p:sp>
+      <p:pic>
+        <p:nvPicPr>
+          <p:cNvPr id="235" name="" descr=""/>
+          <p:cNvPicPr/>
+          <p:nvPr/>
+        </p:nvPicPr>
+        <p:blipFill>
+          <a:blip r:embed="rId1"/>
+          <a:stretch/>
+        </p:blipFill>
+        <p:spPr>
+          <a:xfrm>
+            <a:off x="4471560" y="1456920"/>
+            <a:ext cx="5358240" cy="3572280"/>
+          </a:xfrm>
+          <a:prstGeom prst="rect">
+            <a:avLst/>
+          </a:prstGeom>
+          <a:ln w="0">
+            <a:noFill/>
+          </a:ln>
+        </p:spPr>
+      </p:pic>
     </p:spTree>
   </p:cSld>
   <mc:AlternateContent>
@@ -9359,7 +9787,7 @@
       </p:grpSpPr>
       <p:sp>
         <p:nvSpPr>
-          <p:cNvPr id="231" name="PlaceHolder 1"/>
+          <p:cNvPr id="236" name="PlaceHolder 1"/>
           <p:cNvSpPr>
             <a:spLocks noGrp="1"/>
           </p:cNvSpPr>
@@ -9369,8 +9797,8 @@
         </p:nvSpPr>
         <p:spPr>
           <a:xfrm>
-            <a:off x="540000" y="270000"/>
-            <a:ext cx="8998560" cy="988560"/>
+            <a:off x="4114800" y="228600"/>
+            <a:ext cx="1600200" cy="988560"/>
           </a:xfrm>
           <a:prstGeom prst="rect">
             <a:avLst/>
@@ -9405,33 +9833,74 @@
       </p:sp>
       <p:sp>
         <p:nvSpPr>
-          <p:cNvPr id="232" name="PlaceHolder 2"/>
-          <p:cNvSpPr>
-            <a:spLocks noGrp="1"/>
-          </p:cNvSpPr>
-          <p:nvPr>
-            <p:ph/>
-          </p:nvPr>
-        </p:nvSpPr>
-        <p:spPr>
-          <a:xfrm>
-            <a:off x="540000" y="1440000"/>
-            <a:ext cx="8998560" cy="3598560"/>
-          </a:xfrm>
-          <a:prstGeom prst="rect">
-            <a:avLst/>
-          </a:prstGeom>
-          <a:noFill/>
-          <a:ln w="0">
-            <a:noFill/>
-          </a:ln>
-        </p:spPr>
-        <p:txBody>
-          <a:bodyPr lIns="0" rIns="0" tIns="0" bIns="0" anchor="t">
-            <a:normAutofit/>
-          </a:bodyPr>
-          <a:p>
-            <a:endParaRPr b="0" lang="en-US" sz="3200" spc="-1" strike="noStrike">
+          <p:cNvPr id="237" name=""/>
+          <p:cNvSpPr txBox="1"/>
+          <p:nvPr/>
+        </p:nvSpPr>
+        <p:spPr>
+          <a:xfrm>
+            <a:off x="111240" y="1143000"/>
+            <a:ext cx="9969480" cy="2192040"/>
+          </a:xfrm>
+          <a:prstGeom prst="rect">
+            <a:avLst/>
+          </a:prstGeom>
+          <a:noFill/>
+          <a:ln w="0">
+            <a:noFill/>
+          </a:ln>
+        </p:spPr>
+        <p:txBody>
+          <a:bodyPr lIns="90000" rIns="90000" tIns="45000" bIns="45000" anchor="t">
+            <a:noAutofit/>
+          </a:bodyPr>
+          <a:p>
+            <a:r>
+              <a:rPr b="0" lang="en-US" sz="1000" spc="-1" strike="noStrike">
+                <a:latin typeface="Arial"/>
+              </a:rPr>
+              <a:t>Vipul, (U. (2020, September 8). Oscars nominated movies 2000-2017. Kaggle. Retrieved January 31, 2022, from </a:t>
+            </a:r>
+            <a:r>
+              <a:rPr b="0" lang="en-US" sz="1000" spc="-1" strike="noStrike">
+                <a:latin typeface="Arial"/>
+                <a:hlinkClick r:id="rId1"/>
+              </a:rPr>
+              <a:t>https://www.kaggle.com/vipulgote4/oscars-nominated-movies-from-2000-to-2017</a:t>
+            </a:r>
+            <a:endParaRPr b="0" lang="en-US" sz="1000" spc="-1" strike="noStrike">
+              <a:latin typeface="Arial"/>
+            </a:endParaRPr>
+          </a:p>
+          <a:p>
+            <a:r>
+              <a:rPr b="0" lang="en-US" sz="1000" spc="-1" strike="noStrike">
+                <a:latin typeface="Arial"/>
+              </a:rPr>
+              <a:t>email, S. G. S. an, Ghazanchyan, S., &amp;amp; email, S. an. (2021, December 7). Armenia Movie Wins Gold at tokyo film awards. Public Radio of Armenia. Retrieved January 31, 2022, from https://en.armradio.am/2021/12/07/armenia-movie-wins-golden-winner-prize-at-tokyo-film-awards/ </a:t>
+            </a:r>
+            <a:endParaRPr b="0" lang="en-US" sz="1000" spc="-1" strike="noStrike">
+              <a:latin typeface="Arial"/>
+            </a:endParaRPr>
+          </a:p>
+          <a:p>
+            <a:endParaRPr b="0" lang="en-US" sz="1000" spc="-1" strike="noStrike">
+              <a:latin typeface="Arial"/>
+            </a:endParaRPr>
+          </a:p>
+          <a:p>
+            <a:r>
+              <a:rPr b="0" lang="en-US" sz="1000" spc="-1" strike="noStrike">
+                <a:latin typeface="Arial"/>
+              </a:rPr>
+              <a:t> </a:t>
+            </a:r>
+            <a:endParaRPr b="0" lang="en-US" sz="1000" spc="-1" strike="noStrike">
+              <a:latin typeface="Arial"/>
+            </a:endParaRPr>
+          </a:p>
+          <a:p>
+            <a:endParaRPr b="0" lang="en-US" sz="1000" spc="-1" strike="noStrike">
               <a:latin typeface="Arial"/>
             </a:endParaRPr>
           </a:p>
@@ -9574,6 +10043,15 @@
                 </a:solidFill>
                 <a:latin typeface="Courier New"/>
               </a:rPr>
+              <a:t>1. </a:t>
+            </a:r>
+            <a:r>
+              <a:rPr b="1" lang="en-US" sz="3200" spc="-1" strike="noStrike">
+                <a:solidFill>
+                  <a:srgbClr val="ffffff"/>
+                </a:solidFill>
+                <a:latin typeface="Courier New"/>
+              </a:rPr>
               <a:t>Introduction</a:t>
             </a:r>
             <a:endParaRPr b="0" lang="en-US" sz="3200" spc="-1" strike="noStrike">
@@ -9602,7 +10080,7 @@
                 </a:solidFill>
                 <a:latin typeface="Courier New"/>
               </a:rPr>
-              <a:t>What Are Tropes?</a:t>
+              <a:t>1.1 What Are Tropes?</a:t>
             </a:r>
             <a:endParaRPr b="0" lang="en-US" sz="2800" spc="-1" strike="noStrike">
               <a:latin typeface="Arial"/>
@@ -9630,7 +10108,7 @@
                 </a:solidFill>
                 <a:latin typeface="Courier New"/>
               </a:rPr>
-              <a:t>Premise</a:t>
+              <a:t>1.2 Premise</a:t>
             </a:r>
             <a:endParaRPr b="0" lang="en-US" sz="2800" spc="-1" strike="noStrike">
               <a:latin typeface="Arial"/>
@@ -9658,7 +10136,7 @@
                 </a:solidFill>
                 <a:latin typeface="Courier New"/>
               </a:rPr>
-              <a:t>Execution</a:t>
+              <a:t>1.3 Execution</a:t>
             </a:r>
             <a:endParaRPr b="0" lang="en-US" sz="2800" spc="-1" strike="noStrike">
               <a:latin typeface="Arial"/>
@@ -9695,6 +10173,15 @@
                 </a:solidFill>
                 <a:latin typeface="Courier New"/>
               </a:rPr>
+              <a:t>2. </a:t>
+            </a:r>
+            <a:r>
+              <a:rPr b="1" lang="en-US" sz="3200" spc="-1" strike="noStrike">
+                <a:solidFill>
+                  <a:srgbClr val="ffffff"/>
+                </a:solidFill>
+                <a:latin typeface="Courier New"/>
+              </a:rPr>
               <a:t>Yearwise Analysis</a:t>
             </a:r>
             <a:endParaRPr b="0" lang="en-US" sz="3200" spc="-1" strike="noStrike">
@@ -9723,7 +10210,7 @@
                 </a:solidFill>
                 <a:latin typeface="Courier New"/>
               </a:rPr>
-              <a:t>Oscar Best Picture 2008-2017</a:t>
+              <a:t>2.1 Oscar Best Picture 2008-2017</a:t>
             </a:r>
             <a:endParaRPr b="0" lang="en-US" sz="2800" spc="-1" strike="noStrike">
               <a:latin typeface="Arial"/>
@@ -9751,7 +10238,7 @@
                 </a:solidFill>
                 <a:latin typeface="Courier New"/>
               </a:rPr>
-              <a:t>Highest Grossing 2008-2017</a:t>
+              <a:t>2.2 Highest Grossing 2008-2017</a:t>
             </a:r>
             <a:endParaRPr b="0" lang="en-US" sz="2800" spc="-1" strike="noStrike">
               <a:latin typeface="Arial"/>
@@ -9788,6 +10275,15 @@
                 </a:solidFill>
                 <a:latin typeface="Courier New"/>
               </a:rPr>
+              <a:t>3. </a:t>
+            </a:r>
+            <a:r>
+              <a:rPr b="1" lang="en-US" sz="3200" spc="-1" strike="noStrike">
+                <a:solidFill>
+                  <a:srgbClr val="ffffff"/>
+                </a:solidFill>
+                <a:latin typeface="Courier New"/>
+              </a:rPr>
               <a:t>Genrewise Analysis</a:t>
             </a:r>
             <a:endParaRPr b="0" lang="en-US" sz="3200" spc="-1" strike="noStrike">
@@ -9816,7 +10312,7 @@
                 </a:solidFill>
                 <a:latin typeface="Courier New"/>
               </a:rPr>
-              <a:t>Oscar Winning Action Movies</a:t>
+              <a:t>3.1 Oscar Winning Action Movies</a:t>
             </a:r>
             <a:endParaRPr b="0" lang="en-US" sz="2800" spc="-1" strike="noStrike">
               <a:latin typeface="Arial"/>
@@ -9844,7 +10340,7 @@
                 </a:solidFill>
                 <a:latin typeface="Courier New"/>
               </a:rPr>
-              <a:t>Highest Grossing Crime Movies</a:t>
+              <a:t>3.2 Highest Grossing Crime Movies</a:t>
             </a:r>
             <a:endParaRPr b="0" lang="en-US" sz="2800" spc="-1" strike="noStrike">
               <a:latin typeface="Arial"/>
@@ -9876,6 +10372,15 @@
             </a:r>
             <a:r>
               <a:rPr b="0" lang="en-US" sz="3200" spc="-1" strike="noStrike">
+                <a:solidFill>
+                  <a:srgbClr val="ffffff"/>
+                </a:solidFill>
+                <a:latin typeface="Courier New"/>
+              </a:rPr>
+              <a:t>4. </a:t>
+            </a:r>
+            <a:r>
+              <a:rPr b="1" lang="en-US" sz="3200" spc="-1" strike="noStrike">
                 <a:solidFill>
                   <a:srgbClr val="ffffff"/>
                 </a:solidFill>
@@ -9986,7 +10491,7 @@
                 </a:solidFill>
                 <a:latin typeface="Courier New"/>
               </a:rPr>
-              <a:t>Introduction: What Are Tropes?</a:t>
+              <a:t>1.1 Introduction: What Are Tropes?</a:t>
             </a:r>
             <a:endParaRPr b="0" lang="en-US" sz="2600" spc="-1" strike="noStrike">
               <a:latin typeface="Arial"/>
@@ -10059,13 +10564,25 @@
               <a:buChar char=""/>
             </a:pPr>
             <a:r>
-              <a:rPr b="0" lang="en-US" sz="1800" spc="-1" strike="noStrike">
-                <a:latin typeface="Arial"/>
-              </a:rPr>
-              <a:t>Dictionary Defintion of a trope is a figure of speech</a:t>
-            </a:r>
-            <a:endParaRPr b="0" lang="en-US" sz="1800" spc="-1" strike="noStrike">
-              <a:latin typeface="Arial"/>
+              <a:rPr b="0" lang="en-US" sz="1600" spc="-1" strike="noStrike">
+                <a:latin typeface="Courier New"/>
+              </a:rPr>
+              <a:t>Dictionary Defintion of a </a:t>
+            </a:r>
+            <a:r>
+              <a:rPr b="1" lang="en-US" sz="1600" spc="-1" strike="noStrike">
+                <a:latin typeface="Courier New"/>
+              </a:rPr>
+              <a:t>trope</a:t>
+            </a:r>
+            <a:r>
+              <a:rPr b="0" lang="en-US" sz="1600" spc="-1" strike="noStrike">
+                <a:latin typeface="Courier New"/>
+              </a:rPr>
+              <a:t> is a figure of speech</a:t>
+            </a:r>
+            <a:endParaRPr b="0" lang="en-US" sz="1600" spc="-1" strike="noStrike">
+              <a:latin typeface="Courier New"/>
             </a:endParaRPr>
           </a:p>
           <a:p>
@@ -10075,8 +10592,8 @@
               </a:lnSpc>
               <a:buNone/>
             </a:pPr>
-            <a:endParaRPr b="0" lang="en-US" sz="1800" spc="-1" strike="noStrike">
-              <a:latin typeface="Arial"/>
+            <a:endParaRPr b="0" lang="en-US" sz="1600" spc="-1" strike="noStrike">
+              <a:latin typeface="Courier New"/>
             </a:endParaRPr>
           </a:p>
           <a:p>
@@ -10092,13 +10609,13 @@
               <a:buChar char=""/>
             </a:pPr>
             <a:r>
-              <a:rPr b="0" lang="en-US" sz="1800" spc="-1" strike="noStrike">
-                <a:latin typeface="Arial"/>
+              <a:rPr b="0" lang="en-US" sz="1600" spc="-1" strike="noStrike">
+                <a:latin typeface="Courier New"/>
               </a:rPr>
               <a:t>In colloquial, or literary terms a trope is a storytelling “figure of speech” or shorthand.</a:t>
             </a:r>
-            <a:endParaRPr b="0" lang="en-US" sz="1800" spc="-1" strike="noStrike">
-              <a:latin typeface="Arial"/>
+            <a:endParaRPr b="0" lang="en-US" sz="1600" spc="-1" strike="noStrike">
+              <a:latin typeface="Courier New"/>
             </a:endParaRPr>
           </a:p>
           <a:p>
@@ -10108,8 +10625,8 @@
               </a:lnSpc>
               <a:buNone/>
             </a:pPr>
-            <a:endParaRPr b="0" lang="en-US" sz="1800" spc="-1" strike="noStrike">
-              <a:latin typeface="Arial"/>
+            <a:endParaRPr b="0" lang="en-US" sz="1600" spc="-1" strike="noStrike">
+              <a:latin typeface="Courier New"/>
             </a:endParaRPr>
           </a:p>
           <a:p>
@@ -10125,13 +10642,25 @@
               <a:buChar char=""/>
             </a:pPr>
             <a:r>
-              <a:rPr b="0" lang="en-US" sz="1800" spc="-1" strike="noStrike">
-                <a:latin typeface="Arial"/>
-              </a:rPr>
-              <a:t>Tropes can be diverse: “Hero”, “Big Bad”, “Love Triangle”, “Disapproving Parental Figure”</a:t>
-            </a:r>
-            <a:endParaRPr b="0" lang="en-US" sz="1800" spc="-1" strike="noStrike">
-              <a:latin typeface="Arial"/>
+              <a:rPr b="0" lang="en-US" sz="1600" spc="-1" strike="noStrike">
+                <a:latin typeface="Courier New"/>
+              </a:rPr>
+              <a:t>Tropes can be diverse: “Hero”, “</a:t>
+            </a:r>
+            <a:r>
+              <a:rPr b="1" lang="en-US" sz="1600" spc="-1" strike="noStrike">
+                <a:latin typeface="Courier New"/>
+              </a:rPr>
+              <a:t>Big Bad</a:t>
+            </a:r>
+            <a:r>
+              <a:rPr b="0" lang="en-US" sz="1600" spc="-1" strike="noStrike">
+                <a:latin typeface="Courier New"/>
+              </a:rPr>
+              <a:t>”, “Love Triangle”, “Disapproving Parental Figure”</a:t>
+            </a:r>
+            <a:endParaRPr b="0" lang="en-US" sz="1600" spc="-1" strike="noStrike">
+              <a:latin typeface="Courier New"/>
             </a:endParaRPr>
           </a:p>
         </p:txBody>
@@ -10210,7 +10739,7 @@
                 </a:solidFill>
                 <a:latin typeface="Courier New"/>
               </a:rPr>
-              <a:t>Introduction: Premise</a:t>
+              <a:t>1.2 Introduction: Premise</a:t>
             </a:r>
             <a:endParaRPr b="0" lang="en-US" sz="2600" spc="-1" strike="noStrike">
               <a:latin typeface="Arial"/>
@@ -10227,7 +10756,7 @@
         <p:spPr>
           <a:xfrm>
             <a:off x="228600" y="1371600"/>
-            <a:ext cx="3886200" cy="3673800"/>
+            <a:ext cx="3886200" cy="4052880"/>
           </a:xfrm>
           <a:prstGeom prst="rect">
             <a:avLst/>
@@ -10251,12 +10780,42 @@
               <a:buChar char=""/>
             </a:pPr>
             <a:r>
-              <a:rPr b="0" lang="en-US" sz="1800" spc="-1" strike="noStrike">
-                <a:latin typeface="Arial"/>
-              </a:rPr>
-              <a:t>Tropes are fundemental to stories, so which ones are the most popular over the years?</a:t>
-            </a:r>
-            <a:endParaRPr b="0" lang="en-US" sz="1800" spc="-1" strike="noStrike">
+              <a:rPr b="0" lang="en-US" sz="1600" spc="-1" strike="noStrike">
+                <a:latin typeface="Courier New"/>
+              </a:rPr>
+              <a:t>Tropes are fundemental to stories, </a:t>
+            </a:r>
+            <a:r>
+              <a:rPr b="0" i="1" lang="en-US" sz="1600" spc="-1" strike="noStrike">
+                <a:latin typeface="Courier New"/>
+              </a:rPr>
+              <a:t>so which ones are the most </a:t>
+            </a:r>
+            <a:r>
+              <a:rPr b="1" i="1" lang="en-US" sz="1600" spc="-1" strike="noStrike">
+                <a:latin typeface="Courier New"/>
+              </a:rPr>
+              <a:t>popular</a:t>
+            </a:r>
+            <a:r>
+              <a:rPr b="0" i="1" lang="en-US" sz="1600" spc="-1" strike="noStrike">
+                <a:latin typeface="Courier New"/>
+              </a:rPr>
+              <a:t> or </a:t>
+            </a:r>
+            <a:r>
+              <a:rPr b="1" i="1" lang="en-US" sz="1600" spc="-1" strike="noStrike">
+                <a:latin typeface="Courier New"/>
+              </a:rPr>
+              <a:t>profitable</a:t>
+            </a:r>
+            <a:r>
+              <a:rPr b="0" i="1" lang="en-US" sz="1600" spc="-1" strike="noStrike">
+                <a:latin typeface="Courier New"/>
+              </a:rPr>
+              <a:t> over the years?</a:t>
+            </a:r>
+            <a:endParaRPr b="0" lang="en-US" sz="1600" spc="-1" strike="noStrike">
               <a:latin typeface="Arial"/>
             </a:endParaRPr>
           </a:p>
@@ -10269,7 +10828,7 @@
               <a:buFont typeface="Wingdings" charset="2"/>
               <a:buChar char=""/>
             </a:pPr>
-            <a:endParaRPr b="0" lang="en-US" sz="1800" spc="-1" strike="noStrike">
+            <a:endParaRPr b="0" lang="en-US" sz="1600" spc="-1" strike="noStrike">
               <a:latin typeface="Arial"/>
             </a:endParaRPr>
           </a:p>
@@ -10283,12 +10842,24 @@
               <a:buChar char=""/>
             </a:pPr>
             <a:r>
-              <a:rPr b="0" lang="en-US" sz="1800" spc="-1" strike="noStrike">
-                <a:latin typeface="Arial"/>
-              </a:rPr>
-              <a:t>Which Tropes are regularly Oscar-Winning for Best Picture?</a:t>
-            </a:r>
-            <a:endParaRPr b="0" lang="en-US" sz="1800" spc="-1" strike="noStrike">
+              <a:rPr b="0" lang="en-US" sz="1600" spc="-1" strike="noStrike">
+                <a:latin typeface="Courier New"/>
+              </a:rPr>
+              <a:t>Which Tropes are regularly </a:t>
+            </a:r>
+            <a:r>
+              <a:rPr b="1" lang="en-US" sz="1600" spc="-1" strike="noStrike">
+                <a:latin typeface="Courier New"/>
+              </a:rPr>
+              <a:t>Oscar-Winning</a:t>
+            </a:r>
+            <a:r>
+              <a:rPr b="0" lang="en-US" sz="1600" spc="-1" strike="noStrike">
+                <a:latin typeface="Courier New"/>
+              </a:rPr>
+              <a:t> for Best Picture?</a:t>
+            </a:r>
+            <a:endParaRPr b="0" lang="en-US" sz="1600" spc="-1" strike="noStrike">
               <a:latin typeface="Arial"/>
             </a:endParaRPr>
           </a:p>
@@ -10301,7 +10872,7 @@
               <a:buFont typeface="Wingdings" charset="2"/>
               <a:buChar char=""/>
             </a:pPr>
-            <a:endParaRPr b="0" lang="en-US" sz="1800" spc="-1" strike="noStrike">
+            <a:endParaRPr b="0" lang="en-US" sz="1600" spc="-1" strike="noStrike">
               <a:latin typeface="Arial"/>
             </a:endParaRPr>
           </a:p>
@@ -10315,12 +10886,24 @@
               <a:buChar char=""/>
             </a:pPr>
             <a:r>
-              <a:rPr b="0" lang="en-US" sz="1800" spc="-1" strike="noStrike">
-                <a:latin typeface="Arial"/>
-              </a:rPr>
-              <a:t>Which Tropes have been highest grossing, or within certain genres?</a:t>
-            </a:r>
-            <a:endParaRPr b="0" lang="en-US" sz="1800" spc="-1" strike="noStrike">
+              <a:rPr b="0" lang="en-US" sz="1600" spc="-1" strike="noStrike">
+                <a:latin typeface="Courier New"/>
+              </a:rPr>
+              <a:t>Which Tropes have been highest grossing within certain </a:t>
+            </a:r>
+            <a:r>
+              <a:rPr b="1" lang="en-US" sz="1600" spc="-1" strike="noStrike">
+                <a:latin typeface="Courier New"/>
+              </a:rPr>
+              <a:t>genres</a:t>
+            </a:r>
+            <a:r>
+              <a:rPr b="0" lang="en-US" sz="1600" spc="-1" strike="noStrike">
+                <a:latin typeface="Courier New"/>
+              </a:rPr>
+              <a:t>?</a:t>
+            </a:r>
+            <a:endParaRPr b="0" lang="en-US" sz="1600" spc="-1" strike="noStrike">
               <a:latin typeface="Arial"/>
             </a:endParaRPr>
           </a:p>
@@ -10333,7 +10916,7 @@
               <a:buFont typeface="Wingdings" charset="2"/>
               <a:buChar char=""/>
             </a:pPr>
-            <a:endParaRPr b="0" lang="en-US" sz="1800" spc="-1" strike="noStrike">
+            <a:endParaRPr b="0" lang="en-US" sz="1600" spc="-1" strike="noStrike">
               <a:latin typeface="Arial"/>
             </a:endParaRPr>
           </a:p>
@@ -10347,12 +10930,12 @@
               <a:buChar char=""/>
             </a:pPr>
             <a:r>
-              <a:rPr b="0" lang="en-US" sz="1800" spc="-1" strike="noStrike">
-                <a:latin typeface="Arial"/>
+              <a:rPr b="0" lang="en-US" sz="1600" spc="-1" strike="noStrike">
+                <a:latin typeface="Courier New"/>
               </a:rPr>
               <a:t>Is there a discernable relationship at all?</a:t>
             </a:r>
-            <a:endParaRPr b="0" lang="en-US" sz="1800" spc="-1" strike="noStrike">
+            <a:endParaRPr b="0" lang="en-US" sz="1600" spc="-1" strike="noStrike">
               <a:latin typeface="Arial"/>
             </a:endParaRPr>
           </a:p>
@@ -10365,7 +10948,7 @@
               <a:buFont typeface="Wingdings" charset="2"/>
               <a:buChar char=""/>
             </a:pPr>
-            <a:endParaRPr b="0" lang="en-US" sz="1800" spc="-1" strike="noStrike">
+            <a:endParaRPr b="0" lang="en-US" sz="1600" spc="-1" strike="noStrike">
               <a:latin typeface="Arial"/>
             </a:endParaRPr>
           </a:p>
@@ -10378,7 +10961,7 @@
               <a:buFont typeface="Wingdings" charset="2"/>
               <a:buChar char=""/>
             </a:pPr>
-            <a:endParaRPr b="0" lang="en-US" sz="1800" spc="-1" strike="noStrike">
+            <a:endParaRPr b="0" lang="en-US" sz="1600" spc="-1" strike="noStrike">
               <a:latin typeface="Arial"/>
             </a:endParaRPr>
           </a:p>
@@ -10482,7 +11065,7 @@
                 </a:solidFill>
                 <a:latin typeface="Courier New"/>
               </a:rPr>
-              <a:t>Introduction: Execution</a:t>
+              <a:t>1.3 Introduction: Execution</a:t>
             </a:r>
             <a:endParaRPr b="0" lang="en-US" sz="2600" spc="-1" strike="noStrike">
               <a:latin typeface="Arial"/>
@@ -10499,7 +11082,7 @@
         <p:spPr>
           <a:xfrm>
             <a:off x="6172200" y="1371600"/>
-            <a:ext cx="2971800" cy="3673800"/>
+            <a:ext cx="2971800" cy="4001040"/>
           </a:xfrm>
           <a:prstGeom prst="rect">
             <a:avLst/>
@@ -10523,18 +11106,13 @@
               <a:buChar char=""/>
             </a:pPr>
             <a:r>
-              <a:rPr b="0" lang="en-US" sz="1800" spc="-1" strike="noStrike">
-                <a:latin typeface="Arial"/>
-              </a:rPr>
-              <a:t>Used Jupyter notebook, Version control with git, Numpy for Array features, Pandas for Databases </a:t>
-            </a:r>
-            <a:endParaRPr b="0" lang="en-US" sz="1800" spc="-1" strike="noStrike">
-              <a:latin typeface="Arial"/>
-            </a:endParaRPr>
-          </a:p>
-          <a:p>
-            <a:endParaRPr b="0" lang="en-US" sz="1800" spc="-1" strike="noStrike">
-              <a:latin typeface="Arial"/>
+              <a:rPr b="0" lang="en-US" sz="1600" spc="-1" strike="noStrike">
+                <a:latin typeface="Courier New"/>
+              </a:rPr>
+              <a:t>Version control with git&amp;hub, Numpy for Arrays, Pandas for Databases, Counter for Dictionaries</a:t>
+            </a:r>
+            <a:endParaRPr b="0" lang="en-US" sz="1600" spc="-1" strike="noStrike">
+              <a:latin typeface="Courier New"/>
             </a:endParaRPr>
           </a:p>
           <a:p>
@@ -10546,19 +11124,8 @@
               <a:buFont typeface="Wingdings" charset="2"/>
               <a:buChar char=""/>
             </a:pPr>
-            <a:r>
-              <a:rPr b="0" lang="en-US" sz="1800" spc="-1" strike="noStrike">
-                <a:latin typeface="Arial"/>
-              </a:rPr>
-              <a:t>Inflect, re used for text processing and filtering. Title must be converted to web query</a:t>
-            </a:r>
-            <a:endParaRPr b="0" lang="en-US" sz="1800" spc="-1" strike="noStrike">
-              <a:latin typeface="Arial"/>
-            </a:endParaRPr>
-          </a:p>
-          <a:p>
-            <a:endParaRPr b="0" lang="en-US" sz="1800" spc="-1" strike="noStrike">
-              <a:latin typeface="Arial"/>
+            <a:endParaRPr b="0" lang="en-US" sz="1600" spc="-1" strike="noStrike">
+              <a:latin typeface="Courier New"/>
             </a:endParaRPr>
           </a:p>
           <a:p>
@@ -10571,13 +11138,61 @@
               <a:buChar char=""/>
             </a:pPr>
             <a:r>
-              <a:rPr b="0" lang="en-US" sz="1800" spc="-1" strike="noStrike">
-                <a:latin typeface="Arial"/>
-              </a:rPr>
-              <a:t>BeautifulSoup4, and Requests for scraping TvTropes</a:t>
-            </a:r>
-            <a:endParaRPr b="0" lang="en-US" sz="1800" spc="-1" strike="noStrike">
-              <a:latin typeface="Arial"/>
+              <a:rPr b="0" lang="en-US" sz="1600" spc="-1" strike="noStrike">
+                <a:latin typeface="Courier New"/>
+              </a:rPr>
+              <a:t>Matplotlib to plot </a:t>
+            </a:r>
+            <a:endParaRPr b="0" lang="en-US" sz="1600" spc="-1" strike="noStrike">
+              <a:latin typeface="Courier New"/>
+            </a:endParaRPr>
+          </a:p>
+          <a:p>
+            <a:endParaRPr b="0" lang="en-US" sz="1600" spc="-1" strike="noStrike">
+              <a:latin typeface="Courier New"/>
+            </a:endParaRPr>
+          </a:p>
+          <a:p>
+            <a:pPr marL="216000" indent="-216000">
+              <a:buClr>
+                <a:srgbClr val="000000"/>
+              </a:buClr>
+              <a:buSzPct val="45000"/>
+              <a:buFont typeface="Wingdings" charset="2"/>
+              <a:buChar char=""/>
+            </a:pPr>
+            <a:r>
+              <a:rPr b="0" lang="en-US" sz="1600" spc="-1" strike="noStrike">
+                <a:latin typeface="Courier New"/>
+              </a:rPr>
+              <a:t>Inflect, re used for text processing and filtering. Title must be converted to web query</a:t>
+            </a:r>
+            <a:endParaRPr b="0" lang="en-US" sz="1600" spc="-1" strike="noStrike">
+              <a:latin typeface="Courier New"/>
+            </a:endParaRPr>
+          </a:p>
+          <a:p>
+            <a:endParaRPr b="0" lang="en-US" sz="1600" spc="-1" strike="noStrike">
+              <a:latin typeface="Courier New"/>
+            </a:endParaRPr>
+          </a:p>
+          <a:p>
+            <a:pPr marL="216000" indent="-216000">
+              <a:buClr>
+                <a:srgbClr val="000000"/>
+              </a:buClr>
+              <a:buSzPct val="45000"/>
+              <a:buFont typeface="Wingdings" charset="2"/>
+              <a:buChar char=""/>
+            </a:pPr>
+            <a:r>
+              <a:rPr b="0" lang="en-US" sz="1600" spc="-1" strike="noStrike">
+                <a:latin typeface="Courier New"/>
+              </a:rPr>
+              <a:t>BeautifulSoup4, and Requests lib for scraping TvTropes</a:t>
+            </a:r>
+            <a:endParaRPr b="0" lang="en-US" sz="1600" spc="-1" strike="noStrike">
+              <a:latin typeface="Courier New"/>
             </a:endParaRPr>
           </a:p>
         </p:txBody>
@@ -10746,7 +11361,7 @@
                 </a:solidFill>
                 <a:latin typeface="Courier New"/>
               </a:rPr>
-              <a:t>Yearwise Analysis</a:t>
+              <a:t>2. Yearwise Analysis</a:t>
             </a:r>
             <a:endParaRPr b="0" lang="en-US" sz="4400" spc="-1" strike="noStrike">
               <a:latin typeface="Arial"/>
@@ -10877,7 +11492,7 @@
                 </a:solidFill>
                 <a:latin typeface="Courier New"/>
               </a:rPr>
-              <a:t>2008-2017: Oscar Best Picture Winners</a:t>
+              <a:t>2.1 (2008-2017): Oscar Best Picture Winners</a:t>
             </a:r>
             <a:endParaRPr b="0" lang="en-US" sz="2600" spc="-1" strike="noStrike">
               <a:latin typeface="Arial"/>
@@ -10952,19 +11567,32 @@
               <a:rPr b="0" lang="en-US" sz="1800" spc="-1" strike="noStrike">
                 <a:latin typeface="Arial"/>
               </a:rPr>
-              <a:t>5: “Big Bad”</a:t>
+              <a:t>5(56%): </a:t>
             </a:r>
             <a:endParaRPr b="0" lang="en-US" sz="1800" spc="-1" strike="noStrike">
               <a:latin typeface="Arial"/>
             </a:endParaRPr>
           </a:p>
           <a:p>
+            <a:pPr marL="216000" indent="-216000">
+              <a:buClr>
+                <a:srgbClr val="000000"/>
+              </a:buClr>
+              <a:buSzPct val="45000"/>
+              <a:buFont typeface="Wingdings" charset="2"/>
+              <a:buChar char=""/>
+            </a:pPr>
             <a:r>
               <a:rPr b="0" lang="en-US" sz="1800" spc="-1" strike="noStrike">
                 <a:latin typeface="Arial"/>
               </a:rPr>
-              <a:t>3: “Adult Fear”</a:t>
-            </a:r>
+              <a:t>Big Bad</a:t>
+            </a:r>
+            <a:endParaRPr b="0" lang="en-US" sz="1800" spc="-1" strike="noStrike">
+              <a:latin typeface="Arial"/>
+            </a:endParaRPr>
+          </a:p>
+          <a:p>
             <a:endParaRPr b="0" lang="en-US" sz="1800" spc="-1" strike="noStrike">
               <a:latin typeface="Arial"/>
             </a:endParaRPr>
@@ -10974,40 +11602,102 @@
               <a:rPr b="0" lang="en-US" sz="1800" spc="-1" strike="noStrike">
                 <a:latin typeface="Arial"/>
               </a:rPr>
-              <a:t>3: “Dirty Coward”</a:t>
+              <a:t>3 (33%): </a:t>
             </a:r>
             <a:endParaRPr b="0" lang="en-US" sz="1800" spc="-1" strike="noStrike">
               <a:latin typeface="Arial"/>
             </a:endParaRPr>
           </a:p>
           <a:p>
+            <a:pPr marL="216000" indent="-216000">
+              <a:buClr>
+                <a:srgbClr val="000000"/>
+              </a:buClr>
+              <a:buSzPct val="45000"/>
+              <a:buFont typeface="Wingdings" charset="2"/>
+              <a:buChar char=""/>
+            </a:pPr>
             <a:r>
               <a:rPr b="0" lang="en-US" sz="1800" spc="-1" strike="noStrike">
                 <a:latin typeface="Arial"/>
               </a:rPr>
-              <a:t>3: “Earn Your Happy Ending”</a:t>
+              <a:t>Adult Fear</a:t>
             </a:r>
             <a:endParaRPr b="0" lang="en-US" sz="1800" spc="-1" strike="noStrike">
               <a:latin typeface="Arial"/>
             </a:endParaRPr>
           </a:p>
           <a:p>
+            <a:pPr marL="216000" indent="-216000">
+              <a:buClr>
+                <a:srgbClr val="000000"/>
+              </a:buClr>
+              <a:buSzPct val="45000"/>
+              <a:buFont typeface="Wingdings" charset="2"/>
+              <a:buChar char=""/>
+            </a:pPr>
             <a:r>
               <a:rPr b="0" lang="en-US" sz="1800" spc="-1" strike="noStrike">
                 <a:latin typeface="Arial"/>
               </a:rPr>
-              <a:t>3: “In Universe” </a:t>
+              <a:t>Dirty Coward</a:t>
             </a:r>
             <a:endParaRPr b="0" lang="en-US" sz="1800" spc="-1" strike="noStrike">
               <a:latin typeface="Arial"/>
             </a:endParaRPr>
           </a:p>
           <a:p>
+            <a:pPr marL="216000" indent="-216000">
+              <a:buClr>
+                <a:srgbClr val="000000"/>
+              </a:buClr>
+              <a:buSzPct val="45000"/>
+              <a:buFont typeface="Wingdings" charset="2"/>
+              <a:buChar char=""/>
+            </a:pPr>
             <a:r>
               <a:rPr b="0" lang="en-US" sz="1800" spc="-1" strike="noStrike">
                 <a:latin typeface="Arial"/>
               </a:rPr>
-              <a:t>3” “The Cameo”</a:t>
+              <a:t>Earn Your Happy Ending</a:t>
+            </a:r>
+            <a:endParaRPr b="0" lang="en-US" sz="1800" spc="-1" strike="noStrike">
+              <a:latin typeface="Arial"/>
+            </a:endParaRPr>
+          </a:p>
+          <a:p>
+            <a:pPr marL="216000" indent="-216000">
+              <a:buClr>
+                <a:srgbClr val="000000"/>
+              </a:buClr>
+              <a:buSzPct val="45000"/>
+              <a:buFont typeface="Wingdings" charset="2"/>
+              <a:buChar char=""/>
+            </a:pPr>
+            <a:r>
+              <a:rPr b="0" lang="en-US" sz="1800" spc="-1" strike="noStrike">
+                <a:latin typeface="Arial"/>
+              </a:rPr>
+              <a:t>In Universe</a:t>
+            </a:r>
+            <a:endParaRPr b="0" lang="en-US" sz="1800" spc="-1" strike="noStrike">
+              <a:latin typeface="Arial"/>
+            </a:endParaRPr>
+          </a:p>
+          <a:p>
+            <a:pPr marL="216000" indent="-216000">
+              <a:buClr>
+                <a:srgbClr val="000000"/>
+              </a:buClr>
+              <a:buSzPct val="45000"/>
+              <a:buFont typeface="Wingdings" charset="2"/>
+              <a:buChar char=""/>
+            </a:pPr>
+            <a:r>
+              <a:rPr b="0" lang="en-US" sz="1800" spc="-1" strike="noStrike">
+                <a:latin typeface="Arial"/>
+              </a:rPr>
+              <a:t>The Cameo</a:t>
             </a:r>
             <a:endParaRPr b="0" lang="en-US" sz="1800" spc="-1" strike="noStrike">
               <a:latin typeface="Arial"/>
@@ -11089,7 +11779,7 @@
                 </a:solidFill>
                 <a:latin typeface="Courier New"/>
               </a:rPr>
-              <a:t>2008-2017: Highest Grossing (Over $.5B) </a:t>
+              <a:t>2.2 (2008-2017): Highest Grossing (Over $.5B) </a:t>
             </a:r>
             <a:endParaRPr b="0" lang="en-US" sz="2600" spc="-1" strike="noStrike">
               <a:latin typeface="Arial"/>
@@ -11129,7 +11819,7 @@
         <p:spPr>
           <a:xfrm>
             <a:off x="7772400" y="1345680"/>
-            <a:ext cx="2057400" cy="4185720"/>
+            <a:ext cx="2057400" cy="3929760"/>
           </a:xfrm>
           <a:prstGeom prst="rect">
             <a:avLst/>
@@ -11164,57 +11854,53 @@
               <a:rPr b="0" lang="en-US" sz="1800" spc="-1" strike="noStrike">
                 <a:latin typeface="Arial"/>
               </a:rPr>
-              <a:t>6: Arc Words</a:t>
+              <a:t>6 (86%): </a:t>
             </a:r>
             <a:endParaRPr b="0" lang="en-US" sz="1800" spc="-1" strike="noStrike">
               <a:latin typeface="Arial"/>
             </a:endParaRPr>
           </a:p>
           <a:p>
-            <a:endParaRPr b="0" lang="en-US" sz="1800" spc="-1" strike="noStrike">
-              <a:latin typeface="Arial"/>
-            </a:endParaRPr>
-          </a:p>
-          <a:p>
+            <a:pPr marL="216000" indent="-216000">
+              <a:buClr>
+                <a:srgbClr val="000000"/>
+              </a:buClr>
+              <a:buSzPct val="45000"/>
+              <a:buFont typeface="Wingdings" charset="2"/>
+              <a:buChar char=""/>
+            </a:pPr>
             <a:r>
               <a:rPr b="0" lang="en-US" sz="1800" spc="-1" strike="noStrike">
                 <a:latin typeface="Arial"/>
               </a:rPr>
-              <a:t>6: All There In The Manual</a:t>
-            </a:r>
-            <a:br/>
+              <a:t>Arc Words</a:t>
+            </a:r>
             <a:endParaRPr b="0" lang="en-US" sz="1800" spc="-1" strike="noStrike">
               <a:latin typeface="Arial"/>
             </a:endParaRPr>
           </a:p>
           <a:p>
+            <a:pPr marL="216000" indent="-216000">
+              <a:buClr>
+                <a:srgbClr val="000000"/>
+              </a:buClr>
+              <a:buSzPct val="45000"/>
+              <a:buFont typeface="Wingdings" charset="2"/>
+              <a:buChar char=""/>
+            </a:pPr>
             <a:r>
               <a:rPr b="0" lang="en-US" sz="1800" spc="-1" strike="noStrike">
                 <a:latin typeface="Arial"/>
               </a:rPr>
-              <a:t>4: Big Bad</a:t>
-            </a:r>
-            <a:endParaRPr b="0" lang="en-US" sz="1800" spc="-1" strike="noStrike">
-              <a:latin typeface="Arial"/>
-            </a:endParaRPr>
-          </a:p>
-          <a:p>
-            <a:endParaRPr b="0" lang="en-US" sz="1800" spc="-1" strike="noStrike">
-              <a:latin typeface="Arial"/>
-            </a:endParaRPr>
-          </a:p>
-          <a:p>
+              <a:t>All There In The Manual</a:t>
+            </a:r>
+            <a:br/>
             <a:r>
               <a:rPr b="0" lang="en-US" sz="1800" spc="-1" strike="noStrike">
                 <a:latin typeface="Arial"/>
               </a:rPr>
-              <a:t>4: Action Film Quiet Drama Scene</a:t>
-            </a:r>
-            <a:endParaRPr b="0" lang="en-US" sz="1800" spc="-1" strike="noStrike">
-              <a:latin typeface="Arial"/>
-            </a:endParaRPr>
-          </a:p>
-          <a:p>
+              <a:t> </a:t>
+            </a:r>
             <a:endParaRPr b="0" lang="en-US" sz="1800" spc="-1" strike="noStrike">
               <a:latin typeface="Arial"/>
             </a:endParaRPr>
@@ -11224,7 +11910,64 @@
               <a:rPr b="0" lang="en-US" sz="1800" spc="-1" strike="noStrike">
                 <a:latin typeface="Arial"/>
               </a:rPr>
-              <a:t>4: Adult Fear</a:t>
+              <a:t>4 (57%): </a:t>
+            </a:r>
+            <a:endParaRPr b="0" lang="en-US" sz="1800" spc="-1" strike="noStrike">
+              <a:latin typeface="Arial"/>
+            </a:endParaRPr>
+          </a:p>
+          <a:p>
+            <a:pPr marL="216000" indent="-216000">
+              <a:buClr>
+                <a:srgbClr val="000000"/>
+              </a:buClr>
+              <a:buSzPct val="45000"/>
+              <a:buFont typeface="Wingdings" charset="2"/>
+              <a:buChar char=""/>
+            </a:pPr>
+            <a:r>
+              <a:rPr b="0" lang="en-US" sz="1800" spc="-1" strike="noStrike">
+                <a:latin typeface="Arial"/>
+              </a:rPr>
+              <a:t>Big Bad</a:t>
+            </a:r>
+            <a:endParaRPr b="0" lang="en-US" sz="1800" spc="-1" strike="noStrike">
+              <a:latin typeface="Arial"/>
+            </a:endParaRPr>
+          </a:p>
+          <a:p>
+            <a:pPr marL="216000" indent="-216000">
+              <a:buClr>
+                <a:srgbClr val="000000"/>
+              </a:buClr>
+              <a:buSzPct val="45000"/>
+              <a:buFont typeface="Wingdings" charset="2"/>
+              <a:buChar char=""/>
+            </a:pPr>
+            <a:r>
+              <a:rPr b="0" lang="en-US" sz="1800" spc="-1" strike="noStrike">
+                <a:latin typeface="Arial"/>
+              </a:rPr>
+              <a:t>Action Film Quiet Drama Scene</a:t>
+            </a:r>
+            <a:endParaRPr b="0" lang="en-US" sz="1800" spc="-1" strike="noStrike">
+              <a:latin typeface="Arial"/>
+            </a:endParaRPr>
+          </a:p>
+          <a:p>
+            <a:pPr marL="216000" indent="-216000">
+              <a:buClr>
+                <a:srgbClr val="000000"/>
+              </a:buClr>
+              <a:buSzPct val="45000"/>
+              <a:buFont typeface="Wingdings" charset="2"/>
+              <a:buChar char=""/>
+            </a:pPr>
+            <a:r>
+              <a:rPr b="0" lang="en-US" sz="1800" spc="-1" strike="noStrike">
+                <a:latin typeface="Arial"/>
+              </a:rPr>
+              <a:t>Adult Fear</a:t>
             </a:r>
             <a:endParaRPr b="0" lang="en-US" sz="1800" spc="-1" strike="noStrike">
               <a:latin typeface="Arial"/>
@@ -11308,7 +12051,7 @@
                 </a:solidFill>
                 <a:latin typeface="Courier New"/>
               </a:rPr>
-              <a:t>Genrewise Analysis</a:t>
+              <a:t>3. Genrewise Analysis</a:t>
             </a:r>
             <a:endParaRPr b="0" lang="en-US" sz="4400" spc="-1" strike="noStrike">
               <a:latin typeface="Arial"/>

--- a/SrikarP_FilmProject.pptx
+++ b/SrikarP_FilmProject.pptx
@@ -6149,7 +6149,7 @@
         <p:spPr>
           <a:xfrm>
             <a:off x="0" y="0"/>
-            <a:ext cx="10078560" cy="5668560"/>
+            <a:ext cx="10078200" cy="5668200"/>
           </a:xfrm>
           <a:prstGeom prst="rect">
             <a:avLst/>
@@ -6185,7 +6185,7 @@
         <p:spPr>
           <a:xfrm>
             <a:off x="1440000" y="1080000"/>
-            <a:ext cx="1438560" cy="1258560"/>
+            <a:ext cx="1438200" cy="1258200"/>
           </a:xfrm>
           <a:prstGeom prst="ellipse">
             <a:avLst/>
@@ -6215,7 +6215,7 @@
         <p:spPr>
           <a:xfrm>
             <a:off x="7380000" y="3960000"/>
-            <a:ext cx="1438560" cy="1258560"/>
+            <a:ext cx="1438200" cy="1258200"/>
           </a:xfrm>
           <a:prstGeom prst="ellipse">
             <a:avLst/>
@@ -6245,7 +6245,7 @@
         <p:spPr>
           <a:xfrm>
             <a:off x="9000000" y="2700000"/>
-            <a:ext cx="1258560" cy="1078560"/>
+            <a:ext cx="1258200" cy="1078200"/>
           </a:xfrm>
           <a:prstGeom prst="ellipse">
             <a:avLst/>
@@ -6275,7 +6275,7 @@
         <p:spPr>
           <a:xfrm>
             <a:off x="-180000" y="2430000"/>
-            <a:ext cx="1438560" cy="1348560"/>
+            <a:ext cx="1438200" cy="1348200"/>
           </a:xfrm>
           <a:prstGeom prst="ellipse">
             <a:avLst/>
@@ -6305,7 +6305,7 @@
         <p:spPr>
           <a:xfrm>
             <a:off x="540000" y="1080000"/>
-            <a:ext cx="718560" cy="718560"/>
+            <a:ext cx="718200" cy="718200"/>
           </a:xfrm>
           <a:prstGeom prst="ellipse">
             <a:avLst/>
@@ -6335,7 +6335,7 @@
         <p:spPr>
           <a:xfrm>
             <a:off x="0" y="1260000"/>
-            <a:ext cx="718560" cy="718560"/>
+            <a:ext cx="718200" cy="718200"/>
           </a:xfrm>
           <a:prstGeom prst="ellipse">
             <a:avLst/>
@@ -6365,7 +6365,7 @@
         <p:spPr>
           <a:xfrm>
             <a:off x="0" y="5220000"/>
-            <a:ext cx="1618560" cy="1258560"/>
+            <a:ext cx="1618200" cy="1258200"/>
           </a:xfrm>
           <a:prstGeom prst="ellipse">
             <a:avLst/>
@@ -6395,7 +6395,7 @@
         <p:spPr>
           <a:xfrm>
             <a:off x="9720000" y="4680000"/>
-            <a:ext cx="718560" cy="718560"/>
+            <a:ext cx="718200" cy="718200"/>
           </a:xfrm>
           <a:prstGeom prst="ellipse">
             <a:avLst/>
@@ -6425,7 +6425,7 @@
         <p:spPr>
           <a:xfrm>
             <a:off x="9540000" y="3420000"/>
-            <a:ext cx="718560" cy="718560"/>
+            <a:ext cx="718200" cy="718200"/>
           </a:xfrm>
           <a:prstGeom prst="ellipse">
             <a:avLst/>
@@ -6455,7 +6455,7 @@
         <p:spPr>
           <a:xfrm>
             <a:off x="8100000" y="4680000"/>
-            <a:ext cx="1078560" cy="840960"/>
+            <a:ext cx="1078200" cy="840600"/>
           </a:xfrm>
           <a:prstGeom prst="ellipse">
             <a:avLst/>
@@ -6485,7 +6485,7 @@
         <p:spPr>
           <a:xfrm>
             <a:off x="7920000" y="5400000"/>
-            <a:ext cx="898560" cy="898560"/>
+            <a:ext cx="898200" cy="898200"/>
           </a:xfrm>
           <a:prstGeom prst="ellipse">
             <a:avLst/>
@@ -6778,7 +6778,7 @@
         <p:spPr>
           <a:xfrm>
             <a:off x="0" y="0"/>
-            <a:ext cx="10078560" cy="5668560"/>
+            <a:ext cx="10078200" cy="5668200"/>
           </a:xfrm>
           <a:prstGeom prst="rect">
             <a:avLst/>
@@ -6814,7 +6814,7 @@
         <p:spPr>
           <a:xfrm>
             <a:off x="1440000" y="1080000"/>
-            <a:ext cx="1438560" cy="1258560"/>
+            <a:ext cx="1438200" cy="1258200"/>
           </a:xfrm>
           <a:prstGeom prst="ellipse">
             <a:avLst/>
@@ -6844,7 +6844,7 @@
         <p:spPr>
           <a:xfrm>
             <a:off x="7380000" y="3960000"/>
-            <a:ext cx="1438560" cy="1258560"/>
+            <a:ext cx="1438200" cy="1258200"/>
           </a:xfrm>
           <a:prstGeom prst="ellipse">
             <a:avLst/>
@@ -6874,7 +6874,7 @@
         <p:spPr>
           <a:xfrm>
             <a:off x="9000000" y="2700000"/>
-            <a:ext cx="1258560" cy="1078560"/>
+            <a:ext cx="1258200" cy="1078200"/>
           </a:xfrm>
           <a:prstGeom prst="ellipse">
             <a:avLst/>
@@ -6904,7 +6904,7 @@
         <p:spPr>
           <a:xfrm>
             <a:off x="-180000" y="2430000"/>
-            <a:ext cx="1438560" cy="1348560"/>
+            <a:ext cx="1438200" cy="1348200"/>
           </a:xfrm>
           <a:prstGeom prst="ellipse">
             <a:avLst/>
@@ -6934,7 +6934,7 @@
         <p:spPr>
           <a:xfrm>
             <a:off x="540000" y="1080000"/>
-            <a:ext cx="718560" cy="718560"/>
+            <a:ext cx="718200" cy="718200"/>
           </a:xfrm>
           <a:prstGeom prst="ellipse">
             <a:avLst/>
@@ -6964,7 +6964,7 @@
         <p:spPr>
           <a:xfrm>
             <a:off x="0" y="1260000"/>
-            <a:ext cx="718560" cy="718560"/>
+            <a:ext cx="718200" cy="718200"/>
           </a:xfrm>
           <a:prstGeom prst="ellipse">
             <a:avLst/>
@@ -6994,7 +6994,7 @@
         <p:spPr>
           <a:xfrm>
             <a:off x="0" y="5220000"/>
-            <a:ext cx="1618560" cy="1258560"/>
+            <a:ext cx="1618200" cy="1258200"/>
           </a:xfrm>
           <a:prstGeom prst="ellipse">
             <a:avLst/>
@@ -7024,7 +7024,7 @@
         <p:spPr>
           <a:xfrm>
             <a:off x="9720000" y="4680000"/>
-            <a:ext cx="718560" cy="718560"/>
+            <a:ext cx="718200" cy="718200"/>
           </a:xfrm>
           <a:prstGeom prst="ellipse">
             <a:avLst/>
@@ -7054,7 +7054,7 @@
         <p:spPr>
           <a:xfrm>
             <a:off x="9540000" y="3420000"/>
-            <a:ext cx="718560" cy="718560"/>
+            <a:ext cx="718200" cy="718200"/>
           </a:xfrm>
           <a:prstGeom prst="ellipse">
             <a:avLst/>
@@ -7084,7 +7084,7 @@
         <p:spPr>
           <a:xfrm>
             <a:off x="8100000" y="4680000"/>
-            <a:ext cx="1078560" cy="840960"/>
+            <a:ext cx="1078200" cy="840600"/>
           </a:xfrm>
           <a:prstGeom prst="ellipse">
             <a:avLst/>
@@ -7114,7 +7114,7 @@
         <p:spPr>
           <a:xfrm>
             <a:off x="7920000" y="5400000"/>
-            <a:ext cx="898560" cy="898560"/>
+            <a:ext cx="898200" cy="898200"/>
           </a:xfrm>
           <a:prstGeom prst="ellipse">
             <a:avLst/>
@@ -7407,7 +7407,7 @@
         <p:spPr>
           <a:xfrm>
             <a:off x="0" y="360"/>
-            <a:ext cx="10078560" cy="5668200"/>
+            <a:ext cx="10078200" cy="5667840"/>
           </a:xfrm>
           <a:prstGeom prst="rect">
             <a:avLst/>
@@ -7443,7 +7443,7 @@
         <p:spPr>
           <a:xfrm flipH="1">
             <a:off x="-3960" y="0"/>
-            <a:ext cx="10078920" cy="5668920"/>
+            <a:ext cx="10078560" cy="5668560"/>
           </a:xfrm>
           <a:prstGeom prst="rect">
             <a:avLst/>
@@ -7490,7 +7490,7 @@
         <p:spPr>
           <a:xfrm>
             <a:off x="0" y="1260360"/>
-            <a:ext cx="10258560" cy="4498200"/>
+            <a:ext cx="10258200" cy="4497840"/>
           </a:xfrm>
           <a:prstGeom prst="rect">
             <a:avLst/>
@@ -7518,7 +7518,7 @@
         <p:spPr>
           <a:xfrm>
             <a:off x="180360" y="5130360"/>
-            <a:ext cx="2338560" cy="390960"/>
+            <a:ext cx="2338200" cy="390600"/>
           </a:xfrm>
           <a:prstGeom prst="rect">
             <a:avLst/>
@@ -7570,7 +7570,7 @@
         <p:spPr>
           <a:xfrm>
             <a:off x="7560360" y="5130360"/>
-            <a:ext cx="2338560" cy="390960"/>
+            <a:ext cx="2338200" cy="390600"/>
           </a:xfrm>
           <a:prstGeom prst="rect">
             <a:avLst/>
@@ -7597,7 +7597,7 @@
               </a:lnSpc>
               <a:buNone/>
             </a:pPr>
-            <a:fld id="{8E8DB952-BC2C-4C31-9DFE-2CA0687830D0}" type="slidenum">
+            <a:fld id="{3F6CB041-1A0D-44AE-93B5-56187BD3D849}" type="slidenum">
               <a:rPr b="0" lang="en-US" sz="1400" spc="-1" strike="noStrike">
                 <a:solidFill>
                   <a:srgbClr val="000000"/>
@@ -7622,7 +7622,7 @@
         <p:spPr>
           <a:xfrm>
             <a:off x="1440360" y="1080360"/>
-            <a:ext cx="1438560" cy="1258560"/>
+            <a:ext cx="1438200" cy="1258200"/>
           </a:xfrm>
           <a:prstGeom prst="ellipse">
             <a:avLst/>
@@ -7652,7 +7652,7 @@
         <p:spPr>
           <a:xfrm>
             <a:off x="7380360" y="3960360"/>
-            <a:ext cx="1438560" cy="1258560"/>
+            <a:ext cx="1438200" cy="1258200"/>
           </a:xfrm>
           <a:prstGeom prst="ellipse">
             <a:avLst/>
@@ -7682,7 +7682,7 @@
         <p:spPr>
           <a:xfrm>
             <a:off x="540360" y="1080360"/>
-            <a:ext cx="718560" cy="718560"/>
+            <a:ext cx="718200" cy="718200"/>
           </a:xfrm>
           <a:prstGeom prst="ellipse">
             <a:avLst/>
@@ -7712,7 +7712,7 @@
         <p:spPr>
           <a:xfrm>
             <a:off x="360" y="1260360"/>
-            <a:ext cx="718560" cy="718560"/>
+            <a:ext cx="718200" cy="718200"/>
           </a:xfrm>
           <a:prstGeom prst="ellipse">
             <a:avLst/>
@@ -8005,7 +8005,7 @@
         <p:spPr>
           <a:xfrm>
             <a:off x="360" y="360"/>
-            <a:ext cx="10078560" cy="5668560"/>
+            <a:ext cx="10078200" cy="5668200"/>
           </a:xfrm>
           <a:prstGeom prst="rect">
             <a:avLst/>
@@ -8041,7 +8041,7 @@
         <p:spPr>
           <a:xfrm flipH="1">
             <a:off x="-4320" y="0"/>
-            <a:ext cx="10078920" cy="5668920"/>
+            <a:ext cx="10078560" cy="5668560"/>
           </a:xfrm>
           <a:prstGeom prst="rect">
             <a:avLst/>
@@ -8088,7 +8088,7 @@
         <p:spPr>
           <a:xfrm>
             <a:off x="180360" y="5130360"/>
-            <a:ext cx="2338560" cy="390960"/>
+            <a:ext cx="2338200" cy="390600"/>
           </a:xfrm>
           <a:prstGeom prst="rect">
             <a:avLst/>
@@ -8140,7 +8140,7 @@
         <p:spPr>
           <a:xfrm>
             <a:off x="7560360" y="5130360"/>
-            <a:ext cx="2338560" cy="390960"/>
+            <a:ext cx="2338200" cy="390600"/>
           </a:xfrm>
           <a:prstGeom prst="rect">
             <a:avLst/>
@@ -8167,7 +8167,7 @@
               </a:lnSpc>
               <a:buNone/>
             </a:pPr>
-            <a:fld id="{BE616B68-BFE2-4205-9EA5-0F67EB21E357}" type="slidenum">
+            <a:fld id="{57E290C1-A3E8-4785-9102-182918C1EB9D}" type="slidenum">
               <a:rPr b="0" lang="en-US" sz="1400" spc="-1" strike="noStrike">
                 <a:solidFill>
                   <a:srgbClr val="ffffff"/>
@@ -8192,7 +8192,7 @@
         <p:spPr>
           <a:xfrm>
             <a:off x="1440360" y="1080360"/>
-            <a:ext cx="1438560" cy="1258560"/>
+            <a:ext cx="1438200" cy="1258200"/>
           </a:xfrm>
           <a:prstGeom prst="ellipse">
             <a:avLst/>
@@ -8222,7 +8222,7 @@
         <p:spPr>
           <a:xfrm>
             <a:off x="7380360" y="3960360"/>
-            <a:ext cx="1438560" cy="1258560"/>
+            <a:ext cx="1438200" cy="1258200"/>
           </a:xfrm>
           <a:prstGeom prst="ellipse">
             <a:avLst/>
@@ -8252,7 +8252,7 @@
         <p:spPr>
           <a:xfrm>
             <a:off x="9000360" y="2700360"/>
-            <a:ext cx="1258560" cy="1078560"/>
+            <a:ext cx="1258200" cy="1078200"/>
           </a:xfrm>
           <a:prstGeom prst="ellipse">
             <a:avLst/>
@@ -8282,7 +8282,7 @@
         <p:spPr>
           <a:xfrm>
             <a:off x="-179640" y="2430360"/>
-            <a:ext cx="1438560" cy="1348560"/>
+            <a:ext cx="1438200" cy="1348200"/>
           </a:xfrm>
           <a:prstGeom prst="ellipse">
             <a:avLst/>
@@ -8312,7 +8312,7 @@
         <p:spPr>
           <a:xfrm>
             <a:off x="540360" y="1080360"/>
-            <a:ext cx="718560" cy="718560"/>
+            <a:ext cx="718200" cy="718200"/>
           </a:xfrm>
           <a:prstGeom prst="ellipse">
             <a:avLst/>
@@ -8342,7 +8342,7 @@
         <p:spPr>
           <a:xfrm>
             <a:off x="360" y="1260360"/>
-            <a:ext cx="718560" cy="718560"/>
+            <a:ext cx="718200" cy="718200"/>
           </a:xfrm>
           <a:prstGeom prst="ellipse">
             <a:avLst/>
@@ -8372,7 +8372,7 @@
         <p:spPr>
           <a:xfrm>
             <a:off x="360" y="5220360"/>
-            <a:ext cx="1618560" cy="1258560"/>
+            <a:ext cx="1618200" cy="1258200"/>
           </a:xfrm>
           <a:prstGeom prst="ellipse">
             <a:avLst/>
@@ -8402,7 +8402,7 @@
         <p:spPr>
           <a:xfrm>
             <a:off x="9720360" y="4680360"/>
-            <a:ext cx="718560" cy="718560"/>
+            <a:ext cx="718200" cy="718200"/>
           </a:xfrm>
           <a:prstGeom prst="ellipse">
             <a:avLst/>
@@ -8432,7 +8432,7 @@
         <p:spPr>
           <a:xfrm>
             <a:off x="9540360" y="3420360"/>
-            <a:ext cx="718560" cy="718560"/>
+            <a:ext cx="718200" cy="718200"/>
           </a:xfrm>
           <a:prstGeom prst="ellipse">
             <a:avLst/>
@@ -8462,7 +8462,7 @@
         <p:spPr>
           <a:xfrm>
             <a:off x="8100360" y="4680360"/>
-            <a:ext cx="1078560" cy="840960"/>
+            <a:ext cx="1078200" cy="840600"/>
           </a:xfrm>
           <a:prstGeom prst="ellipse">
             <a:avLst/>
@@ -8492,7 +8492,7 @@
         <p:spPr>
           <a:xfrm>
             <a:off x="7920360" y="5400360"/>
-            <a:ext cx="898560" cy="898560"/>
+            <a:ext cx="898200" cy="898200"/>
           </a:xfrm>
           <a:prstGeom prst="ellipse">
             <a:avLst/>
@@ -8789,7 +8789,7 @@
         <p:spPr>
           <a:xfrm>
             <a:off x="457200" y="2071440"/>
-            <a:ext cx="8998560" cy="1267200"/>
+            <a:ext cx="8998200" cy="1266840"/>
           </a:xfrm>
           <a:prstGeom prst="rect">
             <a:avLst/>
@@ -8857,7 +8857,7 @@
         <p:spPr>
           <a:xfrm>
             <a:off x="457200" y="3429000"/>
-            <a:ext cx="9070920" cy="727920"/>
+            <a:ext cx="9070560" cy="727560"/>
           </a:xfrm>
           <a:prstGeom prst="rect">
             <a:avLst/>
@@ -8936,7 +8936,7 @@
         <p:spPr>
           <a:xfrm>
             <a:off x="540000" y="270000"/>
-            <a:ext cx="8998560" cy="988560"/>
+            <a:ext cx="8998200" cy="988200"/>
           </a:xfrm>
           <a:prstGeom prst="rect">
             <a:avLst/>
@@ -8988,7 +8988,7 @@
         <p:spPr>
           <a:xfrm>
             <a:off x="0" y="1562400"/>
-            <a:ext cx="8001000" cy="3924000"/>
+            <a:ext cx="8000640" cy="3923640"/>
           </a:xfrm>
           <a:prstGeom prst="rect">
             <a:avLst/>
@@ -9001,62 +9001,97 @@
       <p:sp>
         <p:nvSpPr>
           <p:cNvPr id="229" name=""/>
-          <p:cNvSpPr txBox="1"/>
+          <p:cNvSpPr/>
           <p:nvPr/>
         </p:nvSpPr>
         <p:spPr>
           <a:xfrm>
             <a:off x="8001000" y="1600200"/>
-            <a:ext cx="2057400" cy="2905920"/>
-          </a:xfrm>
-          <a:prstGeom prst="rect">
-            <a:avLst/>
-          </a:prstGeom>
-          <a:noFill/>
-          <a:ln w="0">
-            <a:noFill/>
-          </a:ln>
-        </p:spPr>
+            <a:ext cx="2057040" cy="2905560"/>
+          </a:xfrm>
+          <a:prstGeom prst="rect">
+            <a:avLst/>
+          </a:prstGeom>
+          <a:noFill/>
+          <a:ln w="0">
+            <a:noFill/>
+          </a:ln>
+        </p:spPr>
+        <p:style>
+          <a:lnRef idx="0"/>
+          <a:fillRef idx="0"/>
+          <a:effectRef idx="0"/>
+          <a:fontRef idx="minor"/>
+        </p:style>
         <p:txBody>
           <a:bodyPr lIns="90000" rIns="90000" tIns="45000" bIns="45000" anchor="t">
             <a:noAutofit/>
           </a:bodyPr>
           <a:p>
-            <a:r>
-              <a:rPr b="0" lang="en-US" sz="1800" spc="-1" strike="noStrike">
-                <a:latin typeface="Arial"/>
-              </a:rPr>
-              <a:t>Of 54 total:</a:t>
-            </a:r>
-            <a:endParaRPr b="0" lang="en-US" sz="1800" spc="-1" strike="noStrike">
-              <a:latin typeface="Arial"/>
-            </a:endParaRPr>
-          </a:p>
-          <a:p>
-            <a:endParaRPr b="0" lang="en-US" sz="1800" spc="-1" strike="noStrike">
-              <a:latin typeface="Arial"/>
-            </a:endParaRPr>
-          </a:p>
-          <a:p>
-            <a:r>
-              <a:rPr b="0" lang="en-US" sz="1800" spc="-1" strike="noStrike">
-                <a:latin typeface="Arial"/>
+            <a:pPr>
+              <a:lnSpc>
+                <a:spcPct val="100000"/>
+              </a:lnSpc>
+              <a:buNone/>
+            </a:pPr>
+            <a:r>
+              <a:rPr b="1" lang="en-US" sz="1600" spc="-1" strike="noStrike">
+                <a:latin typeface="Courier New"/>
+              </a:rPr>
+              <a:t>Of 54 movies:</a:t>
+            </a:r>
+            <a:endParaRPr b="0" lang="en-US" sz="1600" spc="-1" strike="noStrike">
+              <a:latin typeface="Arial"/>
+            </a:endParaRPr>
+          </a:p>
+          <a:p>
+            <a:pPr>
+              <a:lnSpc>
+                <a:spcPct val="100000"/>
+              </a:lnSpc>
+              <a:buNone/>
+            </a:pPr>
+            <a:endParaRPr b="0" lang="en-US" sz="1600" spc="-1" strike="noStrike">
+              <a:latin typeface="Arial"/>
+            </a:endParaRPr>
+          </a:p>
+          <a:p>
+            <a:pPr>
+              <a:lnSpc>
+                <a:spcPct val="100000"/>
+              </a:lnSpc>
+              <a:buNone/>
+            </a:pPr>
+            <a:r>
+              <a:rPr b="0" lang="en-US" sz="1600" spc="-1" strike="noStrike">
+                <a:latin typeface="Courier New"/>
                 <a:ea typeface="Source Han Sans CN"/>
               </a:rPr>
-              <a:t>24 </a:t>
-            </a:r>
-            <a:r>
-              <a:rPr b="0" lang="en-US" sz="1800" spc="-1" strike="noStrike">
-                <a:latin typeface="Arial"/>
-              </a:rPr>
-              <a:t>(44%): </a:t>
-            </a:r>
-            <a:endParaRPr b="0" lang="en-US" sz="1800" spc="-1" strike="noStrike">
+              <a:t>24 (</a:t>
+            </a:r>
+            <a:r>
+              <a:rPr b="1" lang="en-US" sz="1600" spc="-1" strike="noStrike">
+                <a:latin typeface="Courier New"/>
+                <a:ea typeface="Source Han Sans CN"/>
+              </a:rPr>
+              <a:t>44%</a:t>
+            </a:r>
+            <a:r>
+              <a:rPr b="0" lang="en-US" sz="1600" spc="-1" strike="noStrike">
+                <a:latin typeface="Courier New"/>
+                <a:ea typeface="Source Han Sans CN"/>
+              </a:rPr>
+              <a:t>): </a:t>
+            </a:r>
+            <a:endParaRPr b="0" lang="en-US" sz="1600" spc="-1" strike="noStrike">
               <a:latin typeface="Arial"/>
             </a:endParaRPr>
           </a:p>
           <a:p>
             <a:pPr marL="216000" indent="-216000">
+              <a:lnSpc>
+                <a:spcPct val="100000"/>
+              </a:lnSpc>
               <a:buClr>
                 <a:srgbClr val="000000"/>
               </a:buClr>
@@ -9065,40 +9100,64 @@
               <a:buChar char=""/>
             </a:pPr>
             <a:r>
-              <a:rPr b="0" lang="en-US" sz="1800" spc="-1" strike="noStrike">
-                <a:latin typeface="Arial"/>
+              <a:rPr b="0" lang="en-US" sz="1600" spc="-1" strike="noStrike">
+                <a:latin typeface="Courier New"/>
+                <a:ea typeface="Source Han Sans CN"/>
               </a:rPr>
               <a:t>Big Bad </a:t>
             </a:r>
-            <a:endParaRPr b="0" lang="en-US" sz="1800" spc="-1" strike="noStrike">
-              <a:latin typeface="Arial"/>
-            </a:endParaRPr>
-          </a:p>
-          <a:p>
-            <a:endParaRPr b="0" lang="en-US" sz="1800" spc="-1" strike="noStrike">
-              <a:latin typeface="Arial"/>
-            </a:endParaRPr>
-          </a:p>
-          <a:p>
-            <a:r>
-              <a:rPr b="0" lang="en-US" sz="1800" spc="-1" strike="noStrike">
-                <a:latin typeface="Arial"/>
+            <a:endParaRPr b="0" lang="en-US" sz="1600" spc="-1" strike="noStrike">
+              <a:latin typeface="Arial"/>
+            </a:endParaRPr>
+          </a:p>
+          <a:p>
+            <a:pPr>
+              <a:lnSpc>
+                <a:spcPct val="100000"/>
+              </a:lnSpc>
+              <a:buNone/>
+            </a:pPr>
+            <a:endParaRPr b="0" lang="en-US" sz="1600" spc="-1" strike="noStrike">
+              <a:latin typeface="Arial"/>
+            </a:endParaRPr>
+          </a:p>
+          <a:p>
+            <a:pPr>
+              <a:lnSpc>
+                <a:spcPct val="100000"/>
+              </a:lnSpc>
+              <a:buNone/>
+            </a:pPr>
+            <a:r>
+              <a:rPr b="0" lang="en-US" sz="1600" spc="-1" strike="noStrike">
+                <a:latin typeface="Courier New"/>
                 <a:ea typeface="Source Han Sans CN"/>
               </a:rPr>
-              <a:t>22 </a:t>
-            </a:r>
-            <a:r>
-              <a:rPr b="0" lang="en-US" sz="1800" spc="-1" strike="noStrike">
-                <a:latin typeface="Arial"/>
-              </a:rPr>
-              <a:t>(41%): </a:t>
-            </a:r>
-            <a:endParaRPr b="0" lang="en-US" sz="1800" spc="-1" strike="noStrike">
+              <a:t>22 (</a:t>
+            </a:r>
+            <a:r>
+              <a:rPr b="1" lang="en-US" sz="1600" spc="-1" strike="noStrike">
+                <a:latin typeface="Courier New"/>
+                <a:ea typeface="Source Han Sans CN"/>
+              </a:rPr>
+              <a:t>41%</a:t>
+            </a:r>
+            <a:r>
+              <a:rPr b="0" lang="en-US" sz="1600" spc="-1" strike="noStrike">
+                <a:latin typeface="Courier New"/>
+                <a:ea typeface="Source Han Sans CN"/>
+              </a:rPr>
+              <a:t>): </a:t>
+            </a:r>
+            <a:endParaRPr b="0" lang="en-US" sz="1600" spc="-1" strike="noStrike">
               <a:latin typeface="Arial"/>
             </a:endParaRPr>
           </a:p>
           <a:p>
             <a:pPr marL="216000" indent="-216000">
+              <a:lnSpc>
+                <a:spcPct val="100000"/>
+              </a:lnSpc>
               <a:buClr>
                 <a:srgbClr val="000000"/>
               </a:buClr>
@@ -9107,40 +9166,64 @@
               <a:buChar char=""/>
             </a:pPr>
             <a:r>
-              <a:rPr b="0" lang="en-US" sz="1800" spc="-1" strike="noStrike">
-                <a:latin typeface="Arial"/>
+              <a:rPr b="0" lang="en-US" sz="1600" spc="-1" strike="noStrike">
+                <a:latin typeface="Courier New"/>
+                <a:ea typeface="Source Han Sans CN"/>
               </a:rPr>
               <a:t>Actor Allusion</a:t>
             </a:r>
-            <a:endParaRPr b="0" lang="en-US" sz="1800" spc="-1" strike="noStrike">
-              <a:latin typeface="Arial"/>
-            </a:endParaRPr>
-          </a:p>
-          <a:p>
-            <a:endParaRPr b="0" lang="en-US" sz="1800" spc="-1" strike="noStrike">
-              <a:latin typeface="Arial"/>
-            </a:endParaRPr>
-          </a:p>
-          <a:p>
-            <a:r>
-              <a:rPr b="0" lang="en-US" sz="1800" spc="-1" strike="noStrike">
-                <a:latin typeface="Arial"/>
+            <a:endParaRPr b="0" lang="en-US" sz="1600" spc="-1" strike="noStrike">
+              <a:latin typeface="Arial"/>
+            </a:endParaRPr>
+          </a:p>
+          <a:p>
+            <a:pPr>
+              <a:lnSpc>
+                <a:spcPct val="100000"/>
+              </a:lnSpc>
+              <a:buNone/>
+            </a:pPr>
+            <a:endParaRPr b="0" lang="en-US" sz="1600" spc="-1" strike="noStrike">
+              <a:latin typeface="Arial"/>
+            </a:endParaRPr>
+          </a:p>
+          <a:p>
+            <a:pPr>
+              <a:lnSpc>
+                <a:spcPct val="100000"/>
+              </a:lnSpc>
+              <a:buNone/>
+            </a:pPr>
+            <a:r>
+              <a:rPr b="0" lang="en-US" sz="1600" spc="-1" strike="noStrike">
+                <a:latin typeface="Courier New"/>
                 <a:ea typeface="Source Han Sans CN"/>
               </a:rPr>
-              <a:t>18 </a:t>
-            </a:r>
-            <a:r>
-              <a:rPr b="0" lang="en-US" sz="1800" spc="-1" strike="noStrike">
-                <a:latin typeface="Arial"/>
-              </a:rPr>
-              <a:t>(33%):</a:t>
-            </a:r>
-            <a:endParaRPr b="0" lang="en-US" sz="1800" spc="-1" strike="noStrike">
+              <a:t>18 (</a:t>
+            </a:r>
+            <a:r>
+              <a:rPr b="1" lang="en-US" sz="1600" spc="-1" strike="noStrike">
+                <a:latin typeface="Courier New"/>
+                <a:ea typeface="Source Han Sans CN"/>
+              </a:rPr>
+              <a:t>33%</a:t>
+            </a:r>
+            <a:r>
+              <a:rPr b="0" lang="en-US" sz="1600" spc="-1" strike="noStrike">
+                <a:latin typeface="Courier New"/>
+                <a:ea typeface="Source Han Sans CN"/>
+              </a:rPr>
+              <a:t>):</a:t>
+            </a:r>
+            <a:endParaRPr b="0" lang="en-US" sz="1600" spc="-1" strike="noStrike">
               <a:latin typeface="Arial"/>
             </a:endParaRPr>
           </a:p>
           <a:p>
             <a:pPr marL="216000" indent="-216000">
+              <a:lnSpc>
+                <a:spcPct val="100000"/>
+              </a:lnSpc>
               <a:buClr>
                 <a:srgbClr val="000000"/>
               </a:buClr>
@@ -9149,10 +9232,18 @@
               <a:buChar char=""/>
             </a:pPr>
             <a:r>
+              <a:rPr b="0" lang="en-US" sz="1600" spc="-1" strike="noStrike">
+                <a:latin typeface="Courier New"/>
+                <a:ea typeface="Source Han Sans CN"/>
+              </a:rPr>
+              <a:t>Bittersweet Ending</a:t>
+            </a:r>
+            <a:r>
               <a:rPr b="0" lang="en-US" sz="1800" spc="-1" strike="noStrike">
                 <a:latin typeface="Arial"/>
-              </a:rPr>
-              <a:t>Bittersweet Ending </a:t>
+                <a:ea typeface="Source Han Sans CN"/>
+              </a:rPr>
+              <a:t> </a:t>
             </a:r>
             <a:endParaRPr b="0" lang="en-US" sz="1800" spc="-1" strike="noStrike">
               <a:latin typeface="Arial"/>
@@ -9203,7 +9294,7 @@
         <p:spPr>
           <a:xfrm>
             <a:off x="540000" y="270000"/>
-            <a:ext cx="8998560" cy="988560"/>
+            <a:ext cx="8998200" cy="988200"/>
           </a:xfrm>
           <a:prstGeom prst="rect">
             <a:avLst/>
@@ -9255,7 +9346,7 @@
         <p:spPr>
           <a:xfrm>
             <a:off x="100080" y="1371600"/>
-            <a:ext cx="7900920" cy="4216320"/>
+            <a:ext cx="7900560" cy="4215960"/>
           </a:xfrm>
           <a:prstGeom prst="rect">
             <a:avLst/>
@@ -9268,27 +9359,39 @@
       <p:sp>
         <p:nvSpPr>
           <p:cNvPr id="232" name=""/>
-          <p:cNvSpPr txBox="1"/>
+          <p:cNvSpPr/>
           <p:nvPr/>
         </p:nvSpPr>
         <p:spPr>
           <a:xfrm>
             <a:off x="8001000" y="1402200"/>
-            <a:ext cx="2057400" cy="4185720"/>
-          </a:xfrm>
-          <a:prstGeom prst="rect">
-            <a:avLst/>
-          </a:prstGeom>
-          <a:noFill/>
-          <a:ln w="0">
-            <a:noFill/>
-          </a:ln>
-        </p:spPr>
+            <a:ext cx="2057040" cy="4185360"/>
+          </a:xfrm>
+          <a:prstGeom prst="rect">
+            <a:avLst/>
+          </a:prstGeom>
+          <a:noFill/>
+          <a:ln w="0">
+            <a:noFill/>
+          </a:ln>
+        </p:spPr>
+        <p:style>
+          <a:lnRef idx="0"/>
+          <a:fillRef idx="0"/>
+          <a:effectRef idx="0"/>
+          <a:fontRef idx="minor"/>
+        </p:style>
         <p:txBody>
           <a:bodyPr lIns="90000" rIns="90000" tIns="45000" bIns="45000" anchor="t">
             <a:noAutofit/>
           </a:bodyPr>
           <a:p>
+            <a:pPr>
+              <a:lnSpc>
+                <a:spcPct val="100000"/>
+              </a:lnSpc>
+              <a:buNone/>
+            </a:pPr>
             <a:r>
               <a:rPr b="1" lang="en-US" sz="1600" spc="-1" strike="noStrike">
                 <a:latin typeface="Courier New"/>
@@ -9306,16 +9409,40 @@
             </a:endParaRPr>
           </a:p>
           <a:p>
+            <a:pPr>
+              <a:lnSpc>
+                <a:spcPct val="100000"/>
+              </a:lnSpc>
+              <a:buNone/>
+            </a:pPr>
             <a:endParaRPr b="0" lang="en-US" sz="1600" spc="-1" strike="noStrike">
               <a:latin typeface="Arial"/>
             </a:endParaRPr>
           </a:p>
           <a:p>
+            <a:pPr>
+              <a:lnSpc>
+                <a:spcPct val="100000"/>
+              </a:lnSpc>
+              <a:buNone/>
+            </a:pPr>
             <a:r>
               <a:rPr b="0" lang="en-US" sz="1600" spc="-1" strike="noStrike">
                 <a:latin typeface="Courier New"/>
               </a:rPr>
-              <a:t>14 (64%):</a:t>
+              <a:t>14 (</a:t>
+            </a:r>
+            <a:r>
+              <a:rPr b="1" lang="en-US" sz="1600" spc="-1" strike="noStrike">
+                <a:latin typeface="Courier New"/>
+              </a:rPr>
+              <a:t>64%</a:t>
+            </a:r>
+            <a:r>
+              <a:rPr b="0" lang="en-US" sz="1600" spc="-1" strike="noStrike">
+                <a:latin typeface="Courier New"/>
+              </a:rPr>
+              <a:t>):</a:t>
             </a:r>
             <a:endParaRPr b="0" lang="en-US" sz="1600" spc="-1" strike="noStrike">
               <a:latin typeface="Arial"/>
@@ -9323,6 +9450,9 @@
           </a:p>
           <a:p>
             <a:pPr marL="216000" indent="-216000">
+              <a:lnSpc>
+                <a:spcPct val="100000"/>
+              </a:lnSpc>
               <a:buClr>
                 <a:srgbClr val="000000"/>
               </a:buClr>
@@ -9341,16 +9471,40 @@
             </a:endParaRPr>
           </a:p>
           <a:p>
+            <a:pPr>
+              <a:lnSpc>
+                <a:spcPct val="100000"/>
+              </a:lnSpc>
+              <a:buNone/>
+            </a:pPr>
             <a:endParaRPr b="0" lang="en-US" sz="1600" spc="-1" strike="noStrike">
               <a:latin typeface="Arial"/>
             </a:endParaRPr>
           </a:p>
           <a:p>
+            <a:pPr>
+              <a:lnSpc>
+                <a:spcPct val="100000"/>
+              </a:lnSpc>
+              <a:buNone/>
+            </a:pPr>
             <a:r>
               <a:rPr b="0" lang="en-US" sz="1600" spc="-1" strike="noStrike">
                 <a:latin typeface="Courier New"/>
               </a:rPr>
-              <a:t>12 (55%):</a:t>
+              <a:t>12 (</a:t>
+            </a:r>
+            <a:r>
+              <a:rPr b="1" lang="en-US" sz="1600" spc="-1" strike="noStrike">
+                <a:latin typeface="Courier New"/>
+              </a:rPr>
+              <a:t>55%</a:t>
+            </a:r>
+            <a:r>
+              <a:rPr b="0" lang="en-US" sz="1600" spc="-1" strike="noStrike">
+                <a:latin typeface="Courier New"/>
+              </a:rPr>
+              <a:t>):</a:t>
             </a:r>
             <a:endParaRPr b="0" lang="en-US" sz="1600" spc="-1" strike="noStrike">
               <a:latin typeface="Arial"/>
@@ -9358,6 +9512,9 @@
           </a:p>
           <a:p>
             <a:pPr marL="216000" indent="-216000">
+              <a:lnSpc>
+                <a:spcPct val="100000"/>
+              </a:lnSpc>
               <a:buClr>
                 <a:srgbClr val="000000"/>
               </a:buClr>
@@ -9376,16 +9533,40 @@
             </a:endParaRPr>
           </a:p>
           <a:p>
+            <a:pPr>
+              <a:lnSpc>
+                <a:spcPct val="100000"/>
+              </a:lnSpc>
+              <a:buNone/>
+            </a:pPr>
             <a:endParaRPr b="0" lang="en-US" sz="1600" spc="-1" strike="noStrike">
               <a:latin typeface="Arial"/>
             </a:endParaRPr>
           </a:p>
           <a:p>
+            <a:pPr>
+              <a:lnSpc>
+                <a:spcPct val="100000"/>
+              </a:lnSpc>
+              <a:buNone/>
+            </a:pPr>
             <a:r>
               <a:rPr b="0" lang="en-US" sz="1600" spc="-1" strike="noStrike">
                 <a:latin typeface="Courier New"/>
               </a:rPr>
-              <a:t>9 (41%):</a:t>
+              <a:t>9 (</a:t>
+            </a:r>
+            <a:r>
+              <a:rPr b="1" lang="en-US" sz="1600" spc="-1" strike="noStrike">
+                <a:latin typeface="Courier New"/>
+              </a:rPr>
+              <a:t>41%</a:t>
+            </a:r>
+            <a:r>
+              <a:rPr b="0" lang="en-US" sz="1600" spc="-1" strike="noStrike">
+                <a:latin typeface="Courier New"/>
+              </a:rPr>
+              <a:t>):</a:t>
             </a:r>
             <a:endParaRPr b="0" lang="en-US" sz="1600" spc="-1" strike="noStrike">
               <a:latin typeface="Arial"/>
@@ -9393,6 +9574,9 @@
           </a:p>
           <a:p>
             <a:pPr marL="216000" indent="-216000">
+              <a:lnSpc>
+                <a:spcPct val="100000"/>
+              </a:lnSpc>
               <a:buClr>
                 <a:srgbClr val="000000"/>
               </a:buClr>
@@ -9404,7 +9588,7 @@
               <a:rPr b="0" lang="en-US" sz="1600" spc="-1" strike="noStrike">
                 <a:latin typeface="Courier New"/>
               </a:rPr>
-              <a:t>Berserk Button, </a:t>
+              <a:t>Berserk Button </a:t>
             </a:r>
             <a:endParaRPr b="0" lang="en-US" sz="1600" spc="-1" strike="noStrike">
               <a:latin typeface="Arial"/>
@@ -9412,6 +9596,9 @@
           </a:p>
           <a:p>
             <a:pPr marL="216000" indent="-216000">
+              <a:lnSpc>
+                <a:spcPct val="100000"/>
+              </a:lnSpc>
               <a:buClr>
                 <a:srgbClr val="000000"/>
               </a:buClr>
@@ -9423,7 +9610,7 @@
               <a:rPr b="0" lang="en-US" sz="1600" spc="-1" strike="noStrike">
                 <a:latin typeface="Courier New"/>
               </a:rPr>
-              <a:t>Checkovs Gun, </a:t>
+              <a:t>Checkovs Gun </a:t>
             </a:r>
             <a:endParaRPr b="0" lang="en-US" sz="1600" spc="-1" strike="noStrike">
               <a:latin typeface="Arial"/>
@@ -9431,6 +9618,9 @@
           </a:p>
           <a:p>
             <a:pPr marL="216000" indent="-216000">
+              <a:lnSpc>
+                <a:spcPct val="100000"/>
+              </a:lnSpc>
               <a:buClr>
                 <a:srgbClr val="000000"/>
               </a:buClr>
@@ -9505,7 +9695,7 @@
         <p:spPr>
           <a:xfrm>
             <a:off x="540000" y="270000"/>
-            <a:ext cx="8998560" cy="988560"/>
+            <a:ext cx="8998200" cy="988200"/>
           </a:xfrm>
           <a:prstGeom prst="rect">
             <a:avLst/>
@@ -9554,7 +9744,7 @@
         <p:spPr>
           <a:xfrm>
             <a:off x="228600" y="1284480"/>
-            <a:ext cx="3780360" cy="3973320"/>
+            <a:ext cx="3780000" cy="3972960"/>
           </a:xfrm>
           <a:prstGeom prst="rect">
             <a:avLst/>
@@ -9745,7 +9935,7 @@
         <p:spPr>
           <a:xfrm>
             <a:off x="4471560" y="1456920"/>
-            <a:ext cx="5358240" cy="3572280"/>
+            <a:ext cx="5357880" cy="3571920"/>
           </a:xfrm>
           <a:prstGeom prst="rect">
             <a:avLst/>
@@ -9798,7 +9988,7 @@
         <p:spPr>
           <a:xfrm>
             <a:off x="4114800" y="228600"/>
-            <a:ext cx="1600200" cy="988560"/>
+            <a:ext cx="1599840" cy="988200"/>
           </a:xfrm>
           <a:prstGeom prst="rect">
             <a:avLst/>
@@ -9821,9 +10011,18 @@
             </a:pPr>
             <a:r>
               <a:rPr b="0" lang="en-US" sz="1800" spc="-1" strike="noStrike">
+                <a:solidFill>
+                  <a:srgbClr val="ffffff"/>
+                </a:solidFill>
                 <a:latin typeface="Arial"/>
               </a:rPr>
-              <a:t>Bibliography </a:t>
+              <a:t>Bibliography</a:t>
+            </a:r>
+            <a:r>
+              <a:rPr b="0" lang="en-US" sz="1800" spc="-1" strike="noStrike">
+                <a:latin typeface="Arial"/>
+              </a:rPr>
+              <a:t> </a:t>
             </a:r>
             <a:endParaRPr b="0" lang="en-US" sz="1800" spc="-1" strike="noStrike">
               <a:latin typeface="Arial"/>
@@ -9834,72 +10033,129 @@
       <p:sp>
         <p:nvSpPr>
           <p:cNvPr id="237" name=""/>
-          <p:cNvSpPr txBox="1"/>
+          <p:cNvSpPr/>
           <p:nvPr/>
         </p:nvSpPr>
         <p:spPr>
           <a:xfrm>
             <a:off x="111240" y="1143000"/>
-            <a:ext cx="9969480" cy="2192040"/>
-          </a:xfrm>
-          <a:prstGeom prst="rect">
-            <a:avLst/>
-          </a:prstGeom>
-          <a:noFill/>
-          <a:ln w="0">
-            <a:noFill/>
-          </a:ln>
-        </p:spPr>
+            <a:ext cx="9969120" cy="2191680"/>
+          </a:xfrm>
+          <a:prstGeom prst="rect">
+            <a:avLst/>
+          </a:prstGeom>
+          <a:noFill/>
+          <a:ln w="0">
+            <a:noFill/>
+          </a:ln>
+        </p:spPr>
+        <p:style>
+          <a:lnRef idx="0"/>
+          <a:fillRef idx="0"/>
+          <a:effectRef idx="0"/>
+          <a:fontRef idx="minor"/>
+        </p:style>
         <p:txBody>
           <a:bodyPr lIns="90000" rIns="90000" tIns="45000" bIns="45000" anchor="t">
             <a:noAutofit/>
           </a:bodyPr>
           <a:p>
+            <a:pPr>
+              <a:lnSpc>
+                <a:spcPct val="100000"/>
+              </a:lnSpc>
+              <a:buNone/>
+            </a:pPr>
+            <a:r>
+              <a:rPr b="0" lang="en-US" sz="1000" spc="-1" strike="noStrike">
+                <a:solidFill>
+                  <a:srgbClr val="ffffff"/>
+                </a:solidFill>
+                <a:latin typeface="Arial"/>
+              </a:rPr>
+              <a:t>Vipul, (U. (2020, September 8). Oscars nominated movies 2000-2017. Kaggle. Retrieved January 31, 2022, from </a:t>
+            </a:r>
+            <a:r>
+              <a:rPr b="0" lang="en-US" sz="1000" spc="-1" strike="noStrike" u="sng">
+                <a:solidFill>
+                  <a:srgbClr val="ffffff"/>
+                </a:solidFill>
+                <a:uFillTx/>
+                <a:latin typeface="Arial"/>
+                <a:hlinkClick r:id="rId1"/>
+              </a:rPr>
+              <a:t>https://www.kaggle.com/vipulgote4/oscars-nominated-movies-from-2000-to-2017</a:t>
+            </a:r>
+            <a:endParaRPr b="0" lang="en-US" sz="1000" spc="-1" strike="noStrike">
+              <a:latin typeface="Arial"/>
+            </a:endParaRPr>
+          </a:p>
+          <a:p>
+            <a:pPr>
+              <a:lnSpc>
+                <a:spcPct val="100000"/>
+              </a:lnSpc>
+              <a:buNone/>
+            </a:pPr>
+            <a:endParaRPr b="0" lang="en-US" sz="1000" spc="-1" strike="noStrike">
+              <a:latin typeface="Arial"/>
+            </a:endParaRPr>
+          </a:p>
+          <a:p>
+            <a:pPr>
+              <a:lnSpc>
+                <a:spcPct val="100000"/>
+              </a:lnSpc>
+              <a:buNone/>
+            </a:pPr>
+            <a:r>
+              <a:rPr b="0" lang="en-US" sz="1000" spc="-1" strike="noStrike">
+                <a:solidFill>
+                  <a:srgbClr val="ffffff"/>
+                </a:solidFill>
+                <a:latin typeface="Arial"/>
+              </a:rPr>
+              <a:t>email, S. G. S. an, Ghazanchyan, S., &amp;amp; email, S. an. (2021, December 7). Armenia Movie Wins Gold at tokyo film awards. Public Radio of Armenia. Retrieved January 31, 2022, from https://en.armradio.am/2021/12/07/armenia-movie-wins-golden-winner-prize-at-tokyo-film-awards/ </a:t>
+            </a:r>
+            <a:endParaRPr b="0" lang="en-US" sz="1000" spc="-1" strike="noStrike">
+              <a:latin typeface="Arial"/>
+            </a:endParaRPr>
+          </a:p>
+          <a:p>
+            <a:pPr>
+              <a:lnSpc>
+                <a:spcPct val="100000"/>
+              </a:lnSpc>
+              <a:buNone/>
+            </a:pPr>
+            <a:endParaRPr b="0" lang="en-US" sz="1000" spc="-1" strike="noStrike">
+              <a:latin typeface="Arial"/>
+            </a:endParaRPr>
+          </a:p>
+          <a:p>
+            <a:pPr>
+              <a:lnSpc>
+                <a:spcPct val="100000"/>
+              </a:lnSpc>
+              <a:buNone/>
+            </a:pPr>
             <a:r>
               <a:rPr b="0" lang="en-US" sz="1000" spc="-1" strike="noStrike">
                 <a:latin typeface="Arial"/>
               </a:rPr>
-              <a:t>Vipul, (U. (2020, September 8). Oscars nominated movies 2000-2017. Kaggle. Retrieved January 31, 2022, from </a:t>
-            </a:r>
-            <a:r>
-              <a:rPr b="0" lang="en-US" sz="1000" spc="-1" strike="noStrike">
-                <a:latin typeface="Arial"/>
-                <a:hlinkClick r:id="rId1"/>
-              </a:rPr>
-              <a:t>https://www.kaggle.com/vipulgote4/oscars-nominated-movies-from-2000-to-2017</a:t>
+              <a:t> </a:t>
             </a:r>
             <a:endParaRPr b="0" lang="en-US" sz="1000" spc="-1" strike="noStrike">
               <a:latin typeface="Arial"/>
             </a:endParaRPr>
           </a:p>
           <a:p>
-            <a:r>
-              <a:rPr b="0" lang="en-US" sz="1000" spc="-1" strike="noStrike">
-                <a:latin typeface="Arial"/>
-              </a:rPr>
-              <a:t>email, S. G. S. an, Ghazanchyan, S., &amp;amp; email, S. an. (2021, December 7). Armenia Movie Wins Gold at tokyo film awards. Public Radio of Armenia. Retrieved January 31, 2022, from https://en.armradio.am/2021/12/07/armenia-movie-wins-golden-winner-prize-at-tokyo-film-awards/ </a:t>
-            </a:r>
-            <a:endParaRPr b="0" lang="en-US" sz="1000" spc="-1" strike="noStrike">
-              <a:latin typeface="Arial"/>
-            </a:endParaRPr>
-          </a:p>
-          <a:p>
-            <a:endParaRPr b="0" lang="en-US" sz="1000" spc="-1" strike="noStrike">
-              <a:latin typeface="Arial"/>
-            </a:endParaRPr>
-          </a:p>
-          <a:p>
-            <a:r>
-              <a:rPr b="0" lang="en-US" sz="1000" spc="-1" strike="noStrike">
-                <a:latin typeface="Arial"/>
-              </a:rPr>
-              <a:t> </a:t>
-            </a:r>
-            <a:endParaRPr b="0" lang="en-US" sz="1000" spc="-1" strike="noStrike">
-              <a:latin typeface="Arial"/>
-            </a:endParaRPr>
-          </a:p>
-          <a:p>
+            <a:pPr>
+              <a:lnSpc>
+                <a:spcPct val="100000"/>
+              </a:lnSpc>
+              <a:buNone/>
+            </a:pPr>
             <a:endParaRPr b="0" lang="en-US" sz="1000" spc="-1" strike="noStrike">
               <a:latin typeface="Arial"/>
             </a:endParaRPr>
@@ -9949,7 +10205,7 @@
         <p:spPr>
           <a:xfrm>
             <a:off x="540000" y="154080"/>
-            <a:ext cx="8998560" cy="988560"/>
+            <a:ext cx="8998200" cy="988200"/>
           </a:xfrm>
           <a:prstGeom prst="rect">
             <a:avLst/>
@@ -9998,7 +10254,7 @@
         <p:spPr>
           <a:xfrm>
             <a:off x="540360" y="1283760"/>
-            <a:ext cx="5859720" cy="3973320"/>
+            <a:ext cx="5859360" cy="3972960"/>
           </a:xfrm>
           <a:prstGeom prst="rect">
             <a:avLst/>
@@ -10407,7 +10663,7 @@
         <p:spPr>
           <a:xfrm>
             <a:off x="6657120" y="914400"/>
-            <a:ext cx="2029320" cy="4527000"/>
+            <a:ext cx="2028960" cy="4526640"/>
           </a:xfrm>
           <a:prstGeom prst="rect">
             <a:avLst/>
@@ -10460,7 +10716,7 @@
         <p:spPr>
           <a:xfrm>
             <a:off x="540000" y="270000"/>
-            <a:ext cx="8998560" cy="988560"/>
+            <a:ext cx="8998200" cy="988200"/>
           </a:xfrm>
           <a:prstGeom prst="rect">
             <a:avLst/>
@@ -10512,7 +10768,7 @@
         <p:spPr>
           <a:xfrm>
             <a:off x="228600" y="1600200"/>
-            <a:ext cx="5300640" cy="3351960"/>
+            <a:ext cx="5300280" cy="3351600"/>
           </a:xfrm>
           <a:prstGeom prst="rect">
             <a:avLst/>
@@ -10531,7 +10787,7 @@
         <p:spPr>
           <a:xfrm>
             <a:off x="5943600" y="1600200"/>
-            <a:ext cx="3885840" cy="2649600"/>
+            <a:ext cx="3885480" cy="2649240"/>
           </a:xfrm>
           <a:prstGeom prst="rect">
             <a:avLst/>
@@ -10565,24 +10821,36 @@
             </a:pPr>
             <a:r>
               <a:rPr b="0" lang="en-US" sz="1600" spc="-1" strike="noStrike">
-                <a:latin typeface="Courier New"/>
+                <a:solidFill>
+                  <a:srgbClr val="000000"/>
+                </a:solidFill>
+                <a:latin typeface="Courier New"/>
+                <a:ea typeface="DejaVu Sans"/>
               </a:rPr>
               <a:t>Dictionary Defintion of a </a:t>
             </a:r>
             <a:r>
               <a:rPr b="1" lang="en-US" sz="1600" spc="-1" strike="noStrike">
-                <a:latin typeface="Courier New"/>
+                <a:solidFill>
+                  <a:srgbClr val="000000"/>
+                </a:solidFill>
+                <a:latin typeface="Courier New"/>
+                <a:ea typeface="DejaVu Sans"/>
               </a:rPr>
               <a:t>trope</a:t>
             </a:r>
             <a:r>
               <a:rPr b="0" lang="en-US" sz="1600" spc="-1" strike="noStrike">
-                <a:latin typeface="Courier New"/>
+                <a:solidFill>
+                  <a:srgbClr val="000000"/>
+                </a:solidFill>
+                <a:latin typeface="Courier New"/>
+                <a:ea typeface="DejaVu Sans"/>
               </a:rPr>
               <a:t> is a figure of speech</a:t>
             </a:r>
             <a:endParaRPr b="0" lang="en-US" sz="1600" spc="-1" strike="noStrike">
-              <a:latin typeface="Courier New"/>
+              <a:latin typeface="Arial"/>
             </a:endParaRPr>
           </a:p>
           <a:p>
@@ -10593,7 +10861,7 @@
               <a:buNone/>
             </a:pPr>
             <a:endParaRPr b="0" lang="en-US" sz="1600" spc="-1" strike="noStrike">
-              <a:latin typeface="Courier New"/>
+              <a:latin typeface="Arial"/>
             </a:endParaRPr>
           </a:p>
           <a:p>
@@ -10610,12 +10878,16 @@
             </a:pPr>
             <a:r>
               <a:rPr b="0" lang="en-US" sz="1600" spc="-1" strike="noStrike">
-                <a:latin typeface="Courier New"/>
+                <a:solidFill>
+                  <a:srgbClr val="000000"/>
+                </a:solidFill>
+                <a:latin typeface="Courier New"/>
+                <a:ea typeface="DejaVu Sans"/>
               </a:rPr>
               <a:t>In colloquial, or literary terms a trope is a storytelling “figure of speech” or shorthand.</a:t>
             </a:r>
             <a:endParaRPr b="0" lang="en-US" sz="1600" spc="-1" strike="noStrike">
-              <a:latin typeface="Courier New"/>
+              <a:latin typeface="Arial"/>
             </a:endParaRPr>
           </a:p>
           <a:p>
@@ -10626,7 +10898,7 @@
               <a:buNone/>
             </a:pPr>
             <a:endParaRPr b="0" lang="en-US" sz="1600" spc="-1" strike="noStrike">
-              <a:latin typeface="Courier New"/>
+              <a:latin typeface="Arial"/>
             </a:endParaRPr>
           </a:p>
           <a:p>
@@ -10643,24 +10915,36 @@
             </a:pPr>
             <a:r>
               <a:rPr b="0" lang="en-US" sz="1600" spc="-1" strike="noStrike">
-                <a:latin typeface="Courier New"/>
+                <a:solidFill>
+                  <a:srgbClr val="000000"/>
+                </a:solidFill>
+                <a:latin typeface="Courier New"/>
+                <a:ea typeface="DejaVu Sans"/>
               </a:rPr>
               <a:t>Tropes can be diverse: “Hero”, “</a:t>
             </a:r>
             <a:r>
               <a:rPr b="1" lang="en-US" sz="1600" spc="-1" strike="noStrike">
-                <a:latin typeface="Courier New"/>
+                <a:solidFill>
+                  <a:srgbClr val="000000"/>
+                </a:solidFill>
+                <a:latin typeface="Courier New"/>
+                <a:ea typeface="DejaVu Sans"/>
               </a:rPr>
               <a:t>Big Bad</a:t>
             </a:r>
             <a:r>
               <a:rPr b="0" lang="en-US" sz="1600" spc="-1" strike="noStrike">
-                <a:latin typeface="Courier New"/>
+                <a:solidFill>
+                  <a:srgbClr val="000000"/>
+                </a:solidFill>
+                <a:latin typeface="Courier New"/>
+                <a:ea typeface="DejaVu Sans"/>
               </a:rPr>
               <a:t>”, “Love Triangle”, “Disapproving Parental Figure”</a:t>
             </a:r>
             <a:endParaRPr b="0" lang="en-US" sz="1600" spc="-1" strike="noStrike">
-              <a:latin typeface="Courier New"/>
+              <a:latin typeface="Arial"/>
             </a:endParaRPr>
           </a:p>
         </p:txBody>
@@ -10708,7 +10992,7 @@
         <p:spPr>
           <a:xfrm>
             <a:off x="540000" y="270000"/>
-            <a:ext cx="8998560" cy="988560"/>
+            <a:ext cx="8998200" cy="988200"/>
           </a:xfrm>
           <a:prstGeom prst="rect">
             <a:avLst/>
@@ -10750,28 +11034,37 @@
       <p:sp>
         <p:nvSpPr>
           <p:cNvPr id="209" name=""/>
-          <p:cNvSpPr txBox="1"/>
+          <p:cNvSpPr/>
           <p:nvPr/>
         </p:nvSpPr>
         <p:spPr>
           <a:xfrm>
             <a:off x="228600" y="1371600"/>
-            <a:ext cx="3886200" cy="4052880"/>
-          </a:xfrm>
-          <a:prstGeom prst="rect">
-            <a:avLst/>
-          </a:prstGeom>
-          <a:noFill/>
-          <a:ln w="0">
-            <a:noFill/>
-          </a:ln>
-        </p:spPr>
+            <a:ext cx="3885840" cy="4052520"/>
+          </a:xfrm>
+          <a:prstGeom prst="rect">
+            <a:avLst/>
+          </a:prstGeom>
+          <a:noFill/>
+          <a:ln w="0">
+            <a:noFill/>
+          </a:ln>
+        </p:spPr>
+        <p:style>
+          <a:lnRef idx="0"/>
+          <a:fillRef idx="0"/>
+          <a:effectRef idx="0"/>
+          <a:fontRef idx="minor"/>
+        </p:style>
         <p:txBody>
           <a:bodyPr lIns="90000" rIns="90000" tIns="45000" bIns="45000" anchor="t">
             <a:noAutofit/>
           </a:bodyPr>
           <a:p>
             <a:pPr marL="216000" indent="-216000">
+              <a:lnSpc>
+                <a:spcPct val="100000"/>
+              </a:lnSpc>
               <a:buClr>
                 <a:srgbClr val="000000"/>
               </a:buClr>
@@ -10820,7 +11113,21 @@
             </a:endParaRPr>
           </a:p>
           <a:p>
+            <a:pPr>
+              <a:lnSpc>
+                <a:spcPct val="100000"/>
+              </a:lnSpc>
+              <a:buNone/>
+            </a:pPr>
+            <a:endParaRPr b="0" lang="en-US" sz="1600" spc="-1" strike="noStrike">
+              <a:latin typeface="Arial"/>
+            </a:endParaRPr>
+          </a:p>
+          <a:p>
             <a:pPr marL="216000" indent="-216000">
+              <a:lnSpc>
+                <a:spcPct val="100000"/>
+              </a:lnSpc>
               <a:buClr>
                 <a:srgbClr val="000000"/>
               </a:buClr>
@@ -10828,12 +11135,44 @@
               <a:buFont typeface="Wingdings" charset="2"/>
               <a:buChar char=""/>
             </a:pPr>
+            <a:r>
+              <a:rPr b="0" lang="en-US" sz="1600" spc="-1" strike="noStrike">
+                <a:latin typeface="Courier New"/>
+              </a:rPr>
+              <a:t>Which Tropes are regularly </a:t>
+            </a:r>
+            <a:r>
+              <a:rPr b="1" lang="en-US" sz="1600" spc="-1" strike="noStrike">
+                <a:latin typeface="Courier New"/>
+              </a:rPr>
+              <a:t>Oscar-Winning</a:t>
+            </a:r>
+            <a:r>
+              <a:rPr b="0" lang="en-US" sz="1600" spc="-1" strike="noStrike">
+                <a:latin typeface="Courier New"/>
+              </a:rPr>
+              <a:t> for Best Picture?</a:t>
+            </a:r>
             <a:endParaRPr b="0" lang="en-US" sz="1600" spc="-1" strike="noStrike">
               <a:latin typeface="Arial"/>
             </a:endParaRPr>
           </a:p>
           <a:p>
+            <a:pPr>
+              <a:lnSpc>
+                <a:spcPct val="100000"/>
+              </a:lnSpc>
+              <a:buNone/>
+            </a:pPr>
+            <a:endParaRPr b="0" lang="en-US" sz="1600" spc="-1" strike="noStrike">
+              <a:latin typeface="Arial"/>
+            </a:endParaRPr>
+          </a:p>
+          <a:p>
             <a:pPr marL="216000" indent="-216000">
+              <a:lnSpc>
+                <a:spcPct val="100000"/>
+              </a:lnSpc>
               <a:buClr>
                 <a:srgbClr val="000000"/>
               </a:buClr>
@@ -10845,26 +11184,40 @@
               <a:rPr b="0" lang="en-US" sz="1600" spc="-1" strike="noStrike">
                 <a:latin typeface="Courier New"/>
               </a:rPr>
-              <a:t>Which Tropes are regularly </a:t>
+              <a:t>Which Tropes have been highest grossing within certain </a:t>
             </a:r>
             <a:r>
               <a:rPr b="1" lang="en-US" sz="1600" spc="-1" strike="noStrike">
                 <a:latin typeface="Courier New"/>
               </a:rPr>
-              <a:t>Oscar-Winning</a:t>
+              <a:t>genres</a:t>
             </a:r>
             <a:r>
               <a:rPr b="0" lang="en-US" sz="1600" spc="-1" strike="noStrike">
                 <a:latin typeface="Courier New"/>
               </a:rPr>
-              <a:t> for Best Picture?</a:t>
+              <a:t>?</a:t>
             </a:r>
             <a:endParaRPr b="0" lang="en-US" sz="1600" spc="-1" strike="noStrike">
               <a:latin typeface="Arial"/>
             </a:endParaRPr>
           </a:p>
           <a:p>
+            <a:pPr>
+              <a:lnSpc>
+                <a:spcPct val="100000"/>
+              </a:lnSpc>
+              <a:buNone/>
+            </a:pPr>
+            <a:endParaRPr b="0" lang="en-US" sz="1600" spc="-1" strike="noStrike">
+              <a:latin typeface="Arial"/>
+            </a:endParaRPr>
+          </a:p>
+          <a:p>
             <a:pPr marL="216000" indent="-216000">
+              <a:lnSpc>
+                <a:spcPct val="100000"/>
+              </a:lnSpc>
               <a:buClr>
                 <a:srgbClr val="000000"/>
               </a:buClr>
@@ -10872,94 +11225,33 @@
               <a:buFont typeface="Wingdings" charset="2"/>
               <a:buChar char=""/>
             </a:pPr>
+            <a:r>
+              <a:rPr b="0" lang="en-US" sz="1600" spc="-1" strike="noStrike">
+                <a:latin typeface="Courier New"/>
+              </a:rPr>
+              <a:t>Is there a discernable relationship at all?</a:t>
+            </a:r>
             <a:endParaRPr b="0" lang="en-US" sz="1600" spc="-1" strike="noStrike">
               <a:latin typeface="Arial"/>
             </a:endParaRPr>
           </a:p>
           <a:p>
-            <a:pPr marL="216000" indent="-216000">
-              <a:buClr>
-                <a:srgbClr val="000000"/>
-              </a:buClr>
-              <a:buSzPct val="45000"/>
-              <a:buFont typeface="Wingdings" charset="2"/>
-              <a:buChar char=""/>
-            </a:pPr>
-            <a:r>
-              <a:rPr b="0" lang="en-US" sz="1600" spc="-1" strike="noStrike">
-                <a:latin typeface="Courier New"/>
-              </a:rPr>
-              <a:t>Which Tropes have been highest grossing within certain </a:t>
-            </a:r>
-            <a:r>
-              <a:rPr b="1" lang="en-US" sz="1600" spc="-1" strike="noStrike">
-                <a:latin typeface="Courier New"/>
-              </a:rPr>
-              <a:t>genres</a:t>
-            </a:r>
-            <a:r>
-              <a:rPr b="0" lang="en-US" sz="1600" spc="-1" strike="noStrike">
-                <a:latin typeface="Courier New"/>
-              </a:rPr>
-              <a:t>?</a:t>
-            </a:r>
+            <a:pPr>
+              <a:lnSpc>
+                <a:spcPct val="100000"/>
+              </a:lnSpc>
+              <a:buNone/>
+            </a:pPr>
             <a:endParaRPr b="0" lang="en-US" sz="1600" spc="-1" strike="noStrike">
               <a:latin typeface="Arial"/>
             </a:endParaRPr>
           </a:p>
           <a:p>
-            <a:pPr marL="216000" indent="-216000">
-              <a:buClr>
-                <a:srgbClr val="000000"/>
-              </a:buClr>
-              <a:buSzPct val="45000"/>
-              <a:buFont typeface="Wingdings" charset="2"/>
-              <a:buChar char=""/>
-            </a:pPr>
-            <a:endParaRPr b="0" lang="en-US" sz="1600" spc="-1" strike="noStrike">
-              <a:latin typeface="Arial"/>
-            </a:endParaRPr>
-          </a:p>
-          <a:p>
-            <a:pPr marL="216000" indent="-216000">
-              <a:buClr>
-                <a:srgbClr val="000000"/>
-              </a:buClr>
-              <a:buSzPct val="45000"/>
-              <a:buFont typeface="Wingdings" charset="2"/>
-              <a:buChar char=""/>
-            </a:pPr>
-            <a:r>
-              <a:rPr b="0" lang="en-US" sz="1600" spc="-1" strike="noStrike">
-                <a:latin typeface="Courier New"/>
-              </a:rPr>
-              <a:t>Is there a discernable relationship at all?</a:t>
-            </a:r>
-            <a:endParaRPr b="0" lang="en-US" sz="1600" spc="-1" strike="noStrike">
-              <a:latin typeface="Arial"/>
-            </a:endParaRPr>
-          </a:p>
-          <a:p>
-            <a:pPr marL="216000" indent="-216000">
-              <a:buClr>
-                <a:srgbClr val="000000"/>
-              </a:buClr>
-              <a:buSzPct val="45000"/>
-              <a:buFont typeface="Wingdings" charset="2"/>
-              <a:buChar char=""/>
-            </a:pPr>
-            <a:endParaRPr b="0" lang="en-US" sz="1600" spc="-1" strike="noStrike">
-              <a:latin typeface="Arial"/>
-            </a:endParaRPr>
-          </a:p>
-          <a:p>
-            <a:pPr marL="216000" indent="-216000">
-              <a:buClr>
-                <a:srgbClr val="000000"/>
-              </a:buClr>
-              <a:buSzPct val="45000"/>
-              <a:buFont typeface="Wingdings" charset="2"/>
-              <a:buChar char=""/>
+            <a:pPr>
+              <a:lnSpc>
+                <a:spcPct val="100000"/>
+              </a:lnSpc>
+              <a:buNone/>
             </a:pPr>
             <a:endParaRPr b="0" lang="en-US" sz="1600" spc="-1" strike="noStrike">
               <a:latin typeface="Arial"/>
@@ -10981,7 +11273,7 @@
         <p:spPr>
           <a:xfrm>
             <a:off x="4343400" y="1258560"/>
-            <a:ext cx="5714640" cy="4227480"/>
+            <a:ext cx="5714280" cy="4227120"/>
           </a:xfrm>
           <a:prstGeom prst="rect">
             <a:avLst/>
@@ -11034,7 +11326,7 @@
         <p:spPr>
           <a:xfrm>
             <a:off x="540000" y="270000"/>
-            <a:ext cx="8998560" cy="988560"/>
+            <a:ext cx="8998200" cy="988200"/>
           </a:xfrm>
           <a:prstGeom prst="rect">
             <a:avLst/>
@@ -11076,28 +11368,37 @@
       <p:sp>
         <p:nvSpPr>
           <p:cNvPr id="212" name=""/>
-          <p:cNvSpPr txBox="1"/>
+          <p:cNvSpPr/>
           <p:nvPr/>
         </p:nvSpPr>
         <p:spPr>
           <a:xfrm>
             <a:off x="6172200" y="1371600"/>
-            <a:ext cx="2971800" cy="4001040"/>
-          </a:xfrm>
-          <a:prstGeom prst="rect">
-            <a:avLst/>
-          </a:prstGeom>
-          <a:noFill/>
-          <a:ln w="0">
-            <a:noFill/>
-          </a:ln>
-        </p:spPr>
+            <a:ext cx="3429000" cy="4000680"/>
+          </a:xfrm>
+          <a:prstGeom prst="rect">
+            <a:avLst/>
+          </a:prstGeom>
+          <a:noFill/>
+          <a:ln w="0">
+            <a:noFill/>
+          </a:ln>
+        </p:spPr>
+        <p:style>
+          <a:lnRef idx="0"/>
+          <a:fillRef idx="0"/>
+          <a:effectRef idx="0"/>
+          <a:fontRef idx="minor"/>
+        </p:style>
         <p:txBody>
           <a:bodyPr lIns="90000" rIns="90000" tIns="45000" bIns="45000" anchor="t">
             <a:noAutofit/>
           </a:bodyPr>
           <a:p>
             <a:pPr marL="216000" indent="-216000">
+              <a:lnSpc>
+                <a:spcPct val="100000"/>
+              </a:lnSpc>
               <a:buClr>
                 <a:srgbClr val="000000"/>
               </a:buClr>
@@ -11109,14 +11410,76 @@
               <a:rPr b="0" lang="en-US" sz="1600" spc="-1" strike="noStrike">
                 <a:latin typeface="Courier New"/>
               </a:rPr>
-              <a:t>Version control with git&amp;hub, Numpy for Arrays, Pandas for Databases, Counter for Dictionaries</a:t>
+              <a:t>Version control with </a:t>
+            </a:r>
+            <a:r>
+              <a:rPr b="1" lang="en-US" sz="1600" spc="-1" strike="noStrike">
+                <a:latin typeface="Courier New"/>
+              </a:rPr>
+              <a:t>git</a:t>
+            </a:r>
+            <a:r>
+              <a:rPr b="0" lang="en-US" sz="1600" spc="-1" strike="noStrike">
+                <a:latin typeface="Courier New"/>
+              </a:rPr>
+              <a:t>&amp;hub, </a:t>
+            </a:r>
+            <a:r>
+              <a:rPr b="1" lang="en-US" sz="1600" spc="-1" strike="noStrike">
+                <a:latin typeface="Courier New"/>
+              </a:rPr>
+              <a:t>Numpy</a:t>
+            </a:r>
+            <a:r>
+              <a:rPr b="0" lang="en-US" sz="1600" spc="-1" strike="noStrike">
+                <a:latin typeface="Courier New"/>
+              </a:rPr>
+              <a:t> for Arrays, </a:t>
+            </a:r>
+            <a:r>
+              <a:rPr b="1" lang="en-US" sz="1600" spc="-1" strike="noStrike">
+                <a:latin typeface="Courier New"/>
+              </a:rPr>
+              <a:t>Pandas</a:t>
+            </a:r>
+            <a:r>
+              <a:rPr b="0" lang="en-US" sz="1600" spc="-1" strike="noStrike">
+                <a:latin typeface="Courier New"/>
+              </a:rPr>
+              <a:t> for Databases, </a:t>
+            </a:r>
+            <a:r>
+              <a:rPr b="1" lang="en-US" sz="1600" spc="-1" strike="noStrike">
+                <a:latin typeface="Courier New"/>
+              </a:rPr>
+              <a:t>Counter</a:t>
+            </a:r>
+            <a:r>
+              <a:rPr b="0" lang="en-US" sz="1600" spc="-1" strike="noStrike">
+                <a:latin typeface="Courier New"/>
+              </a:rPr>
+              <a:t> for Dictionaries</a:t>
             </a:r>
             <a:endParaRPr b="0" lang="en-US" sz="1600" spc="-1" strike="noStrike">
-              <a:latin typeface="Courier New"/>
+              <a:latin typeface="Arial"/>
+            </a:endParaRPr>
+          </a:p>
+          <a:p>
+            <a:pPr>
+              <a:lnSpc>
+                <a:spcPct val="100000"/>
+              </a:lnSpc>
+              <a:buNone/>
+            </a:pPr>
+            <a:endParaRPr b="0" lang="en-US" sz="1600" spc="-1" strike="noStrike">
+              <a:latin typeface="Arial"/>
             </a:endParaRPr>
           </a:p>
           <a:p>
             <a:pPr marL="216000" indent="-216000">
+              <a:lnSpc>
+                <a:spcPct val="100000"/>
+              </a:lnSpc>
               <a:buClr>
                 <a:srgbClr val="000000"/>
               </a:buClr>
@@ -11124,12 +11487,38 @@
               <a:buFont typeface="Wingdings" charset="2"/>
               <a:buChar char=""/>
             </a:pPr>
+            <a:r>
+              <a:rPr b="1" lang="en-US" sz="1600" spc="-1" strike="noStrike">
+                <a:latin typeface="Courier New"/>
+              </a:rPr>
+              <a:t>Matplotlib</a:t>
+            </a:r>
+            <a:r>
+              <a:rPr b="0" lang="en-US" sz="1600" spc="-1" strike="noStrike">
+                <a:latin typeface="Courier New"/>
+              </a:rPr>
+              <a:t> to plot </a:t>
+            </a:r>
             <a:endParaRPr b="0" lang="en-US" sz="1600" spc="-1" strike="noStrike">
-              <a:latin typeface="Courier New"/>
+              <a:latin typeface="Arial"/>
+            </a:endParaRPr>
+          </a:p>
+          <a:p>
+            <a:pPr>
+              <a:lnSpc>
+                <a:spcPct val="100000"/>
+              </a:lnSpc>
+              <a:buNone/>
+            </a:pPr>
+            <a:endParaRPr b="0" lang="en-US" sz="1600" spc="-1" strike="noStrike">
+              <a:latin typeface="Arial"/>
             </a:endParaRPr>
           </a:p>
           <a:p>
             <a:pPr marL="216000" indent="-216000">
+              <a:lnSpc>
+                <a:spcPct val="100000"/>
+              </a:lnSpc>
               <a:buClr>
                 <a:srgbClr val="000000"/>
               </a:buClr>
@@ -11138,22 +11527,49 @@
               <a:buChar char=""/>
             </a:pPr>
             <a:r>
+              <a:rPr b="1" lang="en-US" sz="1600" spc="-1" strike="noStrike">
+                <a:latin typeface="Courier New"/>
+              </a:rPr>
+              <a:t>Inflect</a:t>
+            </a:r>
+            <a:r>
               <a:rPr b="0" lang="en-US" sz="1600" spc="-1" strike="noStrike">
                 <a:latin typeface="Courier New"/>
               </a:rPr>
-              <a:t>Matplotlib to plot </a:t>
+              <a:t>, </a:t>
+            </a:r>
+            <a:r>
+              <a:rPr b="1" lang="en-US" sz="1600" spc="-1" strike="noStrike">
+                <a:latin typeface="Courier New"/>
+              </a:rPr>
+              <a:t>re</a:t>
+            </a:r>
+            <a:r>
+              <a:rPr b="0" lang="en-US" sz="1600" spc="-1" strike="noStrike">
+                <a:latin typeface="Courier New"/>
+              </a:rPr>
+              <a:t> used for text processing and filtering. Title must be converted to web query</a:t>
             </a:r>
             <a:endParaRPr b="0" lang="en-US" sz="1600" spc="-1" strike="noStrike">
-              <a:latin typeface="Courier New"/>
-            </a:endParaRPr>
-          </a:p>
-          <a:p>
+              <a:latin typeface="Arial"/>
+            </a:endParaRPr>
+          </a:p>
+          <a:p>
+            <a:pPr>
+              <a:lnSpc>
+                <a:spcPct val="100000"/>
+              </a:lnSpc>
+              <a:buNone/>
+            </a:pPr>
             <a:endParaRPr b="0" lang="en-US" sz="1600" spc="-1" strike="noStrike">
-              <a:latin typeface="Courier New"/>
+              <a:latin typeface="Arial"/>
             </a:endParaRPr>
           </a:p>
           <a:p>
             <a:pPr marL="216000" indent="-216000">
+              <a:lnSpc>
+                <a:spcPct val="100000"/>
+              </a:lnSpc>
               <a:buClr>
                 <a:srgbClr val="000000"/>
               </a:buClr>
@@ -11162,37 +11578,31 @@
               <a:buChar char=""/>
             </a:pPr>
             <a:r>
+              <a:rPr b="1" lang="en-US" sz="1600" spc="-1" strike="noStrike">
+                <a:latin typeface="Courier New"/>
+              </a:rPr>
+              <a:t>BeautifulSoup4</a:t>
+            </a:r>
+            <a:r>
               <a:rPr b="0" lang="en-US" sz="1600" spc="-1" strike="noStrike">
                 <a:latin typeface="Courier New"/>
               </a:rPr>
-              <a:t>Inflect, re used for text processing and filtering. Title must be converted to web query</a:t>
+              <a:t>, and </a:t>
+            </a:r>
+            <a:r>
+              <a:rPr b="1" lang="en-US" sz="1600" spc="-1" strike="noStrike">
+                <a:latin typeface="Courier New"/>
+              </a:rPr>
+              <a:t>Requests</a:t>
+            </a:r>
+            <a:r>
+              <a:rPr b="0" lang="en-US" sz="1600" spc="-1" strike="noStrike">
+                <a:latin typeface="Courier New"/>
+              </a:rPr>
+              <a:t> lib for scraping TvTropes</a:t>
             </a:r>
             <a:endParaRPr b="0" lang="en-US" sz="1600" spc="-1" strike="noStrike">
-              <a:latin typeface="Courier New"/>
-            </a:endParaRPr>
-          </a:p>
-          <a:p>
-            <a:endParaRPr b="0" lang="en-US" sz="1600" spc="-1" strike="noStrike">
-              <a:latin typeface="Courier New"/>
-            </a:endParaRPr>
-          </a:p>
-          <a:p>
-            <a:pPr marL="216000" indent="-216000">
-              <a:buClr>
-                <a:srgbClr val="000000"/>
-              </a:buClr>
-              <a:buSzPct val="45000"/>
-              <a:buFont typeface="Wingdings" charset="2"/>
-              <a:buChar char=""/>
-            </a:pPr>
-            <a:r>
-              <a:rPr b="0" lang="en-US" sz="1600" spc="-1" strike="noStrike">
-                <a:latin typeface="Courier New"/>
-              </a:rPr>
-              <a:t>BeautifulSoup4, and Requests lib for scraping TvTropes</a:t>
-            </a:r>
-            <a:endParaRPr b="0" lang="en-US" sz="1600" spc="-1" strike="noStrike">
-              <a:latin typeface="Courier New"/>
+              <a:latin typeface="Arial"/>
             </a:endParaRPr>
           </a:p>
         </p:txBody>
@@ -11210,7 +11620,7 @@
         <p:spPr>
           <a:xfrm>
             <a:off x="258120" y="1486440"/>
-            <a:ext cx="5685480" cy="428400"/>
+            <a:ext cx="5685120" cy="428040"/>
           </a:xfrm>
           <a:prstGeom prst="rect">
             <a:avLst/>
@@ -11233,7 +11643,7 @@
         <p:spPr>
           <a:xfrm>
             <a:off x="228600" y="2571840"/>
-            <a:ext cx="5704200" cy="399960"/>
+            <a:ext cx="5703840" cy="399600"/>
           </a:xfrm>
           <a:prstGeom prst="rect">
             <a:avLst/>
@@ -11256,7 +11666,7 @@
         <p:spPr>
           <a:xfrm>
             <a:off x="258120" y="2057400"/>
-            <a:ext cx="5685480" cy="392400"/>
+            <a:ext cx="5685120" cy="392040"/>
           </a:xfrm>
           <a:prstGeom prst="rect">
             <a:avLst/>
@@ -11280,7 +11690,7 @@
         <p:spPr>
           <a:xfrm>
             <a:off x="228600" y="3069000"/>
-            <a:ext cx="5715000" cy="2431080"/>
+            <a:ext cx="5714640" cy="2430720"/>
           </a:xfrm>
           <a:prstGeom prst="rect">
             <a:avLst/>
@@ -11333,7 +11743,7 @@
         <p:spPr>
           <a:xfrm>
             <a:off x="457200" y="2071440"/>
-            <a:ext cx="8998560" cy="1267200"/>
+            <a:ext cx="8998200" cy="1266840"/>
           </a:xfrm>
           <a:prstGeom prst="rect">
             <a:avLst/>
@@ -11382,7 +11792,7 @@
         <p:spPr>
           <a:xfrm>
             <a:off x="529560" y="3429000"/>
-            <a:ext cx="9070920" cy="727920"/>
+            <a:ext cx="9070560" cy="727560"/>
           </a:xfrm>
           <a:prstGeom prst="rect">
             <a:avLst/>
@@ -11461,7 +11871,7 @@
         <p:spPr>
           <a:xfrm>
             <a:off x="540000" y="270000"/>
-            <a:ext cx="8998560" cy="988560"/>
+            <a:ext cx="8998200" cy="988200"/>
           </a:xfrm>
           <a:prstGeom prst="rect">
             <a:avLst/>
@@ -11513,7 +11923,7 @@
         <p:spPr>
           <a:xfrm>
             <a:off x="228600" y="1371600"/>
-            <a:ext cx="7543800" cy="3786840"/>
+            <a:ext cx="7543440" cy="3786480"/>
           </a:xfrm>
           <a:prstGeom prst="rect">
             <a:avLst/>
@@ -11526,55 +11936,94 @@
       <p:sp>
         <p:nvSpPr>
           <p:cNvPr id="221" name=""/>
-          <p:cNvSpPr txBox="1"/>
+          <p:cNvSpPr/>
           <p:nvPr/>
         </p:nvSpPr>
         <p:spPr>
           <a:xfrm>
             <a:off x="8001000" y="1371600"/>
-            <a:ext cx="1828800" cy="3657600"/>
-          </a:xfrm>
-          <a:prstGeom prst="rect">
-            <a:avLst/>
-          </a:prstGeom>
-          <a:noFill/>
-          <a:ln w="0">
-            <a:noFill/>
-          </a:ln>
-        </p:spPr>
+            <a:ext cx="1828440" cy="3657240"/>
+          </a:xfrm>
+          <a:prstGeom prst="rect">
+            <a:avLst/>
+          </a:prstGeom>
+          <a:noFill/>
+          <a:ln w="0">
+            <a:noFill/>
+          </a:ln>
+        </p:spPr>
+        <p:style>
+          <a:lnRef idx="0"/>
+          <a:fillRef idx="0"/>
+          <a:effectRef idx="0"/>
+          <a:fontRef idx="minor"/>
+        </p:style>
         <p:txBody>
           <a:bodyPr lIns="90000" rIns="90000" tIns="45000" bIns="45000" anchor="t">
             <a:noAutofit/>
           </a:bodyPr>
           <a:p>
-            <a:r>
-              <a:rPr b="0" lang="en-US" sz="1800" spc="-1" strike="noStrike">
-                <a:latin typeface="Arial"/>
-              </a:rPr>
-              <a:t>Over the Past 9 Winners:</a:t>
-            </a:r>
-            <a:endParaRPr b="0" lang="en-US" sz="1800" spc="-1" strike="noStrike">
-              <a:latin typeface="Arial"/>
-            </a:endParaRPr>
-          </a:p>
-          <a:p>
-            <a:endParaRPr b="0" lang="en-US" sz="1800" spc="-1" strike="noStrike">
-              <a:latin typeface="Arial"/>
-            </a:endParaRPr>
-          </a:p>
-          <a:p>
-            <a:r>
-              <a:rPr b="0" lang="en-US" sz="1800" spc="-1" strike="noStrike">
-                <a:latin typeface="Arial"/>
-              </a:rPr>
-              <a:t>5(56%): </a:t>
-            </a:r>
-            <a:endParaRPr b="0" lang="en-US" sz="1800" spc="-1" strike="noStrike">
-              <a:latin typeface="Arial"/>
+            <a:pPr>
+              <a:lnSpc>
+                <a:spcPct val="100000"/>
+              </a:lnSpc>
+              <a:buNone/>
+            </a:pPr>
+            <a:r>
+              <a:rPr b="1" lang="en-US" sz="1600" spc="-1" strike="noStrike">
+                <a:latin typeface="Courier New"/>
+              </a:rPr>
+              <a:t>Of 9 movies:</a:t>
+            </a:r>
+            <a:endParaRPr b="0" lang="en-US" sz="1600" spc="-1" strike="noStrike">
+              <a:latin typeface="Courier New"/>
+            </a:endParaRPr>
+          </a:p>
+          <a:p>
+            <a:pPr>
+              <a:lnSpc>
+                <a:spcPct val="100000"/>
+              </a:lnSpc>
+              <a:buNone/>
+            </a:pPr>
+            <a:endParaRPr b="0" lang="en-US" sz="1600" spc="-1" strike="noStrike">
+              <a:latin typeface="Courier New"/>
+            </a:endParaRPr>
+          </a:p>
+          <a:p>
+            <a:pPr>
+              <a:lnSpc>
+                <a:spcPct val="100000"/>
+              </a:lnSpc>
+              <a:buNone/>
+            </a:pPr>
+            <a:r>
+              <a:rPr b="0" lang="en-US" sz="1600" spc="-1" strike="noStrike">
+                <a:latin typeface="Courier New"/>
+              </a:rPr>
+              <a:t>5 (</a:t>
+            </a:r>
+            <a:r>
+              <a:rPr b="1" lang="en-US" sz="1600" spc="-1" strike="noStrike">
+                <a:latin typeface="Courier New"/>
+              </a:rPr>
+              <a:t>56%</a:t>
+            </a:r>
+            <a:r>
+              <a:rPr b="0" lang="en-US" sz="1600" spc="-1" strike="noStrike">
+                <a:latin typeface="Courier New"/>
+              </a:rPr>
+              <a:t>): </a:t>
+            </a:r>
+            <a:endParaRPr b="0" lang="en-US" sz="1600" spc="-1" strike="noStrike">
+              <a:latin typeface="Courier New"/>
             </a:endParaRPr>
           </a:p>
           <a:p>
             <a:pPr marL="216000" indent="-216000">
+              <a:lnSpc>
+                <a:spcPct val="100000"/>
+              </a:lnSpc>
               <a:buClr>
                 <a:srgbClr val="000000"/>
               </a:buClr>
@@ -11583,33 +12032,60 @@
               <a:buChar char=""/>
             </a:pPr>
             <a:r>
-              <a:rPr b="0" lang="en-US" sz="1800" spc="-1" strike="noStrike">
-                <a:latin typeface="Arial"/>
+              <a:rPr b="0" lang="en-US" sz="1600" spc="-1" strike="noStrike">
+                <a:latin typeface="Courier New"/>
               </a:rPr>
               <a:t>Big Bad</a:t>
             </a:r>
-            <a:endParaRPr b="0" lang="en-US" sz="1800" spc="-1" strike="noStrike">
-              <a:latin typeface="Arial"/>
-            </a:endParaRPr>
-          </a:p>
-          <a:p>
-            <a:endParaRPr b="0" lang="en-US" sz="1800" spc="-1" strike="noStrike">
-              <a:latin typeface="Arial"/>
-            </a:endParaRPr>
-          </a:p>
-          <a:p>
-            <a:r>
-              <a:rPr b="0" lang="en-US" sz="1800" spc="-1" strike="noStrike">
-                <a:latin typeface="Arial"/>
-              </a:rPr>
-              <a:t>3 (33%): </a:t>
-            </a:r>
-            <a:endParaRPr b="0" lang="en-US" sz="1800" spc="-1" strike="noStrike">
-              <a:latin typeface="Arial"/>
+            <a:endParaRPr b="0" lang="en-US" sz="1600" spc="-1" strike="noStrike">
+              <a:latin typeface="Courier New"/>
+            </a:endParaRPr>
+          </a:p>
+          <a:p>
+            <a:pPr>
+              <a:lnSpc>
+                <a:spcPct val="100000"/>
+              </a:lnSpc>
+              <a:buNone/>
+            </a:pPr>
+            <a:endParaRPr b="0" lang="en-US" sz="1600" spc="-1" strike="noStrike">
+              <a:latin typeface="Courier New"/>
+            </a:endParaRPr>
+          </a:p>
+          <a:p>
+            <a:pPr>
+              <a:lnSpc>
+                <a:spcPct val="100000"/>
+              </a:lnSpc>
+              <a:buNone/>
+            </a:pPr>
+            <a:r>
+              <a:rPr b="0" lang="en-US" sz="1600" spc="-1" strike="noStrike">
+                <a:latin typeface="Courier New"/>
+              </a:rPr>
+              <a:t>3 (</a:t>
+            </a:r>
+            <a:r>
+              <a:rPr b="1" lang="en-US" sz="1600" spc="-1" strike="noStrike">
+                <a:latin typeface="Courier New"/>
+              </a:rPr>
+              <a:t>33%</a:t>
+            </a:r>
+            <a:r>
+              <a:rPr b="0" lang="en-US" sz="1600" spc="-1" strike="noStrike">
+                <a:latin typeface="Courier New"/>
+              </a:rPr>
+              <a:t>): </a:t>
+            </a:r>
+            <a:endParaRPr b="0" lang="en-US" sz="1600" spc="-1" strike="noStrike">
+              <a:latin typeface="Courier New"/>
             </a:endParaRPr>
           </a:p>
           <a:p>
             <a:pPr marL="216000" indent="-216000">
+              <a:lnSpc>
+                <a:spcPct val="100000"/>
+              </a:lnSpc>
               <a:buClr>
                 <a:srgbClr val="000000"/>
               </a:buClr>
@@ -11618,17 +12094,20 @@
               <a:buChar char=""/>
             </a:pPr>
             <a:r>
-              <a:rPr b="0" lang="en-US" sz="1800" spc="-1" strike="noStrike">
-                <a:latin typeface="Arial"/>
+              <a:rPr b="0" lang="en-US" sz="1600" spc="-1" strike="noStrike">
+                <a:latin typeface="Courier New"/>
               </a:rPr>
               <a:t>Adult Fear</a:t>
             </a:r>
-            <a:endParaRPr b="0" lang="en-US" sz="1800" spc="-1" strike="noStrike">
-              <a:latin typeface="Arial"/>
+            <a:endParaRPr b="0" lang="en-US" sz="1600" spc="-1" strike="noStrike">
+              <a:latin typeface="Courier New"/>
             </a:endParaRPr>
           </a:p>
           <a:p>
             <a:pPr marL="216000" indent="-216000">
+              <a:lnSpc>
+                <a:spcPct val="100000"/>
+              </a:lnSpc>
               <a:buClr>
                 <a:srgbClr val="000000"/>
               </a:buClr>
@@ -11637,17 +12116,20 @@
               <a:buChar char=""/>
             </a:pPr>
             <a:r>
-              <a:rPr b="0" lang="en-US" sz="1800" spc="-1" strike="noStrike">
-                <a:latin typeface="Arial"/>
+              <a:rPr b="0" lang="en-US" sz="1600" spc="-1" strike="noStrike">
+                <a:latin typeface="Courier New"/>
               </a:rPr>
               <a:t>Dirty Coward</a:t>
             </a:r>
-            <a:endParaRPr b="0" lang="en-US" sz="1800" spc="-1" strike="noStrike">
-              <a:latin typeface="Arial"/>
+            <a:endParaRPr b="0" lang="en-US" sz="1600" spc="-1" strike="noStrike">
+              <a:latin typeface="Courier New"/>
             </a:endParaRPr>
           </a:p>
           <a:p>
             <a:pPr marL="216000" indent="-216000">
+              <a:lnSpc>
+                <a:spcPct val="100000"/>
+              </a:lnSpc>
               <a:buClr>
                 <a:srgbClr val="000000"/>
               </a:buClr>
@@ -11656,17 +12138,20 @@
               <a:buChar char=""/>
             </a:pPr>
             <a:r>
-              <a:rPr b="0" lang="en-US" sz="1800" spc="-1" strike="noStrike">
-                <a:latin typeface="Arial"/>
+              <a:rPr b="0" lang="en-US" sz="1600" spc="-1" strike="noStrike">
+                <a:latin typeface="Courier New"/>
               </a:rPr>
               <a:t>Earn Your Happy Ending</a:t>
             </a:r>
-            <a:endParaRPr b="0" lang="en-US" sz="1800" spc="-1" strike="noStrike">
-              <a:latin typeface="Arial"/>
+            <a:endParaRPr b="0" lang="en-US" sz="1600" spc="-1" strike="noStrike">
+              <a:latin typeface="Courier New"/>
             </a:endParaRPr>
           </a:p>
           <a:p>
             <a:pPr marL="216000" indent="-216000">
+              <a:lnSpc>
+                <a:spcPct val="100000"/>
+              </a:lnSpc>
               <a:buClr>
                 <a:srgbClr val="000000"/>
               </a:buClr>
@@ -11675,17 +12160,20 @@
               <a:buChar char=""/>
             </a:pPr>
             <a:r>
-              <a:rPr b="0" lang="en-US" sz="1800" spc="-1" strike="noStrike">
-                <a:latin typeface="Arial"/>
+              <a:rPr b="0" lang="en-US" sz="1600" spc="-1" strike="noStrike">
+                <a:latin typeface="Courier New"/>
               </a:rPr>
               <a:t>In Universe</a:t>
             </a:r>
-            <a:endParaRPr b="0" lang="en-US" sz="1800" spc="-1" strike="noStrike">
-              <a:latin typeface="Arial"/>
+            <a:endParaRPr b="0" lang="en-US" sz="1600" spc="-1" strike="noStrike">
+              <a:latin typeface="Courier New"/>
             </a:endParaRPr>
           </a:p>
           <a:p>
             <a:pPr marL="216000" indent="-216000">
+              <a:lnSpc>
+                <a:spcPct val="100000"/>
+              </a:lnSpc>
               <a:buClr>
                 <a:srgbClr val="000000"/>
               </a:buClr>
@@ -11694,13 +12182,13 @@
               <a:buChar char=""/>
             </a:pPr>
             <a:r>
-              <a:rPr b="0" lang="en-US" sz="1800" spc="-1" strike="noStrike">
-                <a:latin typeface="Arial"/>
+              <a:rPr b="0" lang="en-US" sz="1600" spc="-1" strike="noStrike">
+                <a:latin typeface="Courier New"/>
               </a:rPr>
               <a:t>The Cameo</a:t>
             </a:r>
-            <a:endParaRPr b="0" lang="en-US" sz="1800" spc="-1" strike="noStrike">
-              <a:latin typeface="Arial"/>
+            <a:endParaRPr b="0" lang="en-US" sz="1600" spc="-1" strike="noStrike">
+              <a:latin typeface="Courier New"/>
             </a:endParaRPr>
           </a:p>
         </p:txBody>
@@ -11748,7 +12236,7 @@
         <p:spPr>
           <a:xfrm>
             <a:off x="540000" y="270000"/>
-            <a:ext cx="8998560" cy="988560"/>
+            <a:ext cx="8998200" cy="988200"/>
           </a:xfrm>
           <a:prstGeom prst="rect">
             <a:avLst/>
@@ -11799,8 +12287,8 @@
         </p:blipFill>
         <p:spPr>
           <a:xfrm>
-            <a:off x="98280" y="1600200"/>
-            <a:ext cx="7690320" cy="3984840"/>
+            <a:off x="0" y="1501920"/>
+            <a:ext cx="7689960" cy="3984480"/>
           </a:xfrm>
           <a:prstGeom prst="rect">
             <a:avLst/>
@@ -11813,55 +12301,100 @@
       <p:sp>
         <p:nvSpPr>
           <p:cNvPr id="224" name=""/>
-          <p:cNvSpPr txBox="1"/>
+          <p:cNvSpPr/>
           <p:nvPr/>
         </p:nvSpPr>
         <p:spPr>
           <a:xfrm>
-            <a:off x="7772400" y="1345680"/>
-            <a:ext cx="2057400" cy="3929760"/>
-          </a:xfrm>
-          <a:prstGeom prst="rect">
-            <a:avLst/>
-          </a:prstGeom>
-          <a:noFill/>
-          <a:ln w="0">
-            <a:noFill/>
-          </a:ln>
-        </p:spPr>
+            <a:off x="7772760" y="1371600"/>
+            <a:ext cx="2285640" cy="4114800"/>
+          </a:xfrm>
+          <a:prstGeom prst="rect">
+            <a:avLst/>
+          </a:prstGeom>
+          <a:noFill/>
+          <a:ln w="0">
+            <a:noFill/>
+          </a:ln>
+        </p:spPr>
+        <p:style>
+          <a:lnRef idx="0"/>
+          <a:fillRef idx="0"/>
+          <a:effectRef idx="0"/>
+          <a:fontRef idx="minor"/>
+        </p:style>
         <p:txBody>
           <a:bodyPr lIns="90000" rIns="90000" tIns="45000" bIns="45000" anchor="t">
             <a:noAutofit/>
           </a:bodyPr>
           <a:p>
-            <a:r>
-              <a:rPr b="0" lang="en-US" sz="1800" spc="-1" strike="noStrike">
-                <a:latin typeface="Arial"/>
-              </a:rPr>
-              <a:t>Of the 7 Highest Grossing:</a:t>
-            </a:r>
-            <a:endParaRPr b="0" lang="en-US" sz="1800" spc="-1" strike="noStrike">
-              <a:latin typeface="Arial"/>
-            </a:endParaRPr>
-          </a:p>
-          <a:p>
-            <a:endParaRPr b="0" lang="en-US" sz="1800" spc="-1" strike="noStrike">
-              <a:latin typeface="Arial"/>
-            </a:endParaRPr>
-          </a:p>
-          <a:p>
-            <a:r>
-              <a:rPr b="0" lang="en-US" sz="1800" spc="-1" strike="noStrike">
-                <a:latin typeface="Arial"/>
-              </a:rPr>
-              <a:t>6 (86%): </a:t>
-            </a:r>
-            <a:endParaRPr b="0" lang="en-US" sz="1800" spc="-1" strike="noStrike">
+            <a:pPr>
+              <a:lnSpc>
+                <a:spcPct val="100000"/>
+              </a:lnSpc>
+              <a:buNone/>
+            </a:pPr>
+            <a:r>
+              <a:rPr b="1" lang="en-US" sz="1600" spc="-1" strike="noStrike">
+                <a:latin typeface="Courier New"/>
+              </a:rPr>
+              <a:t>Of 7 movies</a:t>
+            </a:r>
+            <a:r>
+              <a:rPr b="0" lang="en-US" sz="1600" spc="-1" strike="noStrike">
+                <a:latin typeface="Courier New"/>
+              </a:rPr>
+              <a:t>:</a:t>
+            </a:r>
+            <a:endParaRPr b="0" lang="en-US" sz="1600" spc="-1" strike="noStrike">
+              <a:latin typeface="Arial"/>
+            </a:endParaRPr>
+          </a:p>
+          <a:p>
+            <a:pPr>
+              <a:lnSpc>
+                <a:spcPct val="100000"/>
+              </a:lnSpc>
+              <a:buNone/>
+            </a:pPr>
+            <a:endParaRPr b="0" lang="en-US" sz="1600" spc="-1" strike="noStrike">
+              <a:latin typeface="Arial"/>
+            </a:endParaRPr>
+          </a:p>
+          <a:p>
+            <a:pPr>
+              <a:lnSpc>
+                <a:spcPct val="100000"/>
+              </a:lnSpc>
+              <a:buNone/>
+            </a:pPr>
+            <a:r>
+              <a:rPr b="0" lang="en-US" sz="1600" spc="-1" strike="noStrike">
+                <a:latin typeface="Courier New"/>
+              </a:rPr>
+              <a:t>6 (</a:t>
+            </a:r>
+            <a:r>
+              <a:rPr b="1" lang="en-US" sz="1600" spc="-1" strike="noStrike">
+                <a:latin typeface="Courier New"/>
+              </a:rPr>
+              <a:t>86%</a:t>
+            </a:r>
+            <a:r>
+              <a:rPr b="0" lang="en-US" sz="1600" spc="-1" strike="noStrike">
+                <a:latin typeface="Courier New"/>
+              </a:rPr>
+              <a:t>): </a:t>
+            </a:r>
+            <a:endParaRPr b="0" lang="en-US" sz="1600" spc="-1" strike="noStrike">
               <a:latin typeface="Arial"/>
             </a:endParaRPr>
           </a:p>
           <a:p>
             <a:pPr marL="216000" indent="-216000">
+              <a:lnSpc>
+                <a:spcPct val="100000"/>
+              </a:lnSpc>
               <a:buClr>
                 <a:srgbClr val="000000"/>
               </a:buClr>
@@ -11870,17 +12403,20 @@
               <a:buChar char=""/>
             </a:pPr>
             <a:r>
-              <a:rPr b="0" lang="en-US" sz="1800" spc="-1" strike="noStrike">
-                <a:latin typeface="Arial"/>
+              <a:rPr b="0" lang="en-US" sz="1600" spc="-1" strike="noStrike">
+                <a:latin typeface="Courier New"/>
               </a:rPr>
               <a:t>Arc Words</a:t>
             </a:r>
-            <a:endParaRPr b="0" lang="en-US" sz="1800" spc="-1" strike="noStrike">
+            <a:endParaRPr b="0" lang="en-US" sz="1600" spc="-1" strike="noStrike">
               <a:latin typeface="Arial"/>
             </a:endParaRPr>
           </a:p>
           <a:p>
             <a:pPr marL="216000" indent="-216000">
+              <a:lnSpc>
+                <a:spcPct val="100000"/>
+              </a:lnSpc>
               <a:buClr>
                 <a:srgbClr val="000000"/>
               </a:buClr>
@@ -11889,35 +12425,56 @@
               <a:buChar char=""/>
             </a:pPr>
             <a:r>
-              <a:rPr b="0" lang="en-US" sz="1800" spc="-1" strike="noStrike">
-                <a:latin typeface="Arial"/>
+              <a:rPr b="0" lang="en-US" sz="1600" spc="-1" strike="noStrike">
+                <a:latin typeface="Courier New"/>
               </a:rPr>
               <a:t>All There In The Manual</a:t>
             </a:r>
             <a:br/>
             <a:r>
-              <a:rPr b="0" lang="en-US" sz="1800" spc="-1" strike="noStrike">
-                <a:latin typeface="Arial"/>
+              <a:rPr b="0" lang="en-US" sz="1600" spc="-1" strike="noStrike">
+                <a:latin typeface="Courier New"/>
               </a:rPr>
               <a:t> </a:t>
             </a:r>
-            <a:endParaRPr b="0" lang="en-US" sz="1800" spc="-1" strike="noStrike">
-              <a:latin typeface="Arial"/>
-            </a:endParaRPr>
-          </a:p>
-          <a:p>
-            <a:r>
-              <a:rPr b="0" lang="en-US" sz="1800" spc="-1" strike="noStrike">
-                <a:latin typeface="Arial"/>
-              </a:rPr>
-              <a:t>4 (57%): </a:t>
-            </a:r>
-            <a:endParaRPr b="0" lang="en-US" sz="1800" spc="-1" strike="noStrike">
+            <a:endParaRPr b="0" lang="en-US" sz="1600" spc="-1" strike="noStrike">
+              <a:latin typeface="Arial"/>
+            </a:endParaRPr>
+          </a:p>
+          <a:p>
+            <a:pPr>
+              <a:lnSpc>
+                <a:spcPct val="100000"/>
+              </a:lnSpc>
+              <a:buNone/>
+            </a:pPr>
+            <a:r>
+              <a:rPr b="0" lang="en-US" sz="1600" spc="-1" strike="noStrike">
+                <a:latin typeface="Courier New"/>
+              </a:rPr>
+              <a:t>4 (</a:t>
+            </a:r>
+            <a:r>
+              <a:rPr b="1" lang="en-US" sz="1600" spc="-1" strike="noStrike">
+                <a:latin typeface="Courier New"/>
+              </a:rPr>
+              <a:t>57%</a:t>
+            </a:r>
+            <a:r>
+              <a:rPr b="0" lang="en-US" sz="1600" spc="-1" strike="noStrike">
+                <a:latin typeface="Courier New"/>
+              </a:rPr>
+              <a:t>): </a:t>
+            </a:r>
+            <a:endParaRPr b="0" lang="en-US" sz="1600" spc="-1" strike="noStrike">
               <a:latin typeface="Arial"/>
             </a:endParaRPr>
           </a:p>
           <a:p>
             <a:pPr marL="216000" indent="-216000">
+              <a:lnSpc>
+                <a:spcPct val="100000"/>
+              </a:lnSpc>
               <a:buClr>
                 <a:srgbClr val="000000"/>
               </a:buClr>
@@ -11926,17 +12483,20 @@
               <a:buChar char=""/>
             </a:pPr>
             <a:r>
-              <a:rPr b="0" lang="en-US" sz="1800" spc="-1" strike="noStrike">
-                <a:latin typeface="Arial"/>
+              <a:rPr b="0" lang="en-US" sz="1600" spc="-1" strike="noStrike">
+                <a:latin typeface="Courier New"/>
               </a:rPr>
               <a:t>Big Bad</a:t>
             </a:r>
-            <a:endParaRPr b="0" lang="en-US" sz="1800" spc="-1" strike="noStrike">
+            <a:endParaRPr b="0" lang="en-US" sz="1600" spc="-1" strike="noStrike">
               <a:latin typeface="Arial"/>
             </a:endParaRPr>
           </a:p>
           <a:p>
             <a:pPr marL="216000" indent="-216000">
+              <a:lnSpc>
+                <a:spcPct val="100000"/>
+              </a:lnSpc>
               <a:buClr>
                 <a:srgbClr val="000000"/>
               </a:buClr>
@@ -11945,17 +12505,20 @@
               <a:buChar char=""/>
             </a:pPr>
             <a:r>
-              <a:rPr b="0" lang="en-US" sz="1800" spc="-1" strike="noStrike">
-                <a:latin typeface="Arial"/>
+              <a:rPr b="0" lang="en-US" sz="1600" spc="-1" strike="noStrike">
+                <a:latin typeface="Courier New"/>
               </a:rPr>
               <a:t>Action Film Quiet Drama Scene</a:t>
             </a:r>
-            <a:endParaRPr b="0" lang="en-US" sz="1800" spc="-1" strike="noStrike">
+            <a:endParaRPr b="0" lang="en-US" sz="1600" spc="-1" strike="noStrike">
               <a:latin typeface="Arial"/>
             </a:endParaRPr>
           </a:p>
           <a:p>
             <a:pPr marL="216000" indent="-216000">
+              <a:lnSpc>
+                <a:spcPct val="100000"/>
+              </a:lnSpc>
               <a:buClr>
                 <a:srgbClr val="000000"/>
               </a:buClr>
@@ -11964,17 +12527,23 @@
               <a:buChar char=""/>
             </a:pPr>
             <a:r>
-              <a:rPr b="0" lang="en-US" sz="1800" spc="-1" strike="noStrike">
-                <a:latin typeface="Arial"/>
+              <a:rPr b="0" lang="en-US" sz="1600" spc="-1" strike="noStrike">
+                <a:latin typeface="Courier New"/>
               </a:rPr>
               <a:t>Adult Fear</a:t>
             </a:r>
-            <a:endParaRPr b="0" lang="en-US" sz="1800" spc="-1" strike="noStrike">
-              <a:latin typeface="Arial"/>
-            </a:endParaRPr>
-          </a:p>
-          <a:p>
-            <a:endParaRPr b="0" lang="en-US" sz="1800" spc="-1" strike="noStrike">
+            <a:endParaRPr b="0" lang="en-US" sz="1600" spc="-1" strike="noStrike">
+              <a:latin typeface="Arial"/>
+            </a:endParaRPr>
+          </a:p>
+          <a:p>
+            <a:pPr>
+              <a:lnSpc>
+                <a:spcPct val="100000"/>
+              </a:lnSpc>
+              <a:buNone/>
+            </a:pPr>
+            <a:endParaRPr b="0" lang="en-US" sz="1600" spc="-1" strike="noStrike">
               <a:latin typeface="Arial"/>
             </a:endParaRPr>
           </a:p>
@@ -12023,7 +12592,7 @@
         <p:spPr>
           <a:xfrm>
             <a:off x="457200" y="2071440"/>
-            <a:ext cx="8998560" cy="1267200"/>
+            <a:ext cx="8998200" cy="1266840"/>
           </a:xfrm>
           <a:prstGeom prst="rect">
             <a:avLst/>
@@ -12072,7 +12641,7 @@
         <p:spPr>
           <a:xfrm>
             <a:off x="457200" y="3429000"/>
-            <a:ext cx="9070920" cy="727920"/>
+            <a:ext cx="9070560" cy="727560"/>
           </a:xfrm>
           <a:prstGeom prst="rect">
             <a:avLst/>
